--- a/baocao/BaoCao_DATN_TranThongThanhLuan.pptx
+++ b/baocao/BaoCao_DATN_TranThongThanhLuan.pptx
@@ -3388,7 +3388,7 @@
               <a:t>XÂY DỰNG </a:t>
             </a:r>
             <a:r>
-              <a:rPr lang="" altLang="en-US" b="1" dirty="0" smtClean="0">
+              <a:rPr lang="en-US" altLang="en-US" b="1" dirty="0" smtClean="0">
                 <a:solidFill>
                   <a:schemeClr val="tx2">
                     <a:lumMod val="75000"/>
@@ -3399,7 +3399,7 @@
               </a:rPr>
               <a:t>HỆ THỐNG GIAO TIẾP THỜI GIAN THỰC</a:t>
             </a:r>
-            <a:endParaRPr lang="" altLang="en-US" b="1" dirty="0" smtClean="0">
+            <a:endParaRPr lang="en-US" altLang="en-US" b="1" dirty="0" smtClean="0">
               <a:solidFill>
                 <a:schemeClr val="tx2">
                   <a:lumMod val="75000"/>
@@ -3441,13 +3441,13 @@
               <a:t>SVTH	: </a:t>
             </a:r>
             <a:r>
-              <a:rPr lang="" altLang="en-US" b="1" dirty="0" smtClean="0">
+              <a:rPr lang="en-US" altLang="en-US" b="1" dirty="0" smtClean="0">
                 <a:latin typeface="Times New Roman" panose="02020603050405020304" pitchFamily="18" charset="0"/>
                 <a:cs typeface="Times New Roman" panose="02020603050405020304" pitchFamily="18" charset="0"/>
               </a:rPr>
               <a:t>TRẦN THÔNG THÀNH LUÂN</a:t>
             </a:r>
-            <a:endParaRPr lang="" altLang="en-US" b="1" dirty="0">
+            <a:endParaRPr lang="en-US" altLang="en-US" b="1" dirty="0">
               <a:latin typeface="Times New Roman" panose="02020603050405020304" pitchFamily="18" charset="0"/>
               <a:cs typeface="Times New Roman" panose="02020603050405020304" pitchFamily="18" charset="0"/>
             </a:endParaRPr>
@@ -3484,7 +3484,7 @@
               <a:t>LỚP	: 1</a:t>
             </a:r>
             <a:r>
-              <a:rPr lang="" altLang="en-US" b="1" dirty="0" smtClean="0">
+              <a:rPr lang="en-US" altLang="en-US" b="1" dirty="0" smtClean="0">
                 <a:latin typeface="Times New Roman" panose="02020603050405020304" pitchFamily="18" charset="0"/>
                 <a:cs typeface="Times New Roman" panose="02020603050405020304" pitchFamily="18" charset="0"/>
               </a:rPr>
@@ -3498,13 +3498,13 @@
               <a:t>T</a:t>
             </a:r>
             <a:r>
-              <a:rPr lang="" altLang="en-US" b="1" dirty="0" smtClean="0">
+              <a:rPr lang="en-US" altLang="en-US" b="1" dirty="0" smtClean="0">
                 <a:latin typeface="Times New Roman" panose="02020603050405020304" pitchFamily="18" charset="0"/>
                 <a:cs typeface="Times New Roman" panose="02020603050405020304" pitchFamily="18" charset="0"/>
               </a:rPr>
               <a:t>2</a:t>
             </a:r>
-            <a:endParaRPr lang="" altLang="en-US" b="1" dirty="0" smtClean="0">
+            <a:endParaRPr lang="en-US" altLang="en-US" b="1" dirty="0" smtClean="0">
               <a:latin typeface="Times New Roman" panose="02020603050405020304" pitchFamily="18" charset="0"/>
               <a:cs typeface="Times New Roman" panose="02020603050405020304" pitchFamily="18" charset="0"/>
             </a:endParaRPr>
@@ -3541,7 +3541,7 @@
               <a:t>CBHG	: T</a:t>
             </a:r>
             <a:r>
-              <a:rPr lang="" altLang="en-US" b="1" dirty="0" smtClean="0">
+              <a:rPr lang="en-US" altLang="en-US" b="1" dirty="0" smtClean="0">
                 <a:latin typeface="Times New Roman" panose="02020603050405020304" pitchFamily="18" charset="0"/>
                 <a:cs typeface="Times New Roman" panose="02020603050405020304" pitchFamily="18" charset="0"/>
               </a:rPr>
@@ -3555,13 +3555,13 @@
               <a:t>S. </a:t>
             </a:r>
             <a:r>
-              <a:rPr lang="" altLang="en-US" b="1" dirty="0" smtClean="0">
+              <a:rPr lang="en-US" altLang="en-US" b="1" dirty="0" smtClean="0">
                 <a:latin typeface="Times New Roman" panose="02020603050405020304" pitchFamily="18" charset="0"/>
                 <a:cs typeface="Times New Roman" panose="02020603050405020304" pitchFamily="18" charset="0"/>
               </a:rPr>
               <a:t>MAI VĂN HÀ</a:t>
             </a:r>
-            <a:endParaRPr lang="" altLang="en-US" b="1" dirty="0" smtClean="0">
+            <a:endParaRPr lang="en-US" altLang="en-US" b="1" dirty="0" smtClean="0">
               <a:latin typeface="Times New Roman" panose="02020603050405020304" pitchFamily="18" charset="0"/>
               <a:cs typeface="Times New Roman" panose="02020603050405020304" pitchFamily="18" charset="0"/>
             </a:endParaRPr>
@@ -3614,6 +3614,9 @@
   <p:clrMapOvr>
     <a:masterClrMapping/>
   </p:clrMapOvr>
+  <p:transition>
+    <p:fade/>
+  </p:transition>
   <p:timing>
     <p:tnLst>
       <p:par>
@@ -3803,7 +3806,7 @@
               <a:buChar char="•"/>
             </a:pPr>
             <a:r>
-              <a:rPr lang="" altLang="en-US"/>
+              <a:rPr lang="en-US" altLang="en-US"/>
               <a:t>S</a:t>
             </a:r>
             <a:r>
@@ -3811,7 +3814,7 @@
               <a:t>ignaling </a:t>
             </a:r>
             <a:r>
-              <a:rPr lang="" altLang="en-US"/>
+              <a:rPr lang="en-US" altLang="en-US"/>
               <a:t>server được</a:t>
             </a:r>
             <a:r>
@@ -3819,7 +3822,7 @@
               <a:t> tạo ra để hỗ trợ đàm phán </a:t>
             </a:r>
             <a:r>
-              <a:rPr lang="" altLang="en-US"/>
+              <a:rPr lang="en-US" altLang="en-US"/>
               <a:t>P2P</a:t>
             </a:r>
             <a:r>
@@ -3834,10 +3837,10 @@
               <a:buChar char="•"/>
             </a:pPr>
             <a:r>
-              <a:rPr lang="" altLang="en-US"/>
+              <a:rPr lang="en-US" altLang="en-US"/>
               <a:t>Khi có 1 peer kết nối vào hệ thống, các peer đã có trong hệ thống sẽ gửi offer đến peer mới kết nối đồng thời setLocalDescription.</a:t>
             </a:r>
-            <a:endParaRPr lang="" altLang="en-US"/>
+            <a:endParaRPr lang="en-US" altLang="en-US"/>
           </a:p>
           <a:p>
             <a:pPr marL="285750" indent="-285750">
@@ -3845,10 +3848,10 @@
               <a:buChar char="•"/>
             </a:pPr>
             <a:r>
-              <a:rPr lang="" altLang="en-US"/>
+              <a:rPr lang="en-US" altLang="en-US"/>
               <a:t>PeerOffer bắt đầu thu thập các ICE và gửi cho peer mới vào.</a:t>
             </a:r>
-            <a:endParaRPr lang="" altLang="en-US"/>
+            <a:endParaRPr lang="en-US" altLang="en-US"/>
           </a:p>
           <a:p>
             <a:pPr marL="285750" indent="-285750">
@@ -3856,10 +3859,10 @@
               <a:buChar char="•"/>
             </a:pPr>
             <a:r>
-              <a:rPr lang="" altLang="en-US"/>
+              <a:rPr lang="en-US" altLang="en-US"/>
               <a:t>Peer mới vào gửi lại answer đến những peer đã offer và setRemoteDescription.</a:t>
             </a:r>
-            <a:endParaRPr lang="" altLang="en-US"/>
+            <a:endParaRPr lang="en-US" altLang="en-US"/>
           </a:p>
           <a:p>
             <a:pPr marL="285750" indent="-285750">
@@ -3867,10 +3870,10 @@
               <a:buChar char="•"/>
             </a:pPr>
             <a:r>
-              <a:rPr lang="" altLang="en-US"/>
+              <a:rPr lang="en-US" altLang="en-US"/>
               <a:t>PeerAnswer đã có thể thu thập các ICE từ bây giờ</a:t>
             </a:r>
-            <a:endParaRPr lang="" altLang="en-US"/>
+            <a:endParaRPr lang="en-US" altLang="en-US"/>
           </a:p>
           <a:p>
             <a:pPr marL="285750" indent="-285750">
@@ -3878,10 +3881,10 @@
               <a:buChar char="•"/>
             </a:pPr>
             <a:r>
-              <a:rPr lang="" altLang="en-US"/>
+              <a:rPr lang="en-US" altLang="en-US"/>
               <a:t>PeerOffer nhận được answer đồng thời setRemoteDescription</a:t>
             </a:r>
-            <a:endParaRPr lang="" altLang="en-US"/>
+            <a:endParaRPr lang="en-US" altLang="en-US"/>
           </a:p>
           <a:p>
             <a:pPr marL="285750" indent="-285750">
@@ -3889,10 +3892,10 @@
               <a:buChar char="•"/>
             </a:pPr>
             <a:r>
-              <a:rPr lang="" altLang="en-US"/>
+              <a:rPr lang="en-US" altLang="en-US"/>
               <a:t>Nếu quá trình ICE không xảy ra lỗi thì 2 peer đã có thể gửi dữ liệu cho nhau.</a:t>
             </a:r>
-            <a:endParaRPr lang="" altLang="en-US"/>
+            <a:endParaRPr lang="en-US" altLang="en-US"/>
           </a:p>
         </p:txBody>
       </p:sp>
@@ -3901,12 +3904,220 @@
   <p:clrMapOvr>
     <a:masterClrMapping/>
   </p:clrMapOvr>
+  <p:transition>
+    <p:wipe dir="r"/>
+  </p:transition>
   <p:timing>
     <p:tnLst>
       <p:par>
-        <p:cTn id="1" dur="indefinite" restart="never" nodeType="tmRoot"/>
+        <p:cTn id="1" dur="indefinite" restart="never" nodeType="tmRoot">
+          <p:childTnLst>
+            <p:seq concurrent="1" nextAc="seek">
+              <p:cTn id="2" dur="indefinite" nodeType="mainSeq">
+                <p:childTnLst>
+                  <p:par>
+                    <p:cTn id="3" fill="hold">
+                      <p:stCondLst>
+                        <p:cond delay="indefinite"/>
+                        <p:cond evt="onBegin" delay="0">
+                          <p:tn val="2"/>
+                        </p:cond>
+                      </p:stCondLst>
+                      <p:childTnLst>
+                        <p:par>
+                          <p:cTn id="4" fill="hold">
+                            <p:stCondLst>
+                              <p:cond delay="0"/>
+                            </p:stCondLst>
+                            <p:childTnLst>
+                              <p:par>
+                                <p:cTn id="5" presetID="49" presetClass="entr" presetSubtype="0" decel="100000" fill="hold" nodeType="withEffect">
+                                  <p:stCondLst>
+                                    <p:cond delay="0"/>
+                                  </p:stCondLst>
+                                  <p:childTnLst>
+                                    <p:set>
+                                      <p:cBhvr>
+                                        <p:cTn id="6" dur="1" fill="hold">
+                                          <p:stCondLst>
+                                            <p:cond delay="0"/>
+                                          </p:stCondLst>
+                                        </p:cTn>
+                                        <p:tgtEl>
+                                          <p:spTgt spid="2"/>
+                                        </p:tgtEl>
+                                        <p:attrNameLst>
+                                          <p:attrName>style.visibility</p:attrName>
+                                        </p:attrNameLst>
+                                      </p:cBhvr>
+                                      <p:to>
+                                        <p:strVal val="visible"/>
+                                      </p:to>
+                                    </p:set>
+                                    <p:anim calcmode="lin" valueType="num">
+                                      <p:cBhvr>
+                                        <p:cTn id="7" dur="500" fill="hold"/>
+                                        <p:tgtEl>
+                                          <p:spTgt spid="2"/>
+                                        </p:tgtEl>
+                                        <p:attrNameLst>
+                                          <p:attrName>ppt_w</p:attrName>
+                                        </p:attrNameLst>
+                                      </p:cBhvr>
+                                      <p:tavLst>
+                                        <p:tav tm="0">
+                                          <p:val>
+                                            <p:fltVal val="0"/>
+                                          </p:val>
+                                        </p:tav>
+                                        <p:tav tm="100000">
+                                          <p:val>
+                                            <p:strVal val="#ppt_w"/>
+                                          </p:val>
+                                        </p:tav>
+                                      </p:tavLst>
+                                    </p:anim>
+                                    <p:anim calcmode="lin" valueType="num">
+                                      <p:cBhvr>
+                                        <p:cTn id="8" dur="500" fill="hold"/>
+                                        <p:tgtEl>
+                                          <p:spTgt spid="2"/>
+                                        </p:tgtEl>
+                                        <p:attrNameLst>
+                                          <p:attrName>ppt_h</p:attrName>
+                                        </p:attrNameLst>
+                                      </p:cBhvr>
+                                      <p:tavLst>
+                                        <p:tav tm="0">
+                                          <p:val>
+                                            <p:fltVal val="0"/>
+                                          </p:val>
+                                        </p:tav>
+                                        <p:tav tm="100000">
+                                          <p:val>
+                                            <p:strVal val="#ppt_h"/>
+                                          </p:val>
+                                        </p:tav>
+                                      </p:tavLst>
+                                    </p:anim>
+                                    <p:anim calcmode="lin" valueType="num">
+                                      <p:cBhvr>
+                                        <p:cTn id="9" dur="500" fill="hold"/>
+                                        <p:tgtEl>
+                                          <p:spTgt spid="2"/>
+                                        </p:tgtEl>
+                                        <p:attrNameLst>
+                                          <p:attrName>style.rotation</p:attrName>
+                                        </p:attrNameLst>
+                                      </p:cBhvr>
+                                      <p:tavLst>
+                                        <p:tav tm="0">
+                                          <p:val>
+                                            <p:fltVal val="360"/>
+                                          </p:val>
+                                        </p:tav>
+                                        <p:tav tm="100000">
+                                          <p:val>
+                                            <p:fltVal val="0"/>
+                                          </p:val>
+                                        </p:tav>
+                                      </p:tavLst>
+                                    </p:anim>
+                                    <p:animEffect transition="in" filter="fade">
+                                      <p:cBhvr>
+                                        <p:cTn id="10" dur="500"/>
+                                        <p:tgtEl>
+                                          <p:spTgt spid="2"/>
+                                        </p:tgtEl>
+                                      </p:cBhvr>
+                                    </p:animEffect>
+                                  </p:childTnLst>
+                                </p:cTn>
+                              </p:par>
+                            </p:childTnLst>
+                          </p:cTn>
+                        </p:par>
+                      </p:childTnLst>
+                    </p:cTn>
+                  </p:par>
+                  <p:par>
+                    <p:cTn id="11" fill="hold">
+                      <p:stCondLst>
+                        <p:cond delay="indefinite"/>
+                      </p:stCondLst>
+                      <p:childTnLst>
+                        <p:par>
+                          <p:cTn id="12" fill="hold">
+                            <p:stCondLst>
+                              <p:cond delay="0"/>
+                            </p:stCondLst>
+                            <p:childTnLst>
+                              <p:par>
+                                <p:cTn id="13" presetID="14" presetClass="entr" presetSubtype="10" fill="hold" grpId="0" nodeType="clickEffect">
+                                  <p:stCondLst>
+                                    <p:cond delay="0"/>
+                                  </p:stCondLst>
+                                  <p:childTnLst>
+                                    <p:set>
+                                      <p:cBhvr>
+                                        <p:cTn id="14" dur="1" fill="hold">
+                                          <p:stCondLst>
+                                            <p:cond delay="0"/>
+                                          </p:stCondLst>
+                                        </p:cTn>
+                                        <p:tgtEl>
+                                          <p:spTgt spid="3"/>
+                                        </p:tgtEl>
+                                        <p:attrNameLst>
+                                          <p:attrName>style.visibility</p:attrName>
+                                        </p:attrNameLst>
+                                      </p:cBhvr>
+                                      <p:to>
+                                        <p:strVal val="visible"/>
+                                      </p:to>
+                                    </p:set>
+                                    <p:animEffect transition="in" filter="randombar(horizontal)">
+                                      <p:cBhvr>
+                                        <p:cTn id="15" dur="500"/>
+                                        <p:tgtEl>
+                                          <p:spTgt spid="3"/>
+                                        </p:tgtEl>
+                                      </p:cBhvr>
+                                    </p:animEffect>
+                                  </p:childTnLst>
+                                </p:cTn>
+                              </p:par>
+                            </p:childTnLst>
+                          </p:cTn>
+                        </p:par>
+                      </p:childTnLst>
+                    </p:cTn>
+                  </p:par>
+                </p:childTnLst>
+              </p:cTn>
+              <p:prevCondLst>
+                <p:cond evt="onPrev" delay="0">
+                  <p:tgtEl>
+                    <p:sldTgt/>
+                  </p:tgtEl>
+                </p:cond>
+              </p:prevCondLst>
+              <p:nextCondLst>
+                <p:cond evt="onNext" delay="0">
+                  <p:tgtEl>
+                    <p:sldTgt/>
+                  </p:tgtEl>
+                </p:cond>
+              </p:nextCondLst>
+            </p:seq>
+          </p:childTnLst>
+        </p:cTn>
       </p:par>
     </p:tnLst>
+    <p:bldLst>
+      <p:bldP spid="3" grpId="0"/>
+      <p:bldP spid="3" grpId="1"/>
+    </p:bldLst>
   </p:timing>
 </p:sld>
 </file>
@@ -4209,13 +4420,13 @@
           <a:p>
             <a:pPr algn="ctr" eaLnBrk="0" hangingPunct="0"/>
             <a:r>
-              <a:rPr lang="" altLang="en-US" sz="2200" b="1">
+              <a:rPr lang="en-US" altLang="en-US" sz="2200" b="1">
                 <a:latin typeface="Times New Roman [Mono]" panose="02020603050405020304" charset="0"/>
                 <a:cs typeface="Times New Roman [Mono]" panose="02020603050405020304" charset="0"/>
               </a:rPr>
               <a:t>Các công nghệ sử dụng trong hệ thống</a:t>
             </a:r>
-            <a:endParaRPr lang="" altLang="en-US" sz="2200">
+            <a:endParaRPr lang="en-US" altLang="en-US" sz="2200">
               <a:latin typeface="Times New Roman [Mono]" panose="02020603050405020304" charset="0"/>
               <a:cs typeface="Times New Roman [Mono]" panose="02020603050405020304" charset="0"/>
             </a:endParaRPr>
@@ -4251,7 +4462,7 @@
           <a:p>
             <a:pPr algn="ctr" eaLnBrk="0" hangingPunct="0"/>
             <a:r>
-              <a:rPr lang="" altLang="en-US" sz="2400" b="1">
+              <a:rPr lang="en-US" altLang="en-US" sz="2400" b="1">
                 <a:solidFill>
                   <a:srgbClr val="FFFBFC"/>
                 </a:solidFill>
@@ -4260,7 +4471,7 @@
               </a:rPr>
               <a:t>WebRTC </a:t>
             </a:r>
-            <a:endParaRPr lang="" altLang="en-US" sz="2400" b="1">
+            <a:endParaRPr lang="en-US" altLang="en-US" sz="2400" b="1">
               <a:solidFill>
                 <a:srgbClr val="FFFBFC"/>
               </a:solidFill>
@@ -4299,7 +4510,7 @@
           <a:p>
             <a:pPr algn="ctr" eaLnBrk="0" hangingPunct="0"/>
             <a:r>
-              <a:rPr lang="" altLang="en-US" sz="2400" b="1">
+              <a:rPr lang="en-US" altLang="en-US" sz="2400" b="1">
                 <a:solidFill>
                   <a:srgbClr val="FFFBFC"/>
                 </a:solidFill>
@@ -4308,7 +4519,7 @@
               </a:rPr>
               <a:t>React.js</a:t>
             </a:r>
-            <a:endParaRPr lang="" altLang="en-US" sz="2400" b="1">
+            <a:endParaRPr lang="en-US" altLang="en-US" sz="2400" b="1">
               <a:solidFill>
                 <a:srgbClr val="FFFBFC"/>
               </a:solidFill>
@@ -4347,7 +4558,7 @@
           <a:p>
             <a:pPr algn="ctr" eaLnBrk="0" hangingPunct="0"/>
             <a:r>
-              <a:rPr lang="" altLang="en-US" sz="2400" b="1">
+              <a:rPr lang="en-US" altLang="en-US" sz="2400" b="1">
                 <a:solidFill>
                   <a:srgbClr val="FFFBFC"/>
                 </a:solidFill>
@@ -4356,7 +4567,7 @@
               </a:rPr>
               <a:t>Node.js</a:t>
             </a:r>
-            <a:endParaRPr lang="" altLang="en-US" sz="2400" b="1">
+            <a:endParaRPr lang="en-US" altLang="en-US" sz="2400" b="1">
               <a:solidFill>
                 <a:srgbClr val="FFFBFC"/>
               </a:solidFill>
@@ -4406,7 +4617,7 @@
               <a:t> </a:t>
             </a:r>
             <a:r>
-              <a:rPr lang="" altLang="en-US" sz="1600" b="1">
+              <a:rPr lang="en-US" altLang="en-US" sz="1600" b="1">
                 <a:solidFill>
                   <a:srgbClr val="7030A0"/>
                 </a:solidFill>
@@ -4445,13 +4656,13 @@
               <a:buChar char="•"/>
             </a:pPr>
             <a:r>
-              <a:rPr lang="" altLang="en-US">
+              <a:rPr lang="en-US" altLang="en-US">
                 <a:latin typeface="Times New Roman [Mono]" panose="02020603050405020304" charset="0"/>
                 <a:cs typeface="Times New Roman [Mono]" panose="02020603050405020304" charset="0"/>
               </a:rPr>
               <a:t>Sử dụng các API của browser</a:t>
             </a:r>
-            <a:endParaRPr lang="" altLang="en-US">
+            <a:endParaRPr lang="en-US" altLang="en-US">
               <a:latin typeface="Times New Roman [Mono]" panose="02020603050405020304" charset="0"/>
               <a:cs typeface="Times New Roman [Mono]" panose="02020603050405020304" charset="0"/>
             </a:endParaRPr>
@@ -4481,7 +4692,7 @@
               <a:buChar char="•"/>
             </a:pPr>
             <a:r>
-              <a:rPr lang="" altLang="en-US">
+              <a:rPr lang="en-US" altLang="en-US">
                 <a:latin typeface="Times New Roman [Mono]" panose="02020603050405020304" charset="0"/>
                 <a:cs typeface="Times New Roman [Mono]" panose="02020603050405020304" charset="0"/>
               </a:rPr>
@@ -4526,7 +4737,7 @@
               <a:buNone/>
             </a:pPr>
             <a:r>
-              <a:rPr lang="" altLang="en-US" sz="1600" b="1">
+              <a:rPr lang="en-US" altLang="en-US" sz="1600" b="1">
                 <a:solidFill>
                   <a:schemeClr val="accent2"/>
                 </a:solidFill>
@@ -4561,13 +4772,13 @@
               <a:buChar char="•"/>
             </a:pPr>
             <a:r>
-              <a:rPr lang="" altLang="en-US">
+              <a:rPr lang="en-US" altLang="en-US">
                 <a:latin typeface="Times New Roman [Mono]" panose="02020603050405020304" charset="0"/>
                 <a:cs typeface="Times New Roman [Mono]" panose="02020603050405020304" charset="0"/>
               </a:rPr>
               <a:t>Sử dụng react.js để xây </a:t>
             </a:r>
-            <a:endParaRPr lang="" altLang="en-US">
+            <a:endParaRPr lang="en-US" altLang="en-US">
               <a:latin typeface="Times New Roman [Mono]" panose="02020603050405020304" charset="0"/>
               <a:cs typeface="Times New Roman [Mono]" panose="02020603050405020304" charset="0"/>
             </a:endParaRPr>
@@ -4587,13 +4798,13 @@
               <a:buNone/>
             </a:pPr>
             <a:r>
-              <a:rPr lang="" altLang="en-US">
+              <a:rPr lang="en-US" altLang="en-US">
                 <a:latin typeface="Times New Roman [Mono]" panose="02020603050405020304" charset="0"/>
                 <a:cs typeface="Times New Roman [Mono]" panose="02020603050405020304" charset="0"/>
               </a:rPr>
               <a:t>dựng giao diện người dùng</a:t>
             </a:r>
-            <a:endParaRPr lang="" altLang="en-US">
+            <a:endParaRPr lang="en-US" altLang="en-US">
               <a:latin typeface="Times New Roman [Mono]" panose="02020603050405020304" charset="0"/>
               <a:cs typeface="Times New Roman [Mono]" panose="02020603050405020304" charset="0"/>
             </a:endParaRPr>
@@ -4613,7 +4824,7 @@
               <a:buNone/>
             </a:pPr>
             <a:r>
-              <a:rPr lang="" altLang="en-US">
+              <a:rPr lang="en-US" altLang="en-US">
                 <a:latin typeface="Times New Roman [Mono]" panose="02020603050405020304" charset="0"/>
                 <a:cs typeface="Times New Roman [Mono]" panose="02020603050405020304" charset="0"/>
               </a:rPr>
@@ -4630,13 +4841,13 @@
               <a:buChar char="•"/>
             </a:pPr>
             <a:r>
-              <a:rPr lang="" altLang="en-US">
+              <a:rPr lang="en-US" altLang="en-US">
                 <a:latin typeface="Times New Roman [Mono]" panose="02020603050405020304" charset="0"/>
                 <a:cs typeface="Times New Roman [Mono]" panose="02020603050405020304" charset="0"/>
               </a:rPr>
               <a:t>Sử dụng thư viện</a:t>
             </a:r>
-            <a:endParaRPr lang="" altLang="en-US">
+            <a:endParaRPr lang="en-US" altLang="en-US">
               <a:latin typeface="Times New Roman [Mono]" panose="02020603050405020304" charset="0"/>
               <a:cs typeface="Times New Roman [Mono]" panose="02020603050405020304" charset="0"/>
             </a:endParaRPr>
@@ -4647,13 +4858,13 @@
               <a:buNone/>
             </a:pPr>
             <a:r>
-              <a:rPr lang="" altLang="en-US">
+              <a:rPr lang="en-US" altLang="en-US">
                 <a:latin typeface="Times New Roman [Mono]" panose="02020603050405020304" charset="0"/>
                 <a:cs typeface="Times New Roman [Mono]" panose="02020603050405020304" charset="0"/>
               </a:rPr>
               <a:t>Redux để lưu trữ.</a:t>
             </a:r>
-            <a:endParaRPr lang="" altLang="en-US">
+            <a:endParaRPr lang="en-US" altLang="en-US">
               <a:latin typeface="Times New Roman [Mono]" panose="02020603050405020304" charset="0"/>
               <a:cs typeface="Times New Roman [Mono]" panose="02020603050405020304" charset="0"/>
             </a:endParaRPr>
@@ -4674,13 +4885,13 @@
               <a:buChar char="•"/>
             </a:pPr>
             <a:r>
-              <a:rPr lang="" altLang="en-US">
+              <a:rPr lang="en-US" altLang="en-US">
                 <a:latin typeface="Times New Roman [Mono]" panose="02020603050405020304" charset="0"/>
                 <a:cs typeface="Times New Roman [Mono]" panose="02020603050405020304" charset="0"/>
               </a:rPr>
               <a:t>Các thư viện bổ trợ:</a:t>
             </a:r>
-            <a:endParaRPr lang="" altLang="en-US">
+            <a:endParaRPr lang="en-US" altLang="en-US">
               <a:latin typeface="Times New Roman [Mono]" panose="02020603050405020304" charset="0"/>
               <a:cs typeface="Times New Roman [Mono]" panose="02020603050405020304" charset="0"/>
             </a:endParaRPr>
@@ -4691,13 +4902,13 @@
               <a:buNone/>
             </a:pPr>
             <a:r>
-              <a:rPr lang="" altLang="en-US">
+              <a:rPr lang="en-US" altLang="en-US">
                 <a:latin typeface="Times New Roman [Mono]" panose="02020603050405020304" charset="0"/>
                 <a:cs typeface="Times New Roman [Mono]" panose="02020603050405020304" charset="0"/>
               </a:rPr>
               <a:t>styled-components,</a:t>
             </a:r>
-            <a:endParaRPr lang="" altLang="en-US">
+            <a:endParaRPr lang="en-US" altLang="en-US">
               <a:latin typeface="Times New Roman [Mono]" panose="02020603050405020304" charset="0"/>
               <a:cs typeface="Times New Roman [Mono]" panose="02020603050405020304" charset="0"/>
             </a:endParaRPr>
@@ -4708,13 +4919,13 @@
               <a:buNone/>
             </a:pPr>
             <a:r>
-              <a:rPr lang="" altLang="en-US">
+              <a:rPr lang="en-US" altLang="en-US">
                 <a:latin typeface="Times New Roman [Mono]" panose="02020603050405020304" charset="0"/>
                 <a:cs typeface="Times New Roman [Mono]" panose="02020603050405020304" charset="0"/>
               </a:rPr>
               <a:t>antd, ramda, axios,...</a:t>
             </a:r>
-            <a:endParaRPr lang="" altLang="en-US">
+            <a:endParaRPr lang="en-US" altLang="en-US">
               <a:latin typeface="Times New Roman [Mono]" panose="02020603050405020304" charset="0"/>
               <a:cs typeface="Times New Roman [Mono]" panose="02020603050405020304" charset="0"/>
             </a:endParaRPr>
@@ -4761,7 +4972,7 @@
               <a:t> </a:t>
             </a:r>
             <a:r>
-              <a:rPr lang="" altLang="en-US" sz="1600" b="1">
+              <a:rPr lang="en-US" altLang="en-US" sz="1600" b="1">
                 <a:solidFill>
                   <a:schemeClr val="hlink"/>
                 </a:solidFill>
@@ -4800,13 +5011,13 @@
               <a:buChar char="•"/>
             </a:pPr>
             <a:r>
-              <a:rPr lang="" altLang="en-US">
+              <a:rPr lang="en-US" altLang="en-US">
                 <a:latin typeface="Times New Roman [Mono]" panose="02020603050405020304" charset="0"/>
                 <a:cs typeface="Times New Roman [Mono]" panose="02020603050405020304" charset="0"/>
               </a:rPr>
               <a:t>Tạo signaling server</a:t>
             </a:r>
-            <a:endParaRPr lang="" altLang="en-US">
+            <a:endParaRPr lang="en-US" altLang="en-US">
               <a:latin typeface="Times New Roman [Mono]" panose="02020603050405020304" charset="0"/>
               <a:cs typeface="Times New Roman [Mono]" panose="02020603050405020304" charset="0"/>
             </a:endParaRPr>
@@ -4836,13 +5047,13 @@
               <a:buChar char="•"/>
             </a:pPr>
             <a:r>
-              <a:rPr lang="" altLang="en-US">
+              <a:rPr lang="en-US" altLang="en-US">
                 <a:latin typeface="Times New Roman [Mono]" panose="02020603050405020304" charset="0"/>
                 <a:cs typeface="Times New Roman [Mono]" panose="02020603050405020304" charset="0"/>
               </a:rPr>
               <a:t>Tạo socket server cho chat</a:t>
             </a:r>
-            <a:endParaRPr lang="" altLang="en-US">
+            <a:endParaRPr lang="en-US" altLang="en-US">
               <a:latin typeface="Times New Roman [Mono]" panose="02020603050405020304" charset="0"/>
               <a:cs typeface="Times New Roman [Mono]" panose="02020603050405020304" charset="0"/>
             </a:endParaRPr>
@@ -4863,13 +5074,13 @@
               <a:buChar char="•"/>
             </a:pPr>
             <a:r>
-              <a:rPr lang="" altLang="en-US">
+              <a:rPr lang="en-US" altLang="en-US">
                 <a:latin typeface="Times New Roman [Mono]" panose="02020603050405020304" charset="0"/>
                 <a:cs typeface="Times New Roman [Mono]" panose="02020603050405020304" charset="0"/>
               </a:rPr>
               <a:t>Trung gian giao tiếp giữa các client </a:t>
             </a:r>
-            <a:endParaRPr lang="" altLang="en-US">
+            <a:endParaRPr lang="en-US" altLang="en-US">
               <a:latin typeface="Times New Roman [Mono]" panose="02020603050405020304" charset="0"/>
               <a:cs typeface="Times New Roman [Mono]" panose="02020603050405020304" charset="0"/>
             </a:endParaRPr>
@@ -4881,12 +5092,431 @@
   <p:clrMapOvr>
     <a:masterClrMapping/>
   </p:clrMapOvr>
+  <p:transition>
+    <p:wipe dir="r"/>
+  </p:transition>
   <p:timing>
     <p:tnLst>
       <p:par>
-        <p:cTn id="1" dur="indefinite" restart="never" nodeType="tmRoot"/>
+        <p:cTn id="1" dur="indefinite" restart="never" nodeType="tmRoot">
+          <p:childTnLst>
+            <p:seq concurrent="1" nextAc="seek">
+              <p:cTn id="2" dur="indefinite" nodeType="mainSeq">
+                <p:childTnLst>
+                  <p:par>
+                    <p:cTn id="3" fill="hold">
+                      <p:stCondLst>
+                        <p:cond delay="indefinite"/>
+                        <p:cond evt="onBegin" delay="0">
+                          <p:tn val="2"/>
+                        </p:cond>
+                      </p:stCondLst>
+                      <p:childTnLst>
+                        <p:par>
+                          <p:cTn id="4" fill="hold">
+                            <p:stCondLst>
+                              <p:cond delay="0"/>
+                            </p:stCondLst>
+                            <p:childTnLst>
+                              <p:par>
+                                <p:cTn id="5" presetID="10" presetClass="entr" presetSubtype="0" fill="hold" grpId="0" nodeType="afterEffect">
+                                  <p:stCondLst>
+                                    <p:cond delay="0"/>
+                                  </p:stCondLst>
+                                  <p:childTnLst>
+                                    <p:set>
+                                      <p:cBhvr>
+                                        <p:cTn id="6" dur="1000" fill="hold">
+                                          <p:stCondLst>
+                                            <p:cond delay="0"/>
+                                          </p:stCondLst>
+                                        </p:cTn>
+                                        <p:tgtEl>
+                                          <p:spTgt spid="45182"/>
+                                        </p:tgtEl>
+                                        <p:attrNameLst>
+                                          <p:attrName>style.visibility</p:attrName>
+                                        </p:attrNameLst>
+                                      </p:cBhvr>
+                                      <p:to>
+                                        <p:strVal val="visible"/>
+                                      </p:to>
+                                    </p:set>
+                                    <p:animEffect transition="in" filter="fade">
+                                      <p:cBhvr>
+                                        <p:cTn id="7" dur="1000"/>
+                                        <p:tgtEl>
+                                          <p:spTgt spid="45182"/>
+                                        </p:tgtEl>
+                                      </p:cBhvr>
+                                    </p:animEffect>
+                                  </p:childTnLst>
+                                </p:cTn>
+                              </p:par>
+                              <p:par>
+                                <p:cTn id="8" presetID="10" presetClass="entr" presetSubtype="0" fill="hold" grpId="0" nodeType="withEffect">
+                                  <p:stCondLst>
+                                    <p:cond delay="0"/>
+                                  </p:stCondLst>
+                                  <p:childTnLst>
+                                    <p:set>
+                                      <p:cBhvr>
+                                        <p:cTn id="9" dur="1000" fill="hold">
+                                          <p:stCondLst>
+                                            <p:cond delay="0"/>
+                                          </p:stCondLst>
+                                        </p:cTn>
+                                        <p:tgtEl>
+                                          <p:spTgt spid="45183"/>
+                                        </p:tgtEl>
+                                        <p:attrNameLst>
+                                          <p:attrName>style.visibility</p:attrName>
+                                        </p:attrNameLst>
+                                      </p:cBhvr>
+                                      <p:to>
+                                        <p:strVal val="visible"/>
+                                      </p:to>
+                                    </p:set>
+                                    <p:animEffect transition="in" filter="fade">
+                                      <p:cBhvr>
+                                        <p:cTn id="10" dur="1000"/>
+                                        <p:tgtEl>
+                                          <p:spTgt spid="45183"/>
+                                        </p:tgtEl>
+                                      </p:cBhvr>
+                                    </p:animEffect>
+                                  </p:childTnLst>
+                                </p:cTn>
+                              </p:par>
+                              <p:par>
+                                <p:cTn id="11" presetID="10" presetClass="entr" presetSubtype="0" fill="hold" grpId="0" nodeType="withEffect">
+                                  <p:stCondLst>
+                                    <p:cond delay="0"/>
+                                  </p:stCondLst>
+                                  <p:childTnLst>
+                                    <p:set>
+                                      <p:cBhvr>
+                                        <p:cTn id="12" dur="1000" fill="hold">
+                                          <p:stCondLst>
+                                            <p:cond delay="0"/>
+                                          </p:stCondLst>
+                                        </p:cTn>
+                                        <p:tgtEl>
+                                          <p:spTgt spid="45184"/>
+                                        </p:tgtEl>
+                                        <p:attrNameLst>
+                                          <p:attrName>style.visibility</p:attrName>
+                                        </p:attrNameLst>
+                                      </p:cBhvr>
+                                      <p:to>
+                                        <p:strVal val="visible"/>
+                                      </p:to>
+                                    </p:set>
+                                    <p:animEffect transition="in" filter="fade">
+                                      <p:cBhvr>
+                                        <p:cTn id="13" dur="1000"/>
+                                        <p:tgtEl>
+                                          <p:spTgt spid="45184"/>
+                                        </p:tgtEl>
+                                      </p:cBhvr>
+                                    </p:animEffect>
+                                  </p:childTnLst>
+                                </p:cTn>
+                              </p:par>
+                              <p:par>
+                                <p:cTn id="14" presetID="10" presetClass="entr" presetSubtype="0" fill="hold" grpId="0" nodeType="withEffect">
+                                  <p:stCondLst>
+                                    <p:cond delay="0"/>
+                                  </p:stCondLst>
+                                  <p:childTnLst>
+                                    <p:set>
+                                      <p:cBhvr>
+                                        <p:cTn id="15" dur="1000" fill="hold">
+                                          <p:stCondLst>
+                                            <p:cond delay="0"/>
+                                          </p:stCondLst>
+                                        </p:cTn>
+                                        <p:tgtEl>
+                                          <p:spTgt spid="45185"/>
+                                        </p:tgtEl>
+                                        <p:attrNameLst>
+                                          <p:attrName>style.visibility</p:attrName>
+                                        </p:attrNameLst>
+                                      </p:cBhvr>
+                                      <p:to>
+                                        <p:strVal val="visible"/>
+                                      </p:to>
+                                    </p:set>
+                                    <p:animEffect transition="in" filter="fade">
+                                      <p:cBhvr>
+                                        <p:cTn id="16" dur="1000"/>
+                                        <p:tgtEl>
+                                          <p:spTgt spid="45185"/>
+                                        </p:tgtEl>
+                                      </p:cBhvr>
+                                    </p:animEffect>
+                                  </p:childTnLst>
+                                </p:cTn>
+                              </p:par>
+                              <p:par>
+                                <p:cTn id="17" presetID="10" presetClass="entr" presetSubtype="0" fill="hold" grpId="0" nodeType="withEffect">
+                                  <p:stCondLst>
+                                    <p:cond delay="0"/>
+                                  </p:stCondLst>
+                                  <p:childTnLst>
+                                    <p:set>
+                                      <p:cBhvr>
+                                        <p:cTn id="18" dur="1000" fill="hold">
+                                          <p:stCondLst>
+                                            <p:cond delay="0"/>
+                                          </p:stCondLst>
+                                        </p:cTn>
+                                        <p:tgtEl>
+                                          <p:spTgt spid="45186"/>
+                                        </p:tgtEl>
+                                        <p:attrNameLst>
+                                          <p:attrName>style.visibility</p:attrName>
+                                        </p:attrNameLst>
+                                      </p:cBhvr>
+                                      <p:to>
+                                        <p:strVal val="visible"/>
+                                      </p:to>
+                                    </p:set>
+                                    <p:animEffect transition="in" filter="fade">
+                                      <p:cBhvr>
+                                        <p:cTn id="19" dur="1000"/>
+                                        <p:tgtEl>
+                                          <p:spTgt spid="45186"/>
+                                        </p:tgtEl>
+                                      </p:cBhvr>
+                                    </p:animEffect>
+                                  </p:childTnLst>
+                                </p:cTn>
+                              </p:par>
+                              <p:par>
+                                <p:cTn id="20" presetID="10" presetClass="entr" presetSubtype="0" fill="hold" grpId="0" nodeType="withEffect">
+                                  <p:stCondLst>
+                                    <p:cond delay="0"/>
+                                  </p:stCondLst>
+                                  <p:childTnLst>
+                                    <p:set>
+                                      <p:cBhvr>
+                                        <p:cTn id="21" dur="1000" fill="hold">
+                                          <p:stCondLst>
+                                            <p:cond delay="0"/>
+                                          </p:stCondLst>
+                                        </p:cTn>
+                                        <p:tgtEl>
+                                          <p:spTgt spid="45187"/>
+                                        </p:tgtEl>
+                                        <p:attrNameLst>
+                                          <p:attrName>style.visibility</p:attrName>
+                                        </p:attrNameLst>
+                                      </p:cBhvr>
+                                      <p:to>
+                                        <p:strVal val="visible"/>
+                                      </p:to>
+                                    </p:set>
+                                    <p:animEffect transition="in" filter="fade">
+                                      <p:cBhvr>
+                                        <p:cTn id="22" dur="1000"/>
+                                        <p:tgtEl>
+                                          <p:spTgt spid="45187"/>
+                                        </p:tgtEl>
+                                      </p:cBhvr>
+                                    </p:animEffect>
+                                  </p:childTnLst>
+                                </p:cTn>
+                              </p:par>
+                              <p:par>
+                                <p:cTn id="23" presetID="10" presetClass="entr" presetSubtype="0" fill="hold" grpId="0" nodeType="withEffect">
+                                  <p:stCondLst>
+                                    <p:cond delay="0"/>
+                                  </p:stCondLst>
+                                  <p:childTnLst>
+                                    <p:set>
+                                      <p:cBhvr>
+                                        <p:cTn id="24" dur="1000" fill="hold">
+                                          <p:stCondLst>
+                                            <p:cond delay="0"/>
+                                          </p:stCondLst>
+                                        </p:cTn>
+                                        <p:tgtEl>
+                                          <p:spTgt spid="45188"/>
+                                        </p:tgtEl>
+                                        <p:attrNameLst>
+                                          <p:attrName>style.visibility</p:attrName>
+                                        </p:attrNameLst>
+                                      </p:cBhvr>
+                                      <p:to>
+                                        <p:strVal val="visible"/>
+                                      </p:to>
+                                    </p:set>
+                                    <p:animEffect transition="in" filter="fade">
+                                      <p:cBhvr>
+                                        <p:cTn id="25" dur="1000"/>
+                                        <p:tgtEl>
+                                          <p:spTgt spid="45188"/>
+                                        </p:tgtEl>
+                                      </p:cBhvr>
+                                    </p:animEffect>
+                                  </p:childTnLst>
+                                </p:cTn>
+                              </p:par>
+                              <p:par>
+                                <p:cTn id="26" presetID="10" presetClass="entr" presetSubtype="0" fill="hold" grpId="0" nodeType="withEffect">
+                                  <p:stCondLst>
+                                    <p:cond delay="0"/>
+                                  </p:stCondLst>
+                                  <p:childTnLst>
+                                    <p:set>
+                                      <p:cBhvr>
+                                        <p:cTn id="27" dur="1000" fill="hold">
+                                          <p:stCondLst>
+                                            <p:cond delay="0"/>
+                                          </p:stCondLst>
+                                        </p:cTn>
+                                        <p:tgtEl>
+                                          <p:spTgt spid="45189"/>
+                                        </p:tgtEl>
+                                        <p:attrNameLst>
+                                          <p:attrName>style.visibility</p:attrName>
+                                        </p:attrNameLst>
+                                      </p:cBhvr>
+                                      <p:to>
+                                        <p:strVal val="visible"/>
+                                      </p:to>
+                                    </p:set>
+                                    <p:animEffect transition="in" filter="fade">
+                                      <p:cBhvr>
+                                        <p:cTn id="28" dur="1000"/>
+                                        <p:tgtEl>
+                                          <p:spTgt spid="45189"/>
+                                        </p:tgtEl>
+                                      </p:cBhvr>
+                                    </p:animEffect>
+                                  </p:childTnLst>
+                                </p:cTn>
+                              </p:par>
+                              <p:par>
+                                <p:cTn id="29" presetID="10" presetClass="entr" presetSubtype="0" fill="hold" grpId="0" nodeType="withEffect">
+                                  <p:stCondLst>
+                                    <p:cond delay="0"/>
+                                  </p:stCondLst>
+                                  <p:childTnLst>
+                                    <p:set>
+                                      <p:cBhvr>
+                                        <p:cTn id="30" dur="1000" fill="hold">
+                                          <p:stCondLst>
+                                            <p:cond delay="0"/>
+                                          </p:stCondLst>
+                                        </p:cTn>
+                                        <p:tgtEl>
+                                          <p:spTgt spid="45190"/>
+                                        </p:tgtEl>
+                                        <p:attrNameLst>
+                                          <p:attrName>style.visibility</p:attrName>
+                                        </p:attrNameLst>
+                                      </p:cBhvr>
+                                      <p:to>
+                                        <p:strVal val="visible"/>
+                                      </p:to>
+                                    </p:set>
+                                    <p:animEffect transition="in" filter="fade">
+                                      <p:cBhvr>
+                                        <p:cTn id="31" dur="1000"/>
+                                        <p:tgtEl>
+                                          <p:spTgt spid="45190"/>
+                                        </p:tgtEl>
+                                      </p:cBhvr>
+                                    </p:animEffect>
+                                  </p:childTnLst>
+                                </p:cTn>
+                              </p:par>
+                              <p:par>
+                                <p:cTn id="32" presetID="10" presetClass="entr" presetSubtype="0" fill="hold" grpId="0" nodeType="withEffect">
+                                  <p:stCondLst>
+                                    <p:cond delay="0"/>
+                                  </p:stCondLst>
+                                  <p:childTnLst>
+                                    <p:set>
+                                      <p:cBhvr>
+                                        <p:cTn id="33" dur="1000" fill="hold">
+                                          <p:stCondLst>
+                                            <p:cond delay="0"/>
+                                          </p:stCondLst>
+                                        </p:cTn>
+                                        <p:tgtEl>
+                                          <p:spTgt spid="45191"/>
+                                        </p:tgtEl>
+                                        <p:attrNameLst>
+                                          <p:attrName>style.visibility</p:attrName>
+                                        </p:attrNameLst>
+                                      </p:cBhvr>
+                                      <p:to>
+                                        <p:strVal val="visible"/>
+                                      </p:to>
+                                    </p:set>
+                                    <p:animEffect transition="in" filter="fade">
+                                      <p:cBhvr>
+                                        <p:cTn id="34" dur="1000"/>
+                                        <p:tgtEl>
+                                          <p:spTgt spid="45191"/>
+                                        </p:tgtEl>
+                                      </p:cBhvr>
+                                    </p:animEffect>
+                                  </p:childTnLst>
+                                </p:cTn>
+                              </p:par>
+                            </p:childTnLst>
+                          </p:cTn>
+                        </p:par>
+                      </p:childTnLst>
+                    </p:cTn>
+                  </p:par>
+                </p:childTnLst>
+              </p:cTn>
+              <p:prevCondLst>
+                <p:cond evt="onPrev" delay="0">
+                  <p:tgtEl>
+                    <p:sldTgt/>
+                  </p:tgtEl>
+                </p:cond>
+              </p:prevCondLst>
+              <p:nextCondLst>
+                <p:cond evt="onNext" delay="0">
+                  <p:tgtEl>
+                    <p:sldTgt/>
+                  </p:tgtEl>
+                </p:cond>
+              </p:nextCondLst>
+            </p:seq>
+          </p:childTnLst>
+        </p:cTn>
       </p:par>
     </p:tnLst>
+    <p:bldLst>
+      <p:bldP spid="45182" grpId="0" animBg="1"/>
+      <p:bldP spid="45183" grpId="0" animBg="1"/>
+      <p:bldP spid="45184" grpId="0" animBg="1"/>
+      <p:bldP spid="45185" grpId="0"/>
+      <p:bldP spid="45186" grpId="0"/>
+      <p:bldP spid="45187" grpId="0"/>
+      <p:bldP spid="45188" grpId="0"/>
+      <p:bldP spid="45189" grpId="0"/>
+      <p:bldP spid="45190" grpId="0"/>
+      <p:bldP spid="45191" grpId="0"/>
+      <p:bldP spid="45182" grpId="1" animBg="1"/>
+      <p:bldP spid="45183" grpId="1" animBg="1"/>
+      <p:bldP spid="45184" grpId="1" animBg="1"/>
+      <p:bldP spid="45185" grpId="1"/>
+      <p:bldP spid="45186" grpId="1"/>
+      <p:bldP spid="45187" grpId="1"/>
+      <p:bldP spid="45188" grpId="1"/>
+      <p:bldP spid="45189" grpId="1"/>
+      <p:bldP spid="45190" grpId="1"/>
+      <p:bldP spid="45191" grpId="1"/>
+    </p:bldLst>
   </p:timing>
 </p:sld>
 </file>
@@ -4964,14 +5594,14 @@
           </a:lstStyle>
           <a:p>
             <a:r>
-              <a:rPr lang="" altLang="en-US" sz="2400" b="1" dirty="0" smtClean="0">
+              <a:rPr lang="en-US" altLang="en-US" sz="2400" b="1" dirty="0" smtClean="0">
                 <a:latin typeface="Times New Roman" panose="02020603050405020304" pitchFamily="18" charset="0"/>
                 <a:cs typeface="Times New Roman" panose="02020603050405020304" pitchFamily="18" charset="0"/>
                 <a:sym typeface="+mn-ea"/>
               </a:rPr>
               <a:t>PHÂN TÍCH THIẾT KẾ HỆ THỐNG</a:t>
             </a:r>
-            <a:endParaRPr lang="" altLang="en-US" sz="2400" b="1" dirty="0">
+            <a:endParaRPr lang="en-US" altLang="en-US" sz="2400" b="1" dirty="0">
               <a:latin typeface="Times New Roman" panose="02020603050405020304" pitchFamily="18" charset="0"/>
               <a:cs typeface="Times New Roman" panose="02020603050405020304" pitchFamily="18" charset="0"/>
             </a:endParaRPr>
@@ -5052,7 +5682,7 @@
         <p:spPr>
           <a:xfrm>
             <a:off x="374650" y="1346200"/>
-            <a:ext cx="3612515" cy="4154170"/>
+            <a:ext cx="3612515" cy="1445260"/>
           </a:xfrm>
           <a:prstGeom prst="rect">
             <a:avLst/>
@@ -5080,7 +5710,41 @@
               <a:cs typeface="Times New Roman [Mono]" panose="02020603050405020304" charset="0"/>
             </a:endParaRPr>
           </a:p>
-          <a:p>
+        </p:txBody>
+      </p:sp>
+      <p:sp>
+        <p:nvSpPr>
+          <p:cNvPr id="2" name="Text Box 1"/>
+          <p:cNvSpPr txBox="1"/>
+          <p:nvPr/>
+        </p:nvSpPr>
+        <p:spPr>
+          <a:xfrm>
+            <a:off x="356235" y="2943225"/>
+            <a:ext cx="3529965" cy="2799715"/>
+          </a:xfrm>
+          <a:prstGeom prst="rect">
+            <a:avLst/>
+          </a:prstGeom>
+          <a:noFill/>
+        </p:spPr>
+        <p:txBody>
+          <a:bodyPr wrap="square" rtlCol="0">
+            <a:spAutoFit/>
+          </a:bodyPr>
+          <a:p>
+            <a:pPr marL="285750" indent="-285750">
+              <a:buFont typeface="Arial" panose="020B0604020202020204" pitchFamily="34" charset="0"/>
+              <a:buChar char="•"/>
+            </a:pPr>
+            <a:r>
+              <a:rPr lang="en-US" sz="2200">
+                <a:latin typeface="Times New Roman [Mono]" panose="02020603050405020304" charset="0"/>
+                <a:cs typeface="Times New Roman [Mono]" panose="02020603050405020304" charset="0"/>
+                <a:sym typeface="+mn-ea"/>
+              </a:rPr>
+              <a:t>Những chức năng đó bao gồm: Tham gia phòng, gọi video, thay đổi cài đặt các thiết bị, gửi tin nhắn, đổi mật khẩu phòng, copy link phòng, bật/tắt chia sẻ camera/microphone.</a:t>
+            </a:r>
             <a:endParaRPr lang="en-US" sz="2200">
               <a:latin typeface="Times New Roman [Mono]" panose="02020603050405020304" charset="0"/>
               <a:cs typeface="Times New Roman [Mono]" panose="02020603050405020304" charset="0"/>
@@ -5091,17 +5755,7 @@
               <a:buFont typeface="Arial" panose="020B0604020202020204" pitchFamily="34" charset="0"/>
               <a:buChar char="•"/>
             </a:pPr>
-            <a:r>
-              <a:rPr lang="en-US" sz="2200">
-                <a:latin typeface="Times New Roman [Mono]" panose="02020603050405020304" charset="0"/>
-                <a:cs typeface="Times New Roman [Mono]" panose="02020603050405020304" charset="0"/>
-              </a:rPr>
-              <a:t>Những chức năng đó bao gồm: Tham gia phòng, gọi video, thay đổi cài đặt các thiết bị, gửi tin nhắn, đổi mật khẩu phòng, copy link phòng, bật/tắt chia sẻ camera/microphone.</a:t>
-            </a:r>
-            <a:endParaRPr lang="en-US" sz="2200">
-              <a:latin typeface="Times New Roman [Mono]" panose="02020603050405020304" charset="0"/>
-              <a:cs typeface="Times New Roman [Mono]" panose="02020603050405020304" charset="0"/>
-            </a:endParaRPr>
+            <a:endParaRPr lang="en-US" sz="2200"/>
           </a:p>
         </p:txBody>
       </p:sp>
@@ -5110,12 +5764,234 @@
   <p:clrMapOvr>
     <a:masterClrMapping/>
   </p:clrMapOvr>
+  <p:transition>
+    <p:wipe dir="r"/>
+  </p:transition>
   <p:timing>
     <p:tnLst>
       <p:par>
-        <p:cTn id="1" dur="indefinite" restart="never" nodeType="tmRoot"/>
+        <p:cTn id="1" dur="indefinite" restart="never" nodeType="tmRoot">
+          <p:childTnLst>
+            <p:seq concurrent="1" nextAc="seek">
+              <p:cTn id="2" dur="indefinite" nodeType="mainSeq">
+                <p:childTnLst>
+                  <p:par>
+                    <p:cTn id="3" fill="hold">
+                      <p:stCondLst>
+                        <p:cond delay="indefinite"/>
+                        <p:cond evt="onBegin" delay="0">
+                          <p:tn val="2"/>
+                        </p:cond>
+                      </p:stCondLst>
+                      <p:childTnLst>
+                        <p:par>
+                          <p:cTn id="4" fill="hold">
+                            <p:stCondLst>
+                              <p:cond delay="0"/>
+                            </p:stCondLst>
+                            <p:childTnLst>
+                              <p:par>
+                                <p:cTn id="5" presetID="47" presetClass="entr" presetSubtype="0" fill="hold" nodeType="withEffect">
+                                  <p:stCondLst>
+                                    <p:cond delay="0"/>
+                                  </p:stCondLst>
+                                  <p:childTnLst>
+                                    <p:set>
+                                      <p:cBhvr>
+                                        <p:cTn id="6" dur="500" fill="hold">
+                                          <p:stCondLst>
+                                            <p:cond delay="0"/>
+                                          </p:stCondLst>
+                                        </p:cTn>
+                                        <p:tgtEl>
+                                          <p:spTgt spid="6"/>
+                                        </p:tgtEl>
+                                        <p:attrNameLst>
+                                          <p:attrName>style.visibility</p:attrName>
+                                        </p:attrNameLst>
+                                      </p:cBhvr>
+                                      <p:to>
+                                        <p:strVal val="visible"/>
+                                      </p:to>
+                                    </p:set>
+                                    <p:animEffect transition="in" filter="fade">
+                                      <p:cBhvr>
+                                        <p:cTn id="7" dur="500"/>
+                                        <p:tgtEl>
+                                          <p:spTgt spid="6"/>
+                                        </p:tgtEl>
+                                      </p:cBhvr>
+                                    </p:animEffect>
+                                    <p:anim calcmode="lin" valueType="num">
+                                      <p:cBhvr>
+                                        <p:cTn id="8" dur="500" fill="hold"/>
+                                        <p:tgtEl>
+                                          <p:spTgt spid="6"/>
+                                        </p:tgtEl>
+                                        <p:attrNameLst>
+                                          <p:attrName>ppt_x</p:attrName>
+                                        </p:attrNameLst>
+                                      </p:cBhvr>
+                                      <p:tavLst>
+                                        <p:tav tm="0">
+                                          <p:val>
+                                            <p:strVal val="#ppt_x"/>
+                                          </p:val>
+                                        </p:tav>
+                                        <p:tav tm="100000">
+                                          <p:val>
+                                            <p:strVal val="#ppt_x"/>
+                                          </p:val>
+                                        </p:tav>
+                                      </p:tavLst>
+                                    </p:anim>
+                                    <p:anim calcmode="lin" valueType="num">
+                                      <p:cBhvr>
+                                        <p:cTn id="9" dur="500" fill="hold"/>
+                                        <p:tgtEl>
+                                          <p:spTgt spid="6"/>
+                                        </p:tgtEl>
+                                        <p:attrNameLst>
+                                          <p:attrName>ppt_y</p:attrName>
+                                        </p:attrNameLst>
+                                      </p:cBhvr>
+                                      <p:tavLst>
+                                        <p:tav tm="0">
+                                          <p:val>
+                                            <p:strVal val="#ppt_y-.1"/>
+                                          </p:val>
+                                        </p:tav>
+                                        <p:tav tm="100000">
+                                          <p:val>
+                                            <p:strVal val="#ppt_y"/>
+                                          </p:val>
+                                        </p:tav>
+                                      </p:tavLst>
+                                    </p:anim>
+                                  </p:childTnLst>
+                                </p:cTn>
+                              </p:par>
+                              <p:par>
+                                <p:cTn id="10" presetID="10" presetClass="entr" presetSubtype="0" fill="hold" grpId="0" nodeType="withEffect">
+                                  <p:stCondLst>
+                                    <p:cond delay="0"/>
+                                  </p:stCondLst>
+                                  <p:childTnLst>
+                                    <p:set>
+                                      <p:cBhvr>
+                                        <p:cTn id="11" dur="1" fill="hold">
+                                          <p:stCondLst>
+                                            <p:cond delay="0"/>
+                                          </p:stCondLst>
+                                        </p:cTn>
+                                        <p:tgtEl>
+                                          <p:spTgt spid="8"/>
+                                        </p:tgtEl>
+                                        <p:attrNameLst>
+                                          <p:attrName>style.visibility</p:attrName>
+                                        </p:attrNameLst>
+                                      </p:cBhvr>
+                                      <p:to>
+                                        <p:strVal val="visible"/>
+                                      </p:to>
+                                    </p:set>
+                                    <p:animEffect transition="in" filter="fade">
+                                      <p:cBhvr>
+                                        <p:cTn id="12" dur="500"/>
+                                        <p:tgtEl>
+                                          <p:spTgt spid="8"/>
+                                        </p:tgtEl>
+                                      </p:cBhvr>
+                                    </p:animEffect>
+                                  </p:childTnLst>
+                                </p:cTn>
+                              </p:par>
+                            </p:childTnLst>
+                          </p:cTn>
+                        </p:par>
+                      </p:childTnLst>
+                    </p:cTn>
+                  </p:par>
+                  <p:par>
+                    <p:cTn id="13" fill="hold">
+                      <p:stCondLst>
+                        <p:cond delay="indefinite"/>
+                      </p:stCondLst>
+                      <p:childTnLst>
+                        <p:par>
+                          <p:cTn id="14" fill="hold">
+                            <p:stCondLst>
+                              <p:cond delay="0"/>
+                            </p:stCondLst>
+                            <p:childTnLst>
+                              <p:par>
+                                <p:cTn id="15" presetID="10" presetClass="entr" presetSubtype="0" fill="hold" grpId="0" nodeType="clickEffect">
+                                  <p:stCondLst>
+                                    <p:cond delay="0"/>
+                                  </p:stCondLst>
+                                  <p:childTnLst>
+                                    <p:set>
+                                      <p:cBhvr>
+                                        <p:cTn id="16" dur="1" fill="hold">
+                                          <p:stCondLst>
+                                            <p:cond delay="0"/>
+                                          </p:stCondLst>
+                                        </p:cTn>
+                                        <p:tgtEl>
+                                          <p:spTgt spid="2"/>
+                                        </p:tgtEl>
+                                        <p:attrNameLst>
+                                          <p:attrName>style.visibility</p:attrName>
+                                        </p:attrNameLst>
+                                      </p:cBhvr>
+                                      <p:to>
+                                        <p:strVal val="visible"/>
+                                      </p:to>
+                                    </p:set>
+                                    <p:animEffect transition="in" filter="fade">
+                                      <p:cBhvr>
+                                        <p:cTn id="17" dur="500"/>
+                                        <p:tgtEl>
+                                          <p:spTgt spid="2"/>
+                                        </p:tgtEl>
+                                      </p:cBhvr>
+                                    </p:animEffect>
+                                  </p:childTnLst>
+                                </p:cTn>
+                              </p:par>
+                            </p:childTnLst>
+                          </p:cTn>
+                        </p:par>
+                      </p:childTnLst>
+                    </p:cTn>
+                  </p:par>
+                </p:childTnLst>
+              </p:cTn>
+              <p:prevCondLst>
+                <p:cond evt="onPrev" delay="0">
+                  <p:tgtEl>
+                    <p:sldTgt/>
+                  </p:tgtEl>
+                </p:cond>
+              </p:prevCondLst>
+              <p:nextCondLst>
+                <p:cond evt="onNext" delay="0">
+                  <p:tgtEl>
+                    <p:sldTgt/>
+                  </p:tgtEl>
+                </p:cond>
+              </p:nextCondLst>
+            </p:seq>
+          </p:childTnLst>
+        </p:cTn>
       </p:par>
     </p:tnLst>
+    <p:bldLst>
+      <p:bldP spid="8" grpId="0"/>
+      <p:bldP spid="8" grpId="1"/>
+      <p:bldP spid="2" grpId="0"/>
+      <p:bldP spid="2" grpId="1"/>
+    </p:bldLst>
   </p:timing>
 </p:sld>
 </file>
@@ -5281,7 +6157,7 @@
         <p:spPr>
           <a:xfrm>
             <a:off x="940435" y="4569460"/>
-            <a:ext cx="6576695" cy="706755"/>
+            <a:ext cx="6950710" cy="768350"/>
           </a:xfrm>
           <a:prstGeom prst="rect">
             <a:avLst/>
@@ -5298,13 +6174,13 @@
           <a:p>
             <a:pPr algn="l"/>
             <a:r>
-              <a:rPr lang="en-US" altLang="zh-CN" sz="2000" b="1">
+              <a:rPr lang="en-US" altLang="zh-CN" sz="2200">
                 <a:latin typeface="Times New Roman [Mono]" panose="02020603050405020304" charset="0"/>
                 <a:cs typeface="Times New Roman [Mono]" panose="02020603050405020304" charset="0"/>
               </a:rPr>
               <a:t>Đối với gọi video, người dùng có thể chia sẻ video của mình</a:t>
             </a:r>
-            <a:endParaRPr lang="en-US" altLang="zh-CN" sz="2000" b="1">
+            <a:endParaRPr lang="en-US" altLang="zh-CN" sz="2200">
               <a:latin typeface="Times New Roman [Mono]" panose="02020603050405020304" charset="0"/>
               <a:cs typeface="Times New Roman [Mono]" panose="02020603050405020304" charset="0"/>
             </a:endParaRPr>
@@ -5312,20 +6188,20 @@
           <a:p>
             <a:pPr algn="l"/>
             <a:r>
-              <a:rPr lang="en-US" altLang="zh-CN" sz="2000" b="1">
+              <a:rPr lang="en-US" altLang="zh-CN" sz="2200">
                 <a:latin typeface="Times New Roman [Mono]" panose="02020603050405020304" charset="0"/>
                 <a:cs typeface="Times New Roman [Mono]" panose="02020603050405020304" charset="0"/>
               </a:rPr>
               <a:t>thông qua camera hoặc </a:t>
             </a:r>
             <a:r>
-              <a:rPr lang="en-US" altLang="en-US" sz="2000" b="1">
+              <a:rPr lang="en-US" altLang="en-US" sz="2200">
                 <a:latin typeface="Times New Roman [Mono]" panose="02020603050405020304" charset="0"/>
                 <a:cs typeface="Times New Roman [Mono]" panose="02020603050405020304" charset="0"/>
               </a:rPr>
               <a:t>màn hình (Share Screen).</a:t>
             </a:r>
-            <a:endParaRPr lang="en-US" altLang="en-US" sz="2000" b="1">
+            <a:endParaRPr lang="en-US" altLang="en-US" sz="2200">
               <a:latin typeface="Times New Roman [Mono]" panose="02020603050405020304" charset="0"/>
               <a:cs typeface="Times New Roman [Mono]" panose="02020603050405020304" charset="0"/>
             </a:endParaRPr>
@@ -5337,12 +6213,189 @@
   <p:clrMapOvr>
     <a:masterClrMapping/>
   </p:clrMapOvr>
+  <p:transition>
+    <p:wipe dir="r"/>
+  </p:transition>
   <p:timing>
     <p:tnLst>
       <p:par>
-        <p:cTn id="1" dur="indefinite" restart="never" nodeType="tmRoot"/>
+        <p:cTn id="1" dur="indefinite" restart="never" nodeType="tmRoot">
+          <p:childTnLst>
+            <p:seq concurrent="1" nextAc="seek">
+              <p:cTn id="2" dur="indefinite" nodeType="mainSeq">
+                <p:childTnLst>
+                  <p:par>
+                    <p:cTn id="3" fill="hold">
+                      <p:stCondLst>
+                        <p:cond delay="indefinite"/>
+                        <p:cond evt="onBegin" delay="0">
+                          <p:tn val="2"/>
+                        </p:cond>
+                      </p:stCondLst>
+                      <p:childTnLst>
+                        <p:par>
+                          <p:cTn id="4" fill="hold">
+                            <p:stCondLst>
+                              <p:cond delay="0"/>
+                            </p:stCondLst>
+                            <p:childTnLst>
+                              <p:par>
+                                <p:cTn id="5" presetID="23" presetClass="entr" presetSubtype="16" fill="hold" nodeType="withEffect">
+                                  <p:stCondLst>
+                                    <p:cond delay="0"/>
+                                  </p:stCondLst>
+                                  <p:childTnLst>
+                                    <p:set>
+                                      <p:cBhvr>
+                                        <p:cTn id="6" dur="1" fill="hold">
+                                          <p:stCondLst>
+                                            <p:cond delay="0"/>
+                                          </p:stCondLst>
+                                        </p:cTn>
+                                        <p:tgtEl>
+                                          <p:spTgt spid="2"/>
+                                        </p:tgtEl>
+                                        <p:attrNameLst>
+                                          <p:attrName>style.visibility</p:attrName>
+                                        </p:attrNameLst>
+                                      </p:cBhvr>
+                                      <p:to>
+                                        <p:strVal val="visible"/>
+                                      </p:to>
+                                    </p:set>
+                                    <p:anim calcmode="lin" valueType="num">
+                                      <p:cBhvr>
+                                        <p:cTn id="7" dur="500" fill="hold"/>
+                                        <p:tgtEl>
+                                          <p:spTgt spid="2"/>
+                                        </p:tgtEl>
+                                        <p:attrNameLst>
+                                          <p:attrName>ppt_w</p:attrName>
+                                        </p:attrNameLst>
+                                      </p:cBhvr>
+                                      <p:tavLst>
+                                        <p:tav tm="0">
+                                          <p:val>
+                                            <p:fltVal val="0"/>
+                                          </p:val>
+                                        </p:tav>
+                                        <p:tav tm="100000">
+                                          <p:val>
+                                            <p:strVal val="#ppt_w"/>
+                                          </p:val>
+                                        </p:tav>
+                                      </p:tavLst>
+                                    </p:anim>
+                                    <p:anim calcmode="lin" valueType="num">
+                                      <p:cBhvr>
+                                        <p:cTn id="8" dur="500" fill="hold"/>
+                                        <p:tgtEl>
+                                          <p:spTgt spid="2"/>
+                                        </p:tgtEl>
+                                        <p:attrNameLst>
+                                          <p:attrName>ppt_h</p:attrName>
+                                        </p:attrNameLst>
+                                      </p:cBhvr>
+                                      <p:tavLst>
+                                        <p:tav tm="0">
+                                          <p:val>
+                                            <p:fltVal val="0"/>
+                                          </p:val>
+                                        </p:tav>
+                                        <p:tav tm="100000">
+                                          <p:val>
+                                            <p:strVal val="#ppt_h"/>
+                                          </p:val>
+                                        </p:tav>
+                                      </p:tavLst>
+                                    </p:anim>
+                                  </p:childTnLst>
+                                </p:cTn>
+                              </p:par>
+                            </p:childTnLst>
+                          </p:cTn>
+                        </p:par>
+                      </p:childTnLst>
+                    </p:cTn>
+                  </p:par>
+                  <p:par>
+                    <p:cTn id="9" fill="hold">
+                      <p:stCondLst>
+                        <p:cond delay="indefinite"/>
+                      </p:stCondLst>
+                      <p:childTnLst>
+                        <p:par>
+                          <p:cTn id="10" fill="hold">
+                            <p:stCondLst>
+                              <p:cond delay="0"/>
+                            </p:stCondLst>
+                            <p:childTnLst>
+                              <p:par>
+                                <p:cTn id="11" presetID="10" presetClass="entr" presetSubtype="0" fill="hold" grpId="0" nodeType="clickEffect">
+                                  <p:stCondLst>
+                                    <p:cond delay="0"/>
+                                  </p:stCondLst>
+                                  <p:childTnLst>
+                                    <p:set>
+                                      <p:cBhvr>
+                                        <p:cTn id="12" dur="1" fill="hold">
+                                          <p:stCondLst>
+                                            <p:cond delay="0"/>
+                                          </p:stCondLst>
+                                        </p:cTn>
+                                        <p:tgtEl>
+                                          <p:spTgt spid="3"/>
+                                        </p:tgtEl>
+                                        <p:attrNameLst>
+                                          <p:attrName>style.visibility</p:attrName>
+                                        </p:attrNameLst>
+                                      </p:cBhvr>
+                                      <p:to>
+                                        <p:strVal val="visible"/>
+                                      </p:to>
+                                    </p:set>
+                                    <p:animEffect transition="in" filter="fade">
+                                      <p:cBhvr>
+                                        <p:cTn id="13" dur="500"/>
+                                        <p:tgtEl>
+                                          <p:spTgt spid="3"/>
+                                        </p:tgtEl>
+                                      </p:cBhvr>
+                                    </p:animEffect>
+                                  </p:childTnLst>
+                                </p:cTn>
+                              </p:par>
+                            </p:childTnLst>
+                          </p:cTn>
+                        </p:par>
+                      </p:childTnLst>
+                    </p:cTn>
+                  </p:par>
+                </p:childTnLst>
+              </p:cTn>
+              <p:prevCondLst>
+                <p:cond evt="onPrev" delay="0">
+                  <p:tgtEl>
+                    <p:sldTgt/>
+                  </p:tgtEl>
+                </p:cond>
+              </p:prevCondLst>
+              <p:nextCondLst>
+                <p:cond evt="onNext" delay="0">
+                  <p:tgtEl>
+                    <p:sldTgt/>
+                  </p:tgtEl>
+                </p:cond>
+              </p:nextCondLst>
+            </p:seq>
+          </p:childTnLst>
+        </p:cTn>
       </p:par>
     </p:tnLst>
+    <p:bldLst>
+      <p:bldP spid="3" grpId="0"/>
+      <p:bldP spid="3" grpId="1"/>
+    </p:bldLst>
   </p:timing>
 </p:sld>
 </file>
@@ -6120,7 +7173,7 @@
               </a:spcBef>
             </a:pPr>
             <a:r>
-              <a:rPr lang="" altLang="en-US" sz="3200" b="1">
+              <a:rPr lang="en-US" altLang="en-US" sz="3200" b="1">
                 <a:solidFill>
                   <a:srgbClr val="A50021"/>
                 </a:solidFill>
@@ -6129,7 +7182,7 @@
               </a:rPr>
               <a:t>DEMO</a:t>
             </a:r>
-            <a:endParaRPr lang="" altLang="en-US" sz="3200" b="1">
+            <a:endParaRPr lang="en-US" altLang="en-US" sz="3200" b="1">
               <a:solidFill>
                 <a:srgbClr val="A50021"/>
               </a:solidFill>
@@ -6443,9 +7496,493 @@
   <p:timing>
     <p:tnLst>
       <p:par>
-        <p:cTn id="1" dur="indefinite" restart="never" nodeType="tmRoot"/>
+        <p:cTn id="1" dur="indefinite" restart="never" nodeType="tmRoot">
+          <p:childTnLst>
+            <p:seq concurrent="1" nextAc="seek">
+              <p:cTn id="2" dur="indefinite" nodeType="mainSeq">
+                <p:childTnLst>
+                  <p:par>
+                    <p:cTn id="3" fill="hold">
+                      <p:stCondLst>
+                        <p:cond delay="indefinite"/>
+                        <p:cond evt="onBegin" delay="0">
+                          <p:tn val="2"/>
+                        </p:cond>
+                      </p:stCondLst>
+                      <p:childTnLst>
+                        <p:par>
+                          <p:cTn id="4" fill="hold">
+                            <p:stCondLst>
+                              <p:cond delay="0"/>
+                            </p:stCondLst>
+                            <p:childTnLst>
+                              <p:par>
+                                <p:cTn id="5" presetID="37" presetClass="entr" presetSubtype="0" fill="hold" nodeType="afterEffect">
+                                  <p:stCondLst>
+                                    <p:cond delay="0"/>
+                                  </p:stCondLst>
+                                  <p:childTnLst>
+                                    <p:set>
+                                      <p:cBhvr>
+                                        <p:cTn id="6" dur="1" fill="hold">
+                                          <p:stCondLst>
+                                            <p:cond delay="0"/>
+                                          </p:stCondLst>
+                                        </p:cTn>
+                                        <p:tgtEl>
+                                          <p:spTgt spid="18434"/>
+                                        </p:tgtEl>
+                                        <p:attrNameLst>
+                                          <p:attrName>style.visibility</p:attrName>
+                                        </p:attrNameLst>
+                                      </p:cBhvr>
+                                      <p:to>
+                                        <p:strVal val="visible"/>
+                                      </p:to>
+                                    </p:set>
+                                    <p:animEffect transition="in" filter="fade">
+                                      <p:cBhvr>
+                                        <p:cTn id="7" dur="500"/>
+                                        <p:tgtEl>
+                                          <p:spTgt spid="18434"/>
+                                        </p:tgtEl>
+                                      </p:cBhvr>
+                                    </p:animEffect>
+                                    <p:anim calcmode="lin" valueType="num">
+                                      <p:cBhvr>
+                                        <p:cTn id="8" dur="500" fill="hold"/>
+                                        <p:tgtEl>
+                                          <p:spTgt spid="18434"/>
+                                        </p:tgtEl>
+                                        <p:attrNameLst>
+                                          <p:attrName>ppt_x</p:attrName>
+                                        </p:attrNameLst>
+                                      </p:cBhvr>
+                                      <p:tavLst>
+                                        <p:tav tm="0">
+                                          <p:val>
+                                            <p:strVal val="#ppt_x"/>
+                                          </p:val>
+                                        </p:tav>
+                                        <p:tav tm="100000">
+                                          <p:val>
+                                            <p:strVal val="#ppt_x"/>
+                                          </p:val>
+                                        </p:tav>
+                                      </p:tavLst>
+                                    </p:anim>
+                                    <p:anim calcmode="lin" valueType="num">
+                                      <p:cBhvr>
+                                        <p:cTn id="9" dur="450" decel="100000" fill="hold"/>
+                                        <p:tgtEl>
+                                          <p:spTgt spid="18434"/>
+                                        </p:tgtEl>
+                                        <p:attrNameLst>
+                                          <p:attrName>ppt_y</p:attrName>
+                                        </p:attrNameLst>
+                                      </p:cBhvr>
+                                      <p:tavLst>
+                                        <p:tav tm="0">
+                                          <p:val>
+                                            <p:strVal val="#ppt_y+1"/>
+                                          </p:val>
+                                        </p:tav>
+                                        <p:tav tm="100000">
+                                          <p:val>
+                                            <p:strVal val="#ppt_y-.03"/>
+                                          </p:val>
+                                        </p:tav>
+                                      </p:tavLst>
+                                    </p:anim>
+                                    <p:anim calcmode="lin" valueType="num">
+                                      <p:cBhvr>
+                                        <p:cTn id="10" dur="50" accel="100000" fill="hold">
+                                          <p:stCondLst>
+                                            <p:cond delay="450"/>
+                                          </p:stCondLst>
+                                        </p:cTn>
+                                        <p:tgtEl>
+                                          <p:spTgt spid="18434"/>
+                                        </p:tgtEl>
+                                        <p:attrNameLst>
+                                          <p:attrName>ppt_y</p:attrName>
+                                        </p:attrNameLst>
+                                      </p:cBhvr>
+                                      <p:tavLst>
+                                        <p:tav tm="0">
+                                          <p:val>
+                                            <p:strVal val="#ppt_y-.03"/>
+                                          </p:val>
+                                        </p:tav>
+                                        <p:tav tm="100000">
+                                          <p:val>
+                                            <p:strVal val="#ppt_y"/>
+                                          </p:val>
+                                        </p:tav>
+                                      </p:tavLst>
+                                    </p:anim>
+                                  </p:childTnLst>
+                                </p:cTn>
+                              </p:par>
+                              <p:par>
+                                <p:cTn id="11" presetID="37" presetClass="entr" presetSubtype="0" fill="hold" grpId="0" nodeType="withEffect">
+                                  <p:stCondLst>
+                                    <p:cond delay="0"/>
+                                  </p:stCondLst>
+                                  <p:childTnLst>
+                                    <p:set>
+                                      <p:cBhvr>
+                                        <p:cTn id="12" dur="1" fill="hold">
+                                          <p:stCondLst>
+                                            <p:cond delay="0"/>
+                                          </p:stCondLst>
+                                        </p:cTn>
+                                        <p:tgtEl>
+                                          <p:spTgt spid="18456"/>
+                                        </p:tgtEl>
+                                        <p:attrNameLst>
+                                          <p:attrName>style.visibility</p:attrName>
+                                        </p:attrNameLst>
+                                      </p:cBhvr>
+                                      <p:to>
+                                        <p:strVal val="visible"/>
+                                      </p:to>
+                                    </p:set>
+                                    <p:animEffect transition="in" filter="fade">
+                                      <p:cBhvr>
+                                        <p:cTn id="13" dur="500"/>
+                                        <p:tgtEl>
+                                          <p:spTgt spid="18456"/>
+                                        </p:tgtEl>
+                                      </p:cBhvr>
+                                    </p:animEffect>
+                                    <p:anim calcmode="lin" valueType="num">
+                                      <p:cBhvr>
+                                        <p:cTn id="14" dur="500" fill="hold"/>
+                                        <p:tgtEl>
+                                          <p:spTgt spid="18456"/>
+                                        </p:tgtEl>
+                                        <p:attrNameLst>
+                                          <p:attrName>ppt_x</p:attrName>
+                                        </p:attrNameLst>
+                                      </p:cBhvr>
+                                      <p:tavLst>
+                                        <p:tav tm="0">
+                                          <p:val>
+                                            <p:strVal val="#ppt_x"/>
+                                          </p:val>
+                                        </p:tav>
+                                        <p:tav tm="100000">
+                                          <p:val>
+                                            <p:strVal val="#ppt_x"/>
+                                          </p:val>
+                                        </p:tav>
+                                      </p:tavLst>
+                                    </p:anim>
+                                    <p:anim calcmode="lin" valueType="num">
+                                      <p:cBhvr>
+                                        <p:cTn id="15" dur="450" decel="100000" fill="hold"/>
+                                        <p:tgtEl>
+                                          <p:spTgt spid="18456"/>
+                                        </p:tgtEl>
+                                        <p:attrNameLst>
+                                          <p:attrName>ppt_y</p:attrName>
+                                        </p:attrNameLst>
+                                      </p:cBhvr>
+                                      <p:tavLst>
+                                        <p:tav tm="0">
+                                          <p:val>
+                                            <p:strVal val="#ppt_y+1"/>
+                                          </p:val>
+                                        </p:tav>
+                                        <p:tav tm="100000">
+                                          <p:val>
+                                            <p:strVal val="#ppt_y-.03"/>
+                                          </p:val>
+                                        </p:tav>
+                                      </p:tavLst>
+                                    </p:anim>
+                                    <p:anim calcmode="lin" valueType="num">
+                                      <p:cBhvr>
+                                        <p:cTn id="16" dur="50" accel="100000" fill="hold">
+                                          <p:stCondLst>
+                                            <p:cond delay="450"/>
+                                          </p:stCondLst>
+                                        </p:cTn>
+                                        <p:tgtEl>
+                                          <p:spTgt spid="18456"/>
+                                        </p:tgtEl>
+                                        <p:attrNameLst>
+                                          <p:attrName>ppt_y</p:attrName>
+                                        </p:attrNameLst>
+                                      </p:cBhvr>
+                                      <p:tavLst>
+                                        <p:tav tm="0">
+                                          <p:val>
+                                            <p:strVal val="#ppt_y-.03"/>
+                                          </p:val>
+                                        </p:tav>
+                                        <p:tav tm="100000">
+                                          <p:val>
+                                            <p:strVal val="#ppt_y"/>
+                                          </p:val>
+                                        </p:tav>
+                                      </p:tavLst>
+                                    </p:anim>
+                                  </p:childTnLst>
+                                </p:cTn>
+                              </p:par>
+                              <p:par>
+                                <p:cTn id="17" presetID="37" presetClass="entr" presetSubtype="0" fill="hold" grpId="0" nodeType="withEffect">
+                                  <p:stCondLst>
+                                    <p:cond delay="0"/>
+                                  </p:stCondLst>
+                                  <p:childTnLst>
+                                    <p:set>
+                                      <p:cBhvr>
+                                        <p:cTn id="18" dur="1" fill="hold">
+                                          <p:stCondLst>
+                                            <p:cond delay="0"/>
+                                          </p:stCondLst>
+                                        </p:cTn>
+                                        <p:tgtEl>
+                                          <p:spTgt spid="1167386"/>
+                                        </p:tgtEl>
+                                        <p:attrNameLst>
+                                          <p:attrName>style.visibility</p:attrName>
+                                        </p:attrNameLst>
+                                      </p:cBhvr>
+                                      <p:to>
+                                        <p:strVal val="visible"/>
+                                      </p:to>
+                                    </p:set>
+                                    <p:animEffect transition="in" filter="fade">
+                                      <p:cBhvr>
+                                        <p:cTn id="19" dur="500"/>
+                                        <p:tgtEl>
+                                          <p:spTgt spid="1167386"/>
+                                        </p:tgtEl>
+                                      </p:cBhvr>
+                                    </p:animEffect>
+                                    <p:anim calcmode="lin" valueType="num">
+                                      <p:cBhvr>
+                                        <p:cTn id="20" dur="500" fill="hold"/>
+                                        <p:tgtEl>
+                                          <p:spTgt spid="1167386"/>
+                                        </p:tgtEl>
+                                        <p:attrNameLst>
+                                          <p:attrName>ppt_x</p:attrName>
+                                        </p:attrNameLst>
+                                      </p:cBhvr>
+                                      <p:tavLst>
+                                        <p:tav tm="0">
+                                          <p:val>
+                                            <p:strVal val="#ppt_x"/>
+                                          </p:val>
+                                        </p:tav>
+                                        <p:tav tm="100000">
+                                          <p:val>
+                                            <p:strVal val="#ppt_x"/>
+                                          </p:val>
+                                        </p:tav>
+                                      </p:tavLst>
+                                    </p:anim>
+                                    <p:anim calcmode="lin" valueType="num">
+                                      <p:cBhvr>
+                                        <p:cTn id="21" dur="450" decel="100000" fill="hold"/>
+                                        <p:tgtEl>
+                                          <p:spTgt spid="1167386"/>
+                                        </p:tgtEl>
+                                        <p:attrNameLst>
+                                          <p:attrName>ppt_y</p:attrName>
+                                        </p:attrNameLst>
+                                      </p:cBhvr>
+                                      <p:tavLst>
+                                        <p:tav tm="0">
+                                          <p:val>
+                                            <p:strVal val="#ppt_y+1"/>
+                                          </p:val>
+                                        </p:tav>
+                                        <p:tav tm="100000">
+                                          <p:val>
+                                            <p:strVal val="#ppt_y-.03"/>
+                                          </p:val>
+                                        </p:tav>
+                                      </p:tavLst>
+                                    </p:anim>
+                                    <p:anim calcmode="lin" valueType="num">
+                                      <p:cBhvr>
+                                        <p:cTn id="22" dur="50" accel="100000" fill="hold">
+                                          <p:stCondLst>
+                                            <p:cond delay="450"/>
+                                          </p:stCondLst>
+                                        </p:cTn>
+                                        <p:tgtEl>
+                                          <p:spTgt spid="1167386"/>
+                                        </p:tgtEl>
+                                        <p:attrNameLst>
+                                          <p:attrName>ppt_y</p:attrName>
+                                        </p:attrNameLst>
+                                      </p:cBhvr>
+                                      <p:tavLst>
+                                        <p:tav tm="0">
+                                          <p:val>
+                                            <p:strVal val="#ppt_y-.03"/>
+                                          </p:val>
+                                        </p:tav>
+                                        <p:tav tm="100000">
+                                          <p:val>
+                                            <p:strVal val="#ppt_y"/>
+                                          </p:val>
+                                        </p:tav>
+                                      </p:tavLst>
+                                    </p:anim>
+                                  </p:childTnLst>
+                                </p:cTn>
+                              </p:par>
+                              <p:par>
+                                <p:cTn id="23" presetID="37" presetClass="entr" presetSubtype="0" fill="hold" grpId="0" nodeType="withEffect">
+                                  <p:stCondLst>
+                                    <p:cond delay="0"/>
+                                  </p:stCondLst>
+                                  <p:childTnLst>
+                                    <p:set>
+                                      <p:cBhvr>
+                                        <p:cTn id="24" dur="1" fill="hold">
+                                          <p:stCondLst>
+                                            <p:cond delay="0"/>
+                                          </p:stCondLst>
+                                        </p:cTn>
+                                        <p:tgtEl>
+                                          <p:spTgt spid="1167387"/>
+                                        </p:tgtEl>
+                                        <p:attrNameLst>
+                                          <p:attrName>style.visibility</p:attrName>
+                                        </p:attrNameLst>
+                                      </p:cBhvr>
+                                      <p:to>
+                                        <p:strVal val="visible"/>
+                                      </p:to>
+                                    </p:set>
+                                    <p:animEffect transition="in" filter="fade">
+                                      <p:cBhvr>
+                                        <p:cTn id="25" dur="500"/>
+                                        <p:tgtEl>
+                                          <p:spTgt spid="1167387"/>
+                                        </p:tgtEl>
+                                      </p:cBhvr>
+                                    </p:animEffect>
+                                    <p:anim calcmode="lin" valueType="num">
+                                      <p:cBhvr>
+                                        <p:cTn id="26" dur="500" fill="hold"/>
+                                        <p:tgtEl>
+                                          <p:spTgt spid="1167387"/>
+                                        </p:tgtEl>
+                                        <p:attrNameLst>
+                                          <p:attrName>ppt_x</p:attrName>
+                                        </p:attrNameLst>
+                                      </p:cBhvr>
+                                      <p:tavLst>
+                                        <p:tav tm="0">
+                                          <p:val>
+                                            <p:strVal val="#ppt_x"/>
+                                          </p:val>
+                                        </p:tav>
+                                        <p:tav tm="100000">
+                                          <p:val>
+                                            <p:strVal val="#ppt_x"/>
+                                          </p:val>
+                                        </p:tav>
+                                      </p:tavLst>
+                                    </p:anim>
+                                    <p:anim calcmode="lin" valueType="num">
+                                      <p:cBhvr>
+                                        <p:cTn id="27" dur="450" decel="100000" fill="hold"/>
+                                        <p:tgtEl>
+                                          <p:spTgt spid="1167387"/>
+                                        </p:tgtEl>
+                                        <p:attrNameLst>
+                                          <p:attrName>ppt_y</p:attrName>
+                                        </p:attrNameLst>
+                                      </p:cBhvr>
+                                      <p:tavLst>
+                                        <p:tav tm="0">
+                                          <p:val>
+                                            <p:strVal val="#ppt_y+1"/>
+                                          </p:val>
+                                        </p:tav>
+                                        <p:tav tm="100000">
+                                          <p:val>
+                                            <p:strVal val="#ppt_y-.03"/>
+                                          </p:val>
+                                        </p:tav>
+                                      </p:tavLst>
+                                    </p:anim>
+                                    <p:anim calcmode="lin" valueType="num">
+                                      <p:cBhvr>
+                                        <p:cTn id="28" dur="50" accel="100000" fill="hold">
+                                          <p:stCondLst>
+                                            <p:cond delay="450"/>
+                                          </p:stCondLst>
+                                        </p:cTn>
+                                        <p:tgtEl>
+                                          <p:spTgt spid="1167387"/>
+                                        </p:tgtEl>
+                                        <p:attrNameLst>
+                                          <p:attrName>ppt_y</p:attrName>
+                                        </p:attrNameLst>
+                                      </p:cBhvr>
+                                      <p:tavLst>
+                                        <p:tav tm="0">
+                                          <p:val>
+                                            <p:strVal val="#ppt_y-.03"/>
+                                          </p:val>
+                                        </p:tav>
+                                        <p:tav tm="100000">
+                                          <p:val>
+                                            <p:strVal val="#ppt_y"/>
+                                          </p:val>
+                                        </p:tav>
+                                      </p:tavLst>
+                                    </p:anim>
+                                  </p:childTnLst>
+                                </p:cTn>
+                              </p:par>
+                            </p:childTnLst>
+                          </p:cTn>
+                        </p:par>
+                      </p:childTnLst>
+                    </p:cTn>
+                  </p:par>
+                </p:childTnLst>
+              </p:cTn>
+              <p:prevCondLst>
+                <p:cond evt="onPrev" delay="0">
+                  <p:tgtEl>
+                    <p:sldTgt/>
+                  </p:tgtEl>
+                </p:cond>
+              </p:prevCondLst>
+              <p:nextCondLst>
+                <p:cond evt="onNext" delay="0">
+                  <p:tgtEl>
+                    <p:sldTgt/>
+                  </p:tgtEl>
+                </p:cond>
+              </p:nextCondLst>
+            </p:seq>
+          </p:childTnLst>
+        </p:cTn>
       </p:par>
     </p:tnLst>
+    <p:bldLst>
+      <p:bldP spid="18456" grpId="0"/>
+      <p:bldP spid="1167386" grpId="0" animBg="1"/>
+      <p:bldP spid="1167387" grpId="0" animBg="1"/>
+      <p:bldP spid="18456" grpId="1"/>
+      <p:bldP spid="1167386" grpId="1" animBg="1"/>
+      <p:bldP spid="1167387" grpId="1" animBg="1"/>
+    </p:bldLst>
   </p:timing>
 </p:sld>
 </file>
@@ -6523,14 +8060,14 @@
           </a:lstStyle>
           <a:p>
             <a:r>
-              <a:rPr lang="" altLang="en-US" sz="2400" b="1" dirty="0" smtClean="0">
+              <a:rPr lang="en-US" altLang="en-US" sz="2400" b="1" dirty="0" smtClean="0">
                 <a:latin typeface="Times New Roman" panose="02020603050405020304" pitchFamily="18" charset="0"/>
                 <a:cs typeface="Times New Roman" panose="02020603050405020304" pitchFamily="18" charset="0"/>
                 <a:sym typeface="+mn-ea"/>
               </a:rPr>
               <a:t>KẾT LUẬN VÀ HƯỚNG PHÁT TRIỂN</a:t>
             </a:r>
-            <a:endParaRPr lang="" altLang="en-US" sz="2400" b="1" dirty="0">
+            <a:endParaRPr lang="en-US" altLang="en-US" sz="2400" b="1" dirty="0">
               <a:latin typeface="Times New Roman" panose="02020603050405020304" pitchFamily="18" charset="0"/>
               <a:cs typeface="Times New Roman" panose="02020603050405020304" pitchFamily="18" charset="0"/>
             </a:endParaRPr>
@@ -6587,7 +8124,7 @@
         <p:spPr>
           <a:xfrm>
             <a:off x="745490" y="1288415"/>
-            <a:ext cx="7671435" cy="3969385"/>
+            <a:ext cx="7671435" cy="1476375"/>
           </a:xfrm>
           <a:prstGeom prst="rect">
             <a:avLst/>
@@ -6604,10 +8141,10 @@
               <a:buChar char="•"/>
             </a:pPr>
             <a:r>
-              <a:rPr lang="" altLang="en-US"/>
+              <a:rPr lang="en-US" altLang="en-US"/>
               <a:t>Những điều đã đạt được:</a:t>
             </a:r>
-            <a:endParaRPr lang="" altLang="en-US"/>
+            <a:endParaRPr lang="en-US" altLang="en-US"/>
           </a:p>
           <a:p>
             <a:pPr indent="0">
@@ -6615,10 +8152,10 @@
               <a:buNone/>
             </a:pPr>
             <a:r>
-              <a:rPr lang="" altLang="en-US"/>
+              <a:rPr lang="en-US" altLang="en-US"/>
               <a:t>+ Cung cấp được một hệ thống website có thể giúp người dùng gọi video chat mà không cần cài thêm plugin nào</a:t>
             </a:r>
-            <a:endParaRPr lang="" altLang="en-US"/>
+            <a:endParaRPr lang="en-US" altLang="en-US"/>
           </a:p>
           <a:p>
             <a:pPr indent="0">
@@ -6626,10 +8163,10 @@
               <a:buNone/>
             </a:pPr>
             <a:r>
-              <a:rPr lang="" altLang="en-US"/>
+              <a:rPr lang="en-US" altLang="en-US"/>
               <a:t>+ Cách ứng dụng framework vào một dự án</a:t>
             </a:r>
-            <a:endParaRPr lang="" altLang="en-US"/>
+            <a:endParaRPr lang="en-US" altLang="en-US"/>
           </a:p>
           <a:p>
             <a:pPr indent="0">
@@ -6637,18 +8174,96 @@
               <a:buNone/>
             </a:pPr>
             <a:r>
-              <a:rPr lang="" altLang="en-US"/>
+              <a:rPr lang="en-US" altLang="en-US"/>
               <a:t>+ Các bước triển khai hệ thống để hoàn thiện một sản phầm trên thực tế</a:t>
             </a:r>
-            <a:endParaRPr lang="" altLang="en-US"/>
+            <a:endParaRPr lang="en-US" altLang="en-US"/>
+          </a:p>
+        </p:txBody>
+      </p:sp>
+      <p:sp>
+        <p:nvSpPr>
+          <p:cNvPr id="3" name="Text Box 2"/>
+          <p:cNvSpPr txBox="1"/>
+          <p:nvPr/>
+        </p:nvSpPr>
+        <p:spPr>
+          <a:xfrm>
+            <a:off x="733425" y="3027680"/>
+            <a:ext cx="7572375" cy="922020"/>
+          </a:xfrm>
+          <a:prstGeom prst="rect">
+            <a:avLst/>
+          </a:prstGeom>
+          <a:noFill/>
+        </p:spPr>
+        <p:txBody>
+          <a:bodyPr wrap="square" rtlCol="0">
+            <a:spAutoFit/>
+          </a:bodyPr>
+          <a:p>
+            <a:pPr marL="285750" indent="-285750">
+              <a:buFont typeface="Arial" panose="020B0604020202020204" pitchFamily="34" charset="0"/>
+              <a:buChar char="•"/>
+            </a:pPr>
+            <a:r>
+              <a:rPr lang="en-US" altLang="en-US">
+                <a:sym typeface="+mn-ea"/>
+              </a:rPr>
+              <a:t>Những điều chưa đạt được:</a:t>
+            </a:r>
+            <a:endParaRPr lang="en-US" altLang="en-US">
+              <a:sym typeface="+mn-ea"/>
+            </a:endParaRPr>
           </a:p>
           <a:p>
             <a:pPr indent="0">
               <a:buFont typeface="Arial" panose="020B0604020202020204" pitchFamily="34" charset="0"/>
               <a:buNone/>
             </a:pPr>
-            <a:endParaRPr lang="" altLang="en-US"/>
-          </a:p>
+            <a:r>
+              <a:rPr lang="en-US" altLang="en-US">
+                <a:sym typeface="+mn-ea"/>
+              </a:rPr>
+              <a:t>+ Chưa hoàn thiện về việc giảm echo noise khi hai thiết bị ở gần nhau</a:t>
+            </a:r>
+            <a:endParaRPr lang="en-US" altLang="en-US"/>
+          </a:p>
+          <a:p>
+            <a:pPr indent="0">
+              <a:buFont typeface="Arial" panose="020B0604020202020204" pitchFamily="34" charset="0"/>
+              <a:buNone/>
+            </a:pPr>
+            <a:r>
+              <a:rPr lang="en-US" altLang="en-US">
+                <a:sym typeface="+mn-ea"/>
+              </a:rPr>
+              <a:t>+ Chức năng chat còn khá đơn giản</a:t>
+            </a:r>
+            <a:endParaRPr lang="en-US"/>
+          </a:p>
+        </p:txBody>
+      </p:sp>
+      <p:sp>
+        <p:nvSpPr>
+          <p:cNvPr id="6" name="Text Box 5"/>
+          <p:cNvSpPr txBox="1"/>
+          <p:nvPr/>
+        </p:nvSpPr>
+        <p:spPr>
+          <a:xfrm>
+            <a:off x="768985" y="4236085"/>
+            <a:ext cx="7460615" cy="1198880"/>
+          </a:xfrm>
+          <a:prstGeom prst="rect">
+            <a:avLst/>
+          </a:prstGeom>
+          <a:noFill/>
+        </p:spPr>
+        <p:txBody>
+          <a:bodyPr wrap="square" rtlCol="0">
+            <a:spAutoFit/>
+          </a:bodyPr>
           <a:p>
             <a:pPr marL="285750" indent="-285750">
               <a:buFont typeface="Arial" panose="020B0604020202020204" pitchFamily="34" charset="0"/>
@@ -6658,23 +8273,9 @@
               <a:rPr lang="en-US" altLang="en-US">
                 <a:sym typeface="+mn-ea"/>
               </a:rPr>
-              <a:t>Những điều </a:t>
-            </a:r>
-            <a:r>
-              <a:rPr lang="" altLang="en-US">
-                <a:sym typeface="+mn-ea"/>
-              </a:rPr>
-              <a:t>chưa </a:t>
-            </a:r>
-            <a:r>
-              <a:rPr lang="en-US" altLang="en-US">
-                <a:sym typeface="+mn-ea"/>
-              </a:rPr>
-              <a:t>đạt được:</a:t>
-            </a:r>
-            <a:endParaRPr lang="en-US" altLang="en-US">
-              <a:sym typeface="+mn-ea"/>
-            </a:endParaRPr>
+              <a:t>Hướng phát triển:</a:t>
+            </a:r>
+            <a:endParaRPr lang="en-US" altLang="en-US"/>
           </a:p>
           <a:p>
             <a:pPr indent="0">
@@ -6682,10 +8283,12 @@
               <a:buNone/>
             </a:pPr>
             <a:r>
-              <a:rPr lang="" altLang="en-US"/>
-              <a:t>+ Chưa hoàn thiện về việc giảm echo noise khi hai thiết bị ở gần nhau</a:t>
-            </a:r>
-            <a:endParaRPr lang="" altLang="en-US"/>
+              <a:rPr lang="en-US" altLang="en-US">
+                <a:sym typeface="+mn-ea"/>
+              </a:rPr>
+              <a:t>+ Cải thiện giao diện người dùng</a:t>
+            </a:r>
+            <a:endParaRPr lang="en-US" altLang="en-US"/>
           </a:p>
           <a:p>
             <a:pPr indent="0">
@@ -6693,61 +8296,25 @@
               <a:buNone/>
             </a:pPr>
             <a:r>
-              <a:rPr lang="" altLang="en-US"/>
-              <a:t>+ Chức năng chat còn khá đơn giản</a:t>
-            </a:r>
-            <a:endParaRPr lang="" altLang="en-US"/>
+              <a:rPr lang="en-US" altLang="en-US">
+                <a:sym typeface="+mn-ea"/>
+              </a:rPr>
+              <a:t>+ Bổ sung chức năng record màn hình</a:t>
+            </a:r>
+            <a:endParaRPr lang="en-US" altLang="en-US"/>
           </a:p>
           <a:p>
             <a:pPr indent="0">
               <a:buFont typeface="Arial" panose="020B0604020202020204" pitchFamily="34" charset="0"/>
               <a:buNone/>
             </a:pPr>
-            <a:endParaRPr lang="" altLang="en-US"/>
-          </a:p>
-          <a:p>
-            <a:pPr marL="285750" indent="-285750">
-              <a:buFont typeface="Arial" panose="020B0604020202020204" pitchFamily="34" charset="0"/>
-              <a:buChar char="•"/>
-            </a:pPr>
-            <a:r>
-              <a:rPr lang="" altLang="en-US"/>
-              <a:t>Hướng phát triển:</a:t>
-            </a:r>
-            <a:endParaRPr lang="" altLang="en-US"/>
-          </a:p>
-          <a:p>
-            <a:pPr indent="0">
-              <a:buFont typeface="Arial" panose="020B0604020202020204" pitchFamily="34" charset="0"/>
-              <a:buNone/>
-            </a:pPr>
-            <a:r>
-              <a:rPr lang="" altLang="en-US"/>
-              <a:t>+ Cải thiện giao diện người dùng</a:t>
-            </a:r>
-            <a:endParaRPr lang="" altLang="en-US"/>
-          </a:p>
-          <a:p>
-            <a:pPr indent="0">
-              <a:buFont typeface="Arial" panose="020B0604020202020204" pitchFamily="34" charset="0"/>
-              <a:buNone/>
-            </a:pPr>
-            <a:r>
-              <a:rPr lang="" altLang="en-US"/>
-              <a:t>+ Bổ sung chức năng record màn hình</a:t>
-            </a:r>
-            <a:endParaRPr lang="" altLang="en-US"/>
-          </a:p>
-          <a:p>
-            <a:pPr indent="0">
-              <a:buFont typeface="Arial" panose="020B0604020202020204" pitchFamily="34" charset="0"/>
-              <a:buNone/>
-            </a:pPr>
-            <a:r>
-              <a:rPr lang="" altLang="en-US"/>
+            <a:r>
+              <a:rPr lang="en-US" altLang="en-US">
+                <a:sym typeface="+mn-ea"/>
+              </a:rPr>
               <a:t>+ Bổ sung chức năng quản trị hệ thống</a:t>
             </a:r>
-            <a:endParaRPr lang="" altLang="en-US"/>
+            <a:endParaRPr lang="en-US"/>
           </a:p>
         </p:txBody>
       </p:sp>
@@ -6756,12 +8323,208 @@
   <p:clrMapOvr>
     <a:masterClrMapping/>
   </p:clrMapOvr>
+  <p:transition>
+    <p:wipe dir="r"/>
+  </p:transition>
   <p:timing>
     <p:tnLst>
       <p:par>
-        <p:cTn id="1" dur="indefinite" restart="never" nodeType="tmRoot"/>
+        <p:cTn id="1" dur="indefinite" restart="never" nodeType="tmRoot">
+          <p:childTnLst>
+            <p:seq concurrent="1" nextAc="seek">
+              <p:cTn id="2" dur="indefinite" nodeType="mainSeq">
+                <p:childTnLst>
+                  <p:par>
+                    <p:cTn id="3" fill="hold">
+                      <p:stCondLst>
+                        <p:cond delay="indefinite"/>
+                        <p:cond evt="onBegin" delay="0">
+                          <p:tn val="2"/>
+                        </p:cond>
+                      </p:stCondLst>
+                      <p:childTnLst>
+                        <p:par>
+                          <p:cTn id="4" fill="hold">
+                            <p:stCondLst>
+                              <p:cond delay="0"/>
+                            </p:stCondLst>
+                            <p:childTnLst>
+                              <p:par>
+                                <p:cTn id="5" presetID="18" presetClass="entr" presetSubtype="12" fill="hold" grpId="0" nodeType="withEffect">
+                                  <p:stCondLst>
+                                    <p:cond delay="0"/>
+                                  </p:stCondLst>
+                                  <p:childTnLst>
+                                    <p:set>
+                                      <p:cBhvr>
+                                        <p:cTn id="6" dur="1" fill="hold">
+                                          <p:stCondLst>
+                                            <p:cond delay="0"/>
+                                          </p:stCondLst>
+                                        </p:cTn>
+                                        <p:tgtEl>
+                                          <p:spTgt spid="2"/>
+                                        </p:tgtEl>
+                                        <p:attrNameLst>
+                                          <p:attrName>style.visibility</p:attrName>
+                                        </p:attrNameLst>
+                                      </p:cBhvr>
+                                      <p:to>
+                                        <p:strVal val="visible"/>
+                                      </p:to>
+                                    </p:set>
+                                    <p:animEffect transition="in" filter="strips(downLeft)">
+                                      <p:cBhvr>
+                                        <p:cTn id="7" dur="500"/>
+                                        <p:tgtEl>
+                                          <p:spTgt spid="2"/>
+                                        </p:tgtEl>
+                                      </p:cBhvr>
+                                    </p:animEffect>
+                                  </p:childTnLst>
+                                </p:cTn>
+                              </p:par>
+                            </p:childTnLst>
+                          </p:cTn>
+                        </p:par>
+                      </p:childTnLst>
+                    </p:cTn>
+                  </p:par>
+                  <p:par>
+                    <p:cTn id="8" fill="hold">
+                      <p:stCondLst>
+                        <p:cond delay="indefinite"/>
+                      </p:stCondLst>
+                      <p:childTnLst>
+                        <p:par>
+                          <p:cTn id="9" fill="hold">
+                            <p:stCondLst>
+                              <p:cond delay="0"/>
+                            </p:stCondLst>
+                            <p:childTnLst>
+                              <p:par>
+                                <p:cTn id="10" presetID="18" presetClass="entr" presetSubtype="12" fill="hold" grpId="0" nodeType="clickEffect">
+                                  <p:stCondLst>
+                                    <p:cond delay="0"/>
+                                  </p:stCondLst>
+                                  <p:childTnLst>
+                                    <p:set>
+                                      <p:cBhvr>
+                                        <p:cTn id="11" dur="1" fill="hold">
+                                          <p:stCondLst>
+                                            <p:cond delay="0"/>
+                                          </p:stCondLst>
+                                        </p:cTn>
+                                        <p:tgtEl>
+                                          <p:spTgt spid="3"/>
+                                        </p:tgtEl>
+                                        <p:attrNameLst>
+                                          <p:attrName>style.visibility</p:attrName>
+                                        </p:attrNameLst>
+                                      </p:cBhvr>
+                                      <p:to>
+                                        <p:strVal val="visible"/>
+                                      </p:to>
+                                    </p:set>
+                                    <p:animEffect transition="in" filter="strips(downLeft)">
+                                      <p:cBhvr>
+                                        <p:cTn id="12" dur="500"/>
+                                        <p:tgtEl>
+                                          <p:spTgt spid="3"/>
+                                        </p:tgtEl>
+                                      </p:cBhvr>
+                                    </p:animEffect>
+                                  </p:childTnLst>
+                                </p:cTn>
+                              </p:par>
+                            </p:childTnLst>
+                          </p:cTn>
+                        </p:par>
+                      </p:childTnLst>
+                    </p:cTn>
+                  </p:par>
+                  <p:par>
+                    <p:cTn id="13" fill="hold">
+                      <p:stCondLst>
+                        <p:cond delay="indefinite"/>
+                      </p:stCondLst>
+                      <p:childTnLst>
+                        <p:par>
+                          <p:cTn id="14" fill="hold">
+                            <p:stCondLst>
+                              <p:cond delay="0"/>
+                            </p:stCondLst>
+                            <p:childTnLst>
+                              <p:par>
+                                <p:cTn id="15" presetID="18" presetClass="entr" presetSubtype="12" fill="hold" grpId="0" nodeType="clickEffect">
+                                  <p:stCondLst>
+                                    <p:cond delay="0"/>
+                                  </p:stCondLst>
+                                  <p:childTnLst>
+                                    <p:set>
+                                      <p:cBhvr>
+                                        <p:cTn id="16" dur="1" fill="hold">
+                                          <p:stCondLst>
+                                            <p:cond delay="0"/>
+                                          </p:stCondLst>
+                                        </p:cTn>
+                                        <p:tgtEl>
+                                          <p:spTgt spid="6"/>
+                                        </p:tgtEl>
+                                        <p:attrNameLst>
+                                          <p:attrName>style.visibility</p:attrName>
+                                        </p:attrNameLst>
+                                      </p:cBhvr>
+                                      <p:to>
+                                        <p:strVal val="visible"/>
+                                      </p:to>
+                                    </p:set>
+                                    <p:animEffect transition="in" filter="strips(downLeft)">
+                                      <p:cBhvr>
+                                        <p:cTn id="17" dur="500"/>
+                                        <p:tgtEl>
+                                          <p:spTgt spid="6"/>
+                                        </p:tgtEl>
+                                      </p:cBhvr>
+                                    </p:animEffect>
+                                  </p:childTnLst>
+                                </p:cTn>
+                              </p:par>
+                            </p:childTnLst>
+                          </p:cTn>
+                        </p:par>
+                      </p:childTnLst>
+                    </p:cTn>
+                  </p:par>
+                </p:childTnLst>
+              </p:cTn>
+              <p:prevCondLst>
+                <p:cond evt="onPrev" delay="0">
+                  <p:tgtEl>
+                    <p:sldTgt/>
+                  </p:tgtEl>
+                </p:cond>
+              </p:prevCondLst>
+              <p:nextCondLst>
+                <p:cond evt="onNext" delay="0">
+                  <p:tgtEl>
+                    <p:sldTgt/>
+                  </p:tgtEl>
+                </p:cond>
+              </p:nextCondLst>
+            </p:seq>
+          </p:childTnLst>
+        </p:cTn>
       </p:par>
     </p:tnLst>
+    <p:bldLst>
+      <p:bldP spid="3" grpId="0"/>
+      <p:bldP spid="3" grpId="1"/>
+      <p:bldP spid="2" grpId="0"/>
+      <p:bldP spid="2" grpId="1"/>
+      <p:bldP spid="6" grpId="0"/>
+      <p:bldP spid="6" grpId="1"/>
+    </p:bldLst>
   </p:timing>
 </p:sld>
 </file>
@@ -6839,14 +8602,14 @@
           </a:lstStyle>
           <a:p>
             <a:r>
-              <a:rPr lang="" sz="2400" b="1" dirty="0" smtClean="0">
+              <a:rPr lang="en-US" sz="2400" b="1" dirty="0" smtClean="0">
                 <a:latin typeface="Times New Roman" panose="02020603050405020304" pitchFamily="18" charset="0"/>
                 <a:cs typeface="Times New Roman" panose="02020603050405020304" pitchFamily="18" charset="0"/>
                 <a:sym typeface="+mn-ea"/>
               </a:rPr>
               <a:t>THANK YOU!</a:t>
             </a:r>
-            <a:endParaRPr lang="" sz="2400" b="1" dirty="0" smtClean="0">
+            <a:endParaRPr lang="en-US" sz="2400" b="1" dirty="0" smtClean="0">
               <a:latin typeface="Times New Roman" panose="02020603050405020304" pitchFamily="18" charset="0"/>
               <a:cs typeface="Times New Roman" panose="02020603050405020304" pitchFamily="18" charset="0"/>
               <a:sym typeface="+mn-ea"/>
@@ -6924,10 +8687,335 @@
   <p:clrMapOvr>
     <a:masterClrMapping/>
   </p:clrMapOvr>
+  <p:transition>
+    <p:wipe/>
+  </p:transition>
   <p:timing>
     <p:tnLst>
       <p:par>
-        <p:cTn id="1" dur="indefinite" restart="never" nodeType="tmRoot"/>
+        <p:cTn id="1" dur="indefinite" restart="never" nodeType="tmRoot">
+          <p:childTnLst>
+            <p:seq concurrent="1" nextAc="seek">
+              <p:cTn id="2" dur="indefinite" nodeType="mainSeq">
+                <p:childTnLst>
+                  <p:par>
+                    <p:cTn id="3" fill="hold">
+                      <p:stCondLst>
+                        <p:cond delay="indefinite"/>
+                        <p:cond evt="onBegin" delay="0">
+                          <p:tn val="2"/>
+                        </p:cond>
+                      </p:stCondLst>
+                      <p:childTnLst>
+                        <p:par>
+                          <p:cTn id="4" fill="hold">
+                            <p:stCondLst>
+                              <p:cond delay="0"/>
+                            </p:stCondLst>
+                            <p:childTnLst>
+                              <p:par>
+                                <p:cTn id="5" presetID="26" presetClass="entr" presetSubtype="0" fill="hold" nodeType="afterEffect">
+                                  <p:stCondLst>
+                                    <p:cond delay="0"/>
+                                  </p:stCondLst>
+                                  <p:childTnLst>
+                                    <p:set>
+                                      <p:cBhvr>
+                                        <p:cTn id="6" dur="1" fill="hold">
+                                          <p:stCondLst>
+                                            <p:cond delay="0"/>
+                                          </p:stCondLst>
+                                        </p:cTn>
+                                        <p:tgtEl>
+                                          <p:spTgt spid="3"/>
+                                        </p:tgtEl>
+                                        <p:attrNameLst>
+                                          <p:attrName>style.visibility</p:attrName>
+                                        </p:attrNameLst>
+                                      </p:cBhvr>
+                                      <p:to>
+                                        <p:strVal val="visible"/>
+                                      </p:to>
+                                    </p:set>
+                                    <p:animEffect transition="in" filter="wipe(down)">
+                                      <p:cBhvr>
+                                        <p:cTn id="7" dur="290">
+                                          <p:stCondLst>
+                                            <p:cond delay="0"/>
+                                          </p:stCondLst>
+                                        </p:cTn>
+                                        <p:tgtEl>
+                                          <p:spTgt spid="3"/>
+                                        </p:tgtEl>
+                                      </p:cBhvr>
+                                    </p:animEffect>
+                                    <p:anim calcmode="lin" valueType="num">
+                                      <p:cBhvr>
+                                        <p:cTn id="8" dur="911" tmFilter="0,0; 0.14,0.36; 0.43,0.73; 0.71,0.91; 1.0,1.0">
+                                          <p:stCondLst>
+                                            <p:cond delay="0"/>
+                                          </p:stCondLst>
+                                        </p:cTn>
+                                        <p:tgtEl>
+                                          <p:spTgt spid="3"/>
+                                        </p:tgtEl>
+                                        <p:attrNameLst>
+                                          <p:attrName>ppt_x</p:attrName>
+                                        </p:attrNameLst>
+                                      </p:cBhvr>
+                                      <p:tavLst>
+                                        <p:tav tm="0">
+                                          <p:val>
+                                            <p:strVal val="#ppt_x-0.25"/>
+                                          </p:val>
+                                        </p:tav>
+                                        <p:tav tm="100000">
+                                          <p:val>
+                                            <p:strVal val="#ppt_x"/>
+                                          </p:val>
+                                        </p:tav>
+                                      </p:tavLst>
+                                    </p:anim>
+                                    <p:anim calcmode="lin" valueType="num">
+                                      <p:cBhvr>
+                                        <p:cTn id="9" dur="332" tmFilter="0.0,0.0; 0.25,0.07; 0.50,0.2; 0.75,0.467; 1.0,1.0">
+                                          <p:stCondLst>
+                                            <p:cond delay="0"/>
+                                          </p:stCondLst>
+                                        </p:cTn>
+                                        <p:tgtEl>
+                                          <p:spTgt spid="3"/>
+                                        </p:tgtEl>
+                                        <p:attrNameLst>
+                                          <p:attrName>ppt_y</p:attrName>
+                                        </p:attrNameLst>
+                                      </p:cBhvr>
+                                      <p:tavLst>
+                                        <p:tav tm="0" fmla="#ppt_y-sin(pi*$)/3">
+                                          <p:val>
+                                            <p:fltVal val="0.5"/>
+                                          </p:val>
+                                        </p:tav>
+                                        <p:tav tm="100000">
+                                          <p:val>
+                                            <p:fltVal val="1"/>
+                                          </p:val>
+                                        </p:tav>
+                                      </p:tavLst>
+                                    </p:anim>
+                                    <p:anim calcmode="lin" valueType="num">
+                                      <p:cBhvr>
+                                        <p:cTn id="10" dur="332" tmFilter="0, 0; 0.125,0.2665; 0.25,0.4; 0.375,0.465; 0.5,0.5;  0.625,0.535; 0.75,0.6; 0.875,0.7335; 1,1">
+                                          <p:stCondLst>
+                                            <p:cond delay="332"/>
+                                          </p:stCondLst>
+                                        </p:cTn>
+                                        <p:tgtEl>
+                                          <p:spTgt spid="3"/>
+                                        </p:tgtEl>
+                                        <p:attrNameLst>
+                                          <p:attrName>ppt_y</p:attrName>
+                                        </p:attrNameLst>
+                                      </p:cBhvr>
+                                      <p:tavLst>
+                                        <p:tav tm="0" fmla="#ppt_y-sin(pi*$)/9">
+                                          <p:val>
+                                            <p:fltVal val="0"/>
+                                          </p:val>
+                                        </p:tav>
+                                        <p:tav tm="100000">
+                                          <p:val>
+                                            <p:fltVal val="1"/>
+                                          </p:val>
+                                        </p:tav>
+                                      </p:tavLst>
+                                    </p:anim>
+                                    <p:anim calcmode="lin" valueType="num">
+                                      <p:cBhvr>
+                                        <p:cTn id="11" dur="166" tmFilter="0, 0; 0.125,0.2665; 0.25,0.4; 0.375,0.465; 0.5,0.5;  0.625,0.535; 0.75,0.6; 0.875,0.7335; 1,1">
+                                          <p:stCondLst>
+                                            <p:cond delay="662"/>
+                                          </p:stCondLst>
+                                        </p:cTn>
+                                        <p:tgtEl>
+                                          <p:spTgt spid="3"/>
+                                        </p:tgtEl>
+                                        <p:attrNameLst>
+                                          <p:attrName>ppt_y</p:attrName>
+                                        </p:attrNameLst>
+                                      </p:cBhvr>
+                                      <p:tavLst>
+                                        <p:tav tm="0" fmla="#ppt_y-sin(pi*$)/27">
+                                          <p:val>
+                                            <p:fltVal val="0"/>
+                                          </p:val>
+                                        </p:tav>
+                                        <p:tav tm="100000">
+                                          <p:val>
+                                            <p:fltVal val="1"/>
+                                          </p:val>
+                                        </p:tav>
+                                      </p:tavLst>
+                                    </p:anim>
+                                    <p:anim calcmode="lin" valueType="num">
+                                      <p:cBhvr>
+                                        <p:cTn id="12" dur="82" tmFilter="0, 0; 0.125,0.2665; 0.25,0.4; 0.375,0.465; 0.5,0.5;  0.625,0.535; 0.75,0.6; 0.875,0.7335; 1,1">
+                                          <p:stCondLst>
+                                            <p:cond delay="828"/>
+                                          </p:stCondLst>
+                                        </p:cTn>
+                                        <p:tgtEl>
+                                          <p:spTgt spid="3"/>
+                                        </p:tgtEl>
+                                        <p:attrNameLst>
+                                          <p:attrName>ppt_y</p:attrName>
+                                        </p:attrNameLst>
+                                      </p:cBhvr>
+                                      <p:tavLst>
+                                        <p:tav tm="0" fmla="#ppt_y-sin(pi*$)/81">
+                                          <p:val>
+                                            <p:fltVal val="0"/>
+                                          </p:val>
+                                        </p:tav>
+                                        <p:tav tm="100000">
+                                          <p:val>
+                                            <p:fltVal val="1"/>
+                                          </p:val>
+                                        </p:tav>
+                                      </p:tavLst>
+                                    </p:anim>
+                                    <p:animScale>
+                                      <p:cBhvr>
+                                        <p:cTn id="13" dur="13">
+                                          <p:stCondLst>
+                                            <p:cond delay="325"/>
+                                          </p:stCondLst>
+                                        </p:cTn>
+                                        <p:tgtEl>
+                                          <p:spTgt spid="3"/>
+                                        </p:tgtEl>
+                                      </p:cBhvr>
+                                      <p:to x="100000" y="60000"/>
+                                    </p:animScale>
+                                    <p:animScale>
+                                      <p:cBhvr>
+                                        <p:cTn id="14" dur="83" decel="50000">
+                                          <p:stCondLst>
+                                            <p:cond delay="338"/>
+                                          </p:stCondLst>
+                                        </p:cTn>
+                                        <p:tgtEl>
+                                          <p:spTgt spid="3"/>
+                                        </p:tgtEl>
+                                      </p:cBhvr>
+                                      <p:to x="100000" y="100000"/>
+                                    </p:animScale>
+                                    <p:animScale>
+                                      <p:cBhvr>
+                                        <p:cTn id="15" dur="13">
+                                          <p:stCondLst>
+                                            <p:cond delay="656"/>
+                                          </p:stCondLst>
+                                        </p:cTn>
+                                        <p:tgtEl>
+                                          <p:spTgt spid="3"/>
+                                        </p:tgtEl>
+                                      </p:cBhvr>
+                                      <p:to x="100000" y="80000"/>
+                                    </p:animScale>
+                                    <p:animScale>
+                                      <p:cBhvr>
+                                        <p:cTn id="16" dur="83" decel="50000">
+                                          <p:stCondLst>
+                                            <p:cond delay="669"/>
+                                          </p:stCondLst>
+                                        </p:cTn>
+                                        <p:tgtEl>
+                                          <p:spTgt spid="3"/>
+                                        </p:tgtEl>
+                                      </p:cBhvr>
+                                      <p:to x="100000" y="100000"/>
+                                    </p:animScale>
+                                    <p:animScale>
+                                      <p:cBhvr>
+                                        <p:cTn id="17" dur="13">
+                                          <p:stCondLst>
+                                            <p:cond delay="821"/>
+                                          </p:stCondLst>
+                                        </p:cTn>
+                                        <p:tgtEl>
+                                          <p:spTgt spid="3"/>
+                                        </p:tgtEl>
+                                      </p:cBhvr>
+                                      <p:to x="100000" y="90000"/>
+                                    </p:animScale>
+                                    <p:animScale>
+                                      <p:cBhvr>
+                                        <p:cTn id="18" dur="83" decel="50000">
+                                          <p:stCondLst>
+                                            <p:cond delay="834"/>
+                                          </p:stCondLst>
+                                        </p:cTn>
+                                        <p:tgtEl>
+                                          <p:spTgt spid="3"/>
+                                        </p:tgtEl>
+                                      </p:cBhvr>
+                                      <p:to x="100000" y="100000"/>
+                                    </p:animScale>
+                                    <p:animScale>
+                                      <p:cBhvr>
+                                        <p:cTn id="19" dur="13">
+                                          <p:stCondLst>
+                                            <p:cond delay="904"/>
+                                          </p:stCondLst>
+                                        </p:cTn>
+                                        <p:tgtEl>
+                                          <p:spTgt spid="3"/>
+                                        </p:tgtEl>
+                                      </p:cBhvr>
+                                      <p:to x="100000" y="95000"/>
+                                    </p:animScale>
+                                    <p:animScale>
+                                      <p:cBhvr>
+                                        <p:cTn id="20" dur="83" decel="50000">
+                                          <p:stCondLst>
+                                            <p:cond delay="917"/>
+                                          </p:stCondLst>
+                                        </p:cTn>
+                                        <p:tgtEl>
+                                          <p:spTgt spid="3"/>
+                                        </p:tgtEl>
+                                      </p:cBhvr>
+                                      <p:to x="100000" y="100000"/>
+                                    </p:animScale>
+                                  </p:childTnLst>
+                                </p:cTn>
+                              </p:par>
+                            </p:childTnLst>
+                          </p:cTn>
+                        </p:par>
+                      </p:childTnLst>
+                    </p:cTn>
+                  </p:par>
+                </p:childTnLst>
+              </p:cTn>
+              <p:prevCondLst>
+                <p:cond evt="onPrev" delay="0">
+                  <p:tgtEl>
+                    <p:sldTgt/>
+                  </p:tgtEl>
+                </p:cond>
+              </p:prevCondLst>
+              <p:nextCondLst>
+                <p:cond evt="onNext" delay="0">
+                  <p:tgtEl>
+                    <p:sldTgt/>
+                  </p:tgtEl>
+                </p:cond>
+              </p:nextCondLst>
+            </p:seq>
+          </p:childTnLst>
+        </p:cTn>
       </p:par>
     </p:tnLst>
   </p:timing>
@@ -7385,14 +9473,14 @@
           <a:p>
             <a:pPr algn="l" eaLnBrk="0" hangingPunct="0"/>
             <a:r>
-              <a:rPr lang="" altLang="en-US" b="0">
+              <a:rPr lang="en-US" altLang="en-US" b="0">
                 <a:solidFill>
                   <a:srgbClr val="000000"/>
                 </a:solidFill>
               </a:rPr>
               <a:t>Đưa ra vấn đề</a:t>
             </a:r>
-            <a:endParaRPr lang="" altLang="en-US" b="0">
+            <a:endParaRPr lang="en-US" altLang="en-US" b="0">
               <a:solidFill>
                 <a:srgbClr val="000000"/>
               </a:solidFill>
@@ -7484,14 +9572,14 @@
           <a:p>
             <a:pPr algn="l" eaLnBrk="0" hangingPunct="0"/>
             <a:r>
-              <a:rPr lang="" altLang="en-US" b="0">
+              <a:rPr lang="en-US" altLang="en-US" b="0">
                 <a:solidFill>
                   <a:srgbClr val="000000"/>
                 </a:solidFill>
               </a:rPr>
               <a:t>Mục đích của đề tài</a:t>
             </a:r>
-            <a:endParaRPr lang="" altLang="en-US" b="0">
+            <a:endParaRPr lang="en-US" altLang="en-US" b="0">
               <a:solidFill>
                 <a:srgbClr val="000000"/>
               </a:solidFill>
@@ -7583,14 +9671,14 @@
           <a:p>
             <a:pPr algn="l" eaLnBrk="0" hangingPunct="0"/>
             <a:r>
-              <a:rPr lang="" altLang="en-US" b="0">
+              <a:rPr lang="en-US" altLang="en-US" b="0">
                 <a:solidFill>
                   <a:srgbClr val="000000"/>
                 </a:solidFill>
               </a:rPr>
               <a:t>Cơ sở lý thuyết</a:t>
             </a:r>
-            <a:endParaRPr lang="" altLang="en-US" b="0">
+            <a:endParaRPr lang="en-US" altLang="en-US" b="0">
               <a:solidFill>
                 <a:srgbClr val="000000"/>
               </a:solidFill>
@@ -7869,14 +9957,14 @@
           <a:p>
             <a:pPr algn="l" eaLnBrk="0" hangingPunct="0"/>
             <a:r>
-              <a:rPr lang="" altLang="en-US" b="0">
+              <a:rPr lang="en-US" altLang="en-US" b="0">
                 <a:solidFill>
                   <a:srgbClr val="000000"/>
                 </a:solidFill>
               </a:rPr>
               <a:t>Phân tích thiết kế hệ thống</a:t>
             </a:r>
-            <a:endParaRPr lang="" altLang="en-US" b="0">
+            <a:endParaRPr lang="en-US" altLang="en-US" b="0">
               <a:solidFill>
                 <a:srgbClr val="000000"/>
               </a:solidFill>
@@ -8022,14 +10110,14 @@
           <a:p>
             <a:pPr algn="l" eaLnBrk="0" hangingPunct="0"/>
             <a:r>
-              <a:rPr lang="" altLang="en-US" b="0">
+              <a:rPr lang="en-US" altLang="en-US" b="0">
                 <a:solidFill>
                   <a:srgbClr val="000000"/>
                 </a:solidFill>
               </a:rPr>
               <a:t>Kết luận và hướng phát triển</a:t>
             </a:r>
-            <a:endParaRPr lang="" altLang="en-US" b="0">
+            <a:endParaRPr lang="en-US" altLang="en-US" b="0">
               <a:solidFill>
                 <a:srgbClr val="000000"/>
               </a:solidFill>
@@ -8096,12 +10184,910 @@
   <p:clrMapOvr>
     <a:masterClrMapping/>
   </p:clrMapOvr>
+  <p:transition>
+    <p:wipe dir="r"/>
+  </p:transition>
   <p:timing>
     <p:tnLst>
       <p:par>
-        <p:cTn id="1" dur="indefinite" restart="never" nodeType="tmRoot"/>
+        <p:cTn id="1" dur="indefinite" restart="never" nodeType="tmRoot">
+          <p:childTnLst>
+            <p:seq concurrent="1" nextAc="seek">
+              <p:cTn id="2" dur="indefinite" nodeType="mainSeq">
+                <p:childTnLst>
+                  <p:par>
+                    <p:cTn id="3" fill="hold">
+                      <p:stCondLst>
+                        <p:cond delay="indefinite"/>
+                        <p:cond evt="onBegin" delay="0">
+                          <p:tn val="2"/>
+                        </p:cond>
+                      </p:stCondLst>
+                      <p:childTnLst>
+                        <p:par>
+                          <p:cTn id="4" fill="hold">
+                            <p:stCondLst>
+                              <p:cond delay="0"/>
+                            </p:stCondLst>
+                            <p:childTnLst>
+                              <p:par>
+                                <p:cTn id="5" presetID="9" presetClass="entr" presetSubtype="0" fill="hold" nodeType="withEffect">
+                                  <p:stCondLst>
+                                    <p:cond delay="0"/>
+                                  </p:stCondLst>
+                                  <p:childTnLst>
+                                    <p:set>
+                                      <p:cBhvr>
+                                        <p:cTn id="6" dur="1" fill="hold">
+                                          <p:stCondLst>
+                                            <p:cond delay="0"/>
+                                          </p:stCondLst>
+                                        </p:cTn>
+                                        <p:tgtEl>
+                                          <p:spTgt spid="30"/>
+                                        </p:tgtEl>
+                                        <p:attrNameLst>
+                                          <p:attrName>style.visibility</p:attrName>
+                                        </p:attrNameLst>
+                                      </p:cBhvr>
+                                      <p:to>
+                                        <p:strVal val="visible"/>
+                                      </p:to>
+                                    </p:set>
+                                    <p:animEffect transition="in" filter="dissolve">
+                                      <p:cBhvr>
+                                        <p:cTn id="7" dur="500"/>
+                                        <p:tgtEl>
+                                          <p:spTgt spid="30"/>
+                                        </p:tgtEl>
+                                      </p:cBhvr>
+                                    </p:animEffect>
+                                  </p:childTnLst>
+                                </p:cTn>
+                              </p:par>
+                            </p:childTnLst>
+                          </p:cTn>
+                        </p:par>
+                      </p:childTnLst>
+                    </p:cTn>
+                  </p:par>
+                  <p:par>
+                    <p:cTn id="8" fill="hold">
+                      <p:stCondLst>
+                        <p:cond delay="indefinite"/>
+                      </p:stCondLst>
+                      <p:childTnLst>
+                        <p:par>
+                          <p:cTn id="9" fill="hold">
+                            <p:stCondLst>
+                              <p:cond delay="0"/>
+                            </p:stCondLst>
+                            <p:childTnLst>
+                              <p:par>
+                                <p:cTn id="10" presetID="10" presetClass="entr" presetSubtype="0" fill="hold" nodeType="clickEffect">
+                                  <p:stCondLst>
+                                    <p:cond delay="0"/>
+                                  </p:stCondLst>
+                                  <p:childTnLst>
+                                    <p:set>
+                                      <p:cBhvr>
+                                        <p:cTn id="11" dur="500" fill="hold">
+                                          <p:stCondLst>
+                                            <p:cond delay="0"/>
+                                          </p:stCondLst>
+                                        </p:cTn>
+                                        <p:tgtEl>
+                                          <p:spTgt spid="474151"/>
+                                        </p:tgtEl>
+                                        <p:attrNameLst>
+                                          <p:attrName>style.visibility</p:attrName>
+                                        </p:attrNameLst>
+                                      </p:cBhvr>
+                                      <p:to>
+                                        <p:strVal val="visible"/>
+                                      </p:to>
+                                    </p:set>
+                                    <p:animEffect transition="in" filter="fade">
+                                      <p:cBhvr>
+                                        <p:cTn id="12" dur="500"/>
+                                        <p:tgtEl>
+                                          <p:spTgt spid="474151"/>
+                                        </p:tgtEl>
+                                      </p:cBhvr>
+                                    </p:animEffect>
+                                  </p:childTnLst>
+                                </p:cTn>
+                              </p:par>
+                              <p:par>
+                                <p:cTn id="13" presetID="14" presetClass="entr" presetSubtype="10" fill="hold" grpId="0" nodeType="withEffect">
+                                  <p:stCondLst>
+                                    <p:cond delay="0"/>
+                                  </p:stCondLst>
+                                  <p:childTnLst>
+                                    <p:set>
+                                      <p:cBhvr>
+                                        <p:cTn id="14" dur="500" fill="hold">
+                                          <p:stCondLst>
+                                            <p:cond delay="0"/>
+                                          </p:stCondLst>
+                                        </p:cTn>
+                                        <p:tgtEl>
+                                          <p:spTgt spid="474157"/>
+                                        </p:tgtEl>
+                                        <p:attrNameLst>
+                                          <p:attrName>style.visibility</p:attrName>
+                                        </p:attrNameLst>
+                                      </p:cBhvr>
+                                      <p:to>
+                                        <p:strVal val="visible"/>
+                                      </p:to>
+                                    </p:set>
+                                    <p:animEffect transition="in" filter="randombar(horizontal)">
+                                      <p:cBhvr>
+                                        <p:cTn id="15" dur="500"/>
+                                        <p:tgtEl>
+                                          <p:spTgt spid="474157"/>
+                                        </p:tgtEl>
+                                      </p:cBhvr>
+                                    </p:animEffect>
+                                  </p:childTnLst>
+                                </p:cTn>
+                              </p:par>
+                              <p:par>
+                                <p:cTn id="16" presetID="14" presetClass="entr" presetSubtype="10" fill="hold" grpId="0" nodeType="withEffect">
+                                  <p:stCondLst>
+                                    <p:cond delay="0"/>
+                                  </p:stCondLst>
+                                  <p:childTnLst>
+                                    <p:set>
+                                      <p:cBhvr>
+                                        <p:cTn id="17" dur="1" fill="hold">
+                                          <p:stCondLst>
+                                            <p:cond delay="0"/>
+                                          </p:stCondLst>
+                                        </p:cTn>
+                                        <p:tgtEl>
+                                          <p:spTgt spid="474158"/>
+                                        </p:tgtEl>
+                                        <p:attrNameLst>
+                                          <p:attrName>style.visibility</p:attrName>
+                                        </p:attrNameLst>
+                                      </p:cBhvr>
+                                      <p:to>
+                                        <p:strVal val="visible"/>
+                                      </p:to>
+                                    </p:set>
+                                    <p:animEffect transition="in" filter="randombar(horizontal)">
+                                      <p:cBhvr>
+                                        <p:cTn id="18" dur="500"/>
+                                        <p:tgtEl>
+                                          <p:spTgt spid="474158"/>
+                                        </p:tgtEl>
+                                      </p:cBhvr>
+                                    </p:animEffect>
+                                  </p:childTnLst>
+                                </p:cTn>
+                              </p:par>
+                              <p:par>
+                                <p:cTn id="19" presetID="14" presetClass="entr" presetSubtype="10" fill="hold" grpId="0" nodeType="withEffect">
+                                  <p:stCondLst>
+                                    <p:cond delay="0"/>
+                                  </p:stCondLst>
+                                  <p:childTnLst>
+                                    <p:set>
+                                      <p:cBhvr>
+                                        <p:cTn id="20" dur="1" fill="hold">
+                                          <p:stCondLst>
+                                            <p:cond delay="0"/>
+                                          </p:stCondLst>
+                                        </p:cTn>
+                                        <p:tgtEl>
+                                          <p:spTgt spid="474163"/>
+                                        </p:tgtEl>
+                                        <p:attrNameLst>
+                                          <p:attrName>style.visibility</p:attrName>
+                                        </p:attrNameLst>
+                                      </p:cBhvr>
+                                      <p:to>
+                                        <p:strVal val="visible"/>
+                                      </p:to>
+                                    </p:set>
+                                    <p:animEffect transition="in" filter="randombar(horizontal)">
+                                      <p:cBhvr>
+                                        <p:cTn id="21" dur="500"/>
+                                        <p:tgtEl>
+                                          <p:spTgt spid="474163"/>
+                                        </p:tgtEl>
+                                      </p:cBhvr>
+                                    </p:animEffect>
+                                  </p:childTnLst>
+                                </p:cTn>
+                              </p:par>
+                            </p:childTnLst>
+                          </p:cTn>
+                        </p:par>
+                      </p:childTnLst>
+                    </p:cTn>
+                  </p:par>
+                  <p:par>
+                    <p:cTn id="22" fill="hold">
+                      <p:stCondLst>
+                        <p:cond delay="indefinite"/>
+                      </p:stCondLst>
+                      <p:childTnLst>
+                        <p:par>
+                          <p:cTn id="23" fill="hold">
+                            <p:stCondLst>
+                              <p:cond delay="0"/>
+                            </p:stCondLst>
+                            <p:childTnLst>
+                              <p:par>
+                                <p:cTn id="24" presetID="10" presetClass="entr" presetSubtype="0" fill="hold" nodeType="clickEffect">
+                                  <p:stCondLst>
+                                    <p:cond delay="0"/>
+                                  </p:stCondLst>
+                                  <p:childTnLst>
+                                    <p:set>
+                                      <p:cBhvr>
+                                        <p:cTn id="25" dur="1" fill="hold">
+                                          <p:stCondLst>
+                                            <p:cond delay="0"/>
+                                          </p:stCondLst>
+                                        </p:cTn>
+                                        <p:tgtEl>
+                                          <p:spTgt spid="474148"/>
+                                        </p:tgtEl>
+                                        <p:attrNameLst>
+                                          <p:attrName>style.visibility</p:attrName>
+                                        </p:attrNameLst>
+                                      </p:cBhvr>
+                                      <p:to>
+                                        <p:strVal val="visible"/>
+                                      </p:to>
+                                    </p:set>
+                                    <p:animEffect transition="in" filter="fade">
+                                      <p:cBhvr>
+                                        <p:cTn id="26" dur="500"/>
+                                        <p:tgtEl>
+                                          <p:spTgt spid="474148"/>
+                                        </p:tgtEl>
+                                      </p:cBhvr>
+                                    </p:animEffect>
+                                  </p:childTnLst>
+                                </p:cTn>
+                              </p:par>
+                              <p:par>
+                                <p:cTn id="27" presetID="14" presetClass="entr" presetSubtype="10" fill="hold" grpId="0" nodeType="withEffect">
+                                  <p:stCondLst>
+                                    <p:cond delay="0"/>
+                                  </p:stCondLst>
+                                  <p:childTnLst>
+                                    <p:set>
+                                      <p:cBhvr>
+                                        <p:cTn id="28" dur="1" fill="hold">
+                                          <p:stCondLst>
+                                            <p:cond delay="0"/>
+                                          </p:stCondLst>
+                                        </p:cTn>
+                                        <p:tgtEl>
+                                          <p:spTgt spid="474159"/>
+                                        </p:tgtEl>
+                                        <p:attrNameLst>
+                                          <p:attrName>style.visibility</p:attrName>
+                                        </p:attrNameLst>
+                                      </p:cBhvr>
+                                      <p:to>
+                                        <p:strVal val="visible"/>
+                                      </p:to>
+                                    </p:set>
+                                    <p:animEffect transition="in" filter="randombar(horizontal)">
+                                      <p:cBhvr>
+                                        <p:cTn id="29" dur="500"/>
+                                        <p:tgtEl>
+                                          <p:spTgt spid="474159"/>
+                                        </p:tgtEl>
+                                      </p:cBhvr>
+                                    </p:animEffect>
+                                  </p:childTnLst>
+                                </p:cTn>
+                              </p:par>
+                              <p:par>
+                                <p:cTn id="30" presetID="14" presetClass="entr" presetSubtype="10" fill="hold" grpId="0" nodeType="withEffect">
+                                  <p:stCondLst>
+                                    <p:cond delay="0"/>
+                                  </p:stCondLst>
+                                  <p:childTnLst>
+                                    <p:set>
+                                      <p:cBhvr>
+                                        <p:cTn id="31" dur="1" fill="hold">
+                                          <p:stCondLst>
+                                            <p:cond delay="0"/>
+                                          </p:stCondLst>
+                                        </p:cTn>
+                                        <p:tgtEl>
+                                          <p:spTgt spid="474160"/>
+                                        </p:tgtEl>
+                                        <p:attrNameLst>
+                                          <p:attrName>style.visibility</p:attrName>
+                                        </p:attrNameLst>
+                                      </p:cBhvr>
+                                      <p:to>
+                                        <p:strVal val="visible"/>
+                                      </p:to>
+                                    </p:set>
+                                    <p:animEffect transition="in" filter="randombar(horizontal)">
+                                      <p:cBhvr>
+                                        <p:cTn id="32" dur="500"/>
+                                        <p:tgtEl>
+                                          <p:spTgt spid="474160"/>
+                                        </p:tgtEl>
+                                      </p:cBhvr>
+                                    </p:animEffect>
+                                  </p:childTnLst>
+                                </p:cTn>
+                              </p:par>
+                              <p:par>
+                                <p:cTn id="33" presetID="14" presetClass="entr" presetSubtype="10" fill="hold" grpId="0" nodeType="withEffect">
+                                  <p:stCondLst>
+                                    <p:cond delay="0"/>
+                                  </p:stCondLst>
+                                  <p:childTnLst>
+                                    <p:set>
+                                      <p:cBhvr>
+                                        <p:cTn id="34" dur="1" fill="hold">
+                                          <p:stCondLst>
+                                            <p:cond delay="0"/>
+                                          </p:stCondLst>
+                                        </p:cTn>
+                                        <p:tgtEl>
+                                          <p:spTgt spid="474164"/>
+                                        </p:tgtEl>
+                                        <p:attrNameLst>
+                                          <p:attrName>style.visibility</p:attrName>
+                                        </p:attrNameLst>
+                                      </p:cBhvr>
+                                      <p:to>
+                                        <p:strVal val="visible"/>
+                                      </p:to>
+                                    </p:set>
+                                    <p:animEffect transition="in" filter="randombar(horizontal)">
+                                      <p:cBhvr>
+                                        <p:cTn id="35" dur="500"/>
+                                        <p:tgtEl>
+                                          <p:spTgt spid="474164"/>
+                                        </p:tgtEl>
+                                      </p:cBhvr>
+                                    </p:animEffect>
+                                  </p:childTnLst>
+                                </p:cTn>
+                              </p:par>
+                            </p:childTnLst>
+                          </p:cTn>
+                        </p:par>
+                      </p:childTnLst>
+                    </p:cTn>
+                  </p:par>
+                  <p:par>
+                    <p:cTn id="36" fill="hold">
+                      <p:stCondLst>
+                        <p:cond delay="indefinite"/>
+                      </p:stCondLst>
+                      <p:childTnLst>
+                        <p:par>
+                          <p:cTn id="37" fill="hold">
+                            <p:stCondLst>
+                              <p:cond delay="0"/>
+                            </p:stCondLst>
+                            <p:childTnLst>
+                              <p:par>
+                                <p:cTn id="38" presetID="10" presetClass="entr" presetSubtype="0" fill="hold" nodeType="clickEffect">
+                                  <p:stCondLst>
+                                    <p:cond delay="0"/>
+                                  </p:stCondLst>
+                                  <p:childTnLst>
+                                    <p:set>
+                                      <p:cBhvr>
+                                        <p:cTn id="39" dur="1" fill="hold">
+                                          <p:stCondLst>
+                                            <p:cond delay="0"/>
+                                          </p:stCondLst>
+                                        </p:cTn>
+                                        <p:tgtEl>
+                                          <p:spTgt spid="474149"/>
+                                        </p:tgtEl>
+                                        <p:attrNameLst>
+                                          <p:attrName>style.visibility</p:attrName>
+                                        </p:attrNameLst>
+                                      </p:cBhvr>
+                                      <p:to>
+                                        <p:strVal val="visible"/>
+                                      </p:to>
+                                    </p:set>
+                                    <p:animEffect transition="in" filter="fade">
+                                      <p:cBhvr>
+                                        <p:cTn id="40" dur="500"/>
+                                        <p:tgtEl>
+                                          <p:spTgt spid="474149"/>
+                                        </p:tgtEl>
+                                      </p:cBhvr>
+                                    </p:animEffect>
+                                  </p:childTnLst>
+                                </p:cTn>
+                              </p:par>
+                              <p:par>
+                                <p:cTn id="41" presetID="14" presetClass="entr" presetSubtype="10" fill="hold" grpId="0" nodeType="withEffect">
+                                  <p:stCondLst>
+                                    <p:cond delay="0"/>
+                                  </p:stCondLst>
+                                  <p:childTnLst>
+                                    <p:set>
+                                      <p:cBhvr>
+                                        <p:cTn id="42" dur="1" fill="hold">
+                                          <p:stCondLst>
+                                            <p:cond delay="0"/>
+                                          </p:stCondLst>
+                                        </p:cTn>
+                                        <p:tgtEl>
+                                          <p:spTgt spid="474161"/>
+                                        </p:tgtEl>
+                                        <p:attrNameLst>
+                                          <p:attrName>style.visibility</p:attrName>
+                                        </p:attrNameLst>
+                                      </p:cBhvr>
+                                      <p:to>
+                                        <p:strVal val="visible"/>
+                                      </p:to>
+                                    </p:set>
+                                    <p:animEffect transition="in" filter="randombar(horizontal)">
+                                      <p:cBhvr>
+                                        <p:cTn id="43" dur="500"/>
+                                        <p:tgtEl>
+                                          <p:spTgt spid="474161"/>
+                                        </p:tgtEl>
+                                      </p:cBhvr>
+                                    </p:animEffect>
+                                  </p:childTnLst>
+                                </p:cTn>
+                              </p:par>
+                              <p:par>
+                                <p:cTn id="44" presetID="14" presetClass="entr" presetSubtype="10" fill="hold" grpId="0" nodeType="withEffect">
+                                  <p:stCondLst>
+                                    <p:cond delay="0"/>
+                                  </p:stCondLst>
+                                  <p:childTnLst>
+                                    <p:set>
+                                      <p:cBhvr>
+                                        <p:cTn id="45" dur="1" fill="hold">
+                                          <p:stCondLst>
+                                            <p:cond delay="0"/>
+                                          </p:stCondLst>
+                                        </p:cTn>
+                                        <p:tgtEl>
+                                          <p:spTgt spid="474162"/>
+                                        </p:tgtEl>
+                                        <p:attrNameLst>
+                                          <p:attrName>style.visibility</p:attrName>
+                                        </p:attrNameLst>
+                                      </p:cBhvr>
+                                      <p:to>
+                                        <p:strVal val="visible"/>
+                                      </p:to>
+                                    </p:set>
+                                    <p:animEffect transition="in" filter="randombar(horizontal)">
+                                      <p:cBhvr>
+                                        <p:cTn id="46" dur="500"/>
+                                        <p:tgtEl>
+                                          <p:spTgt spid="474162"/>
+                                        </p:tgtEl>
+                                      </p:cBhvr>
+                                    </p:animEffect>
+                                  </p:childTnLst>
+                                </p:cTn>
+                              </p:par>
+                              <p:par>
+                                <p:cTn id="47" presetID="14" presetClass="entr" presetSubtype="10" fill="hold" grpId="0" nodeType="withEffect">
+                                  <p:stCondLst>
+                                    <p:cond delay="0"/>
+                                  </p:stCondLst>
+                                  <p:childTnLst>
+                                    <p:set>
+                                      <p:cBhvr>
+                                        <p:cTn id="48" dur="1" fill="hold">
+                                          <p:stCondLst>
+                                            <p:cond delay="0"/>
+                                          </p:stCondLst>
+                                        </p:cTn>
+                                        <p:tgtEl>
+                                          <p:spTgt spid="474165"/>
+                                        </p:tgtEl>
+                                        <p:attrNameLst>
+                                          <p:attrName>style.visibility</p:attrName>
+                                        </p:attrNameLst>
+                                      </p:cBhvr>
+                                      <p:to>
+                                        <p:strVal val="visible"/>
+                                      </p:to>
+                                    </p:set>
+                                    <p:animEffect transition="in" filter="randombar(horizontal)">
+                                      <p:cBhvr>
+                                        <p:cTn id="49" dur="500"/>
+                                        <p:tgtEl>
+                                          <p:spTgt spid="474165"/>
+                                        </p:tgtEl>
+                                      </p:cBhvr>
+                                    </p:animEffect>
+                                  </p:childTnLst>
+                                </p:cTn>
+                              </p:par>
+                            </p:childTnLst>
+                          </p:cTn>
+                        </p:par>
+                      </p:childTnLst>
+                    </p:cTn>
+                  </p:par>
+                  <p:par>
+                    <p:cTn id="50" fill="hold">
+                      <p:stCondLst>
+                        <p:cond delay="indefinite"/>
+                      </p:stCondLst>
+                      <p:childTnLst>
+                        <p:par>
+                          <p:cTn id="51" fill="hold">
+                            <p:stCondLst>
+                              <p:cond delay="0"/>
+                            </p:stCondLst>
+                            <p:childTnLst>
+                              <p:par>
+                                <p:cTn id="52" presetID="10" presetClass="entr" presetSubtype="0" fill="hold" nodeType="clickEffect">
+                                  <p:stCondLst>
+                                    <p:cond delay="0"/>
+                                  </p:stCondLst>
+                                  <p:childTnLst>
+                                    <p:set>
+                                      <p:cBhvr>
+                                        <p:cTn id="53" dur="1" fill="hold">
+                                          <p:stCondLst>
+                                            <p:cond delay="0"/>
+                                          </p:stCondLst>
+                                        </p:cTn>
+                                        <p:tgtEl>
+                                          <p:spTgt spid="474150"/>
+                                        </p:tgtEl>
+                                        <p:attrNameLst>
+                                          <p:attrName>style.visibility</p:attrName>
+                                        </p:attrNameLst>
+                                      </p:cBhvr>
+                                      <p:to>
+                                        <p:strVal val="visible"/>
+                                      </p:to>
+                                    </p:set>
+                                    <p:animEffect transition="in" filter="fade">
+                                      <p:cBhvr>
+                                        <p:cTn id="54" dur="500"/>
+                                        <p:tgtEl>
+                                          <p:spTgt spid="474150"/>
+                                        </p:tgtEl>
+                                      </p:cBhvr>
+                                    </p:animEffect>
+                                  </p:childTnLst>
+                                </p:cTn>
+                              </p:par>
+                              <p:par>
+                                <p:cTn id="55" presetID="14" presetClass="entr" presetSubtype="10" fill="hold" grpId="0" nodeType="withEffect">
+                                  <p:stCondLst>
+                                    <p:cond delay="0"/>
+                                  </p:stCondLst>
+                                  <p:childTnLst>
+                                    <p:set>
+                                      <p:cBhvr>
+                                        <p:cTn id="56" dur="1" fill="hold">
+                                          <p:stCondLst>
+                                            <p:cond delay="0"/>
+                                          </p:stCondLst>
+                                        </p:cTn>
+                                        <p:tgtEl>
+                                          <p:spTgt spid="474166"/>
+                                        </p:tgtEl>
+                                        <p:attrNameLst>
+                                          <p:attrName>style.visibility</p:attrName>
+                                        </p:attrNameLst>
+                                      </p:cBhvr>
+                                      <p:to>
+                                        <p:strVal val="visible"/>
+                                      </p:to>
+                                    </p:set>
+                                    <p:animEffect transition="in" filter="randombar(horizontal)">
+                                      <p:cBhvr>
+                                        <p:cTn id="57" dur="500"/>
+                                        <p:tgtEl>
+                                          <p:spTgt spid="474166"/>
+                                        </p:tgtEl>
+                                      </p:cBhvr>
+                                    </p:animEffect>
+                                  </p:childTnLst>
+                                </p:cTn>
+                              </p:par>
+                              <p:par>
+                                <p:cTn id="58" presetID="14" presetClass="entr" presetSubtype="10" fill="hold" grpId="0" nodeType="withEffect">
+                                  <p:stCondLst>
+                                    <p:cond delay="0"/>
+                                  </p:stCondLst>
+                                  <p:childTnLst>
+                                    <p:set>
+                                      <p:cBhvr>
+                                        <p:cTn id="59" dur="1" fill="hold">
+                                          <p:stCondLst>
+                                            <p:cond delay="0"/>
+                                          </p:stCondLst>
+                                        </p:cTn>
+                                        <p:tgtEl>
+                                          <p:spTgt spid="474167"/>
+                                        </p:tgtEl>
+                                        <p:attrNameLst>
+                                          <p:attrName>style.visibility</p:attrName>
+                                        </p:attrNameLst>
+                                      </p:cBhvr>
+                                      <p:to>
+                                        <p:strVal val="visible"/>
+                                      </p:to>
+                                    </p:set>
+                                    <p:animEffect transition="in" filter="randombar(horizontal)">
+                                      <p:cBhvr>
+                                        <p:cTn id="60" dur="500"/>
+                                        <p:tgtEl>
+                                          <p:spTgt spid="474167"/>
+                                        </p:tgtEl>
+                                      </p:cBhvr>
+                                    </p:animEffect>
+                                  </p:childTnLst>
+                                </p:cTn>
+                              </p:par>
+                              <p:par>
+                                <p:cTn id="61" presetID="14" presetClass="entr" presetSubtype="10" fill="hold" grpId="0" nodeType="withEffect">
+                                  <p:stCondLst>
+                                    <p:cond delay="0"/>
+                                  </p:stCondLst>
+                                  <p:childTnLst>
+                                    <p:set>
+                                      <p:cBhvr>
+                                        <p:cTn id="62" dur="1" fill="hold">
+                                          <p:stCondLst>
+                                            <p:cond delay="0"/>
+                                          </p:stCondLst>
+                                        </p:cTn>
+                                        <p:tgtEl>
+                                          <p:spTgt spid="474168"/>
+                                        </p:tgtEl>
+                                        <p:attrNameLst>
+                                          <p:attrName>style.visibility</p:attrName>
+                                        </p:attrNameLst>
+                                      </p:cBhvr>
+                                      <p:to>
+                                        <p:strVal val="visible"/>
+                                      </p:to>
+                                    </p:set>
+                                    <p:animEffect transition="in" filter="randombar(horizontal)">
+                                      <p:cBhvr>
+                                        <p:cTn id="63" dur="500"/>
+                                        <p:tgtEl>
+                                          <p:spTgt spid="474168"/>
+                                        </p:tgtEl>
+                                      </p:cBhvr>
+                                    </p:animEffect>
+                                  </p:childTnLst>
+                                </p:cTn>
+                              </p:par>
+                            </p:childTnLst>
+                          </p:cTn>
+                        </p:par>
+                      </p:childTnLst>
+                    </p:cTn>
+                  </p:par>
+                  <p:par>
+                    <p:cTn id="64" fill="hold">
+                      <p:stCondLst>
+                        <p:cond delay="indefinite"/>
+                      </p:stCondLst>
+                      <p:childTnLst>
+                        <p:par>
+                          <p:cTn id="65" fill="hold">
+                            <p:stCondLst>
+                              <p:cond delay="0"/>
+                            </p:stCondLst>
+                            <p:childTnLst>
+                              <p:par>
+                                <p:cTn id="66" presetID="10" presetClass="entr" presetSubtype="0" fill="hold" nodeType="clickEffect">
+                                  <p:stCondLst>
+                                    <p:cond delay="0"/>
+                                  </p:stCondLst>
+                                  <p:childTnLst>
+                                    <p:set>
+                                      <p:cBhvr>
+                                        <p:cTn id="67" dur="1" fill="hold">
+                                          <p:stCondLst>
+                                            <p:cond delay="0"/>
+                                          </p:stCondLst>
+                                        </p:cTn>
+                                        <p:tgtEl>
+                                          <p:spTgt spid="474154"/>
+                                        </p:tgtEl>
+                                        <p:attrNameLst>
+                                          <p:attrName>style.visibility</p:attrName>
+                                        </p:attrNameLst>
+                                      </p:cBhvr>
+                                      <p:to>
+                                        <p:strVal val="visible"/>
+                                      </p:to>
+                                    </p:set>
+                                    <p:animEffect transition="in" filter="fade">
+                                      <p:cBhvr>
+                                        <p:cTn id="68" dur="500"/>
+                                        <p:tgtEl>
+                                          <p:spTgt spid="474154"/>
+                                        </p:tgtEl>
+                                      </p:cBhvr>
+                                    </p:animEffect>
+                                  </p:childTnLst>
+                                </p:cTn>
+                              </p:par>
+                              <p:par>
+                                <p:cTn id="69" presetID="14" presetClass="entr" presetSubtype="10" fill="hold" grpId="0" nodeType="withEffect">
+                                  <p:stCondLst>
+                                    <p:cond delay="0"/>
+                                  </p:stCondLst>
+                                  <p:childTnLst>
+                                    <p:set>
+                                      <p:cBhvr>
+                                        <p:cTn id="70" dur="1" fill="hold">
+                                          <p:stCondLst>
+                                            <p:cond delay="0"/>
+                                          </p:stCondLst>
+                                        </p:cTn>
+                                        <p:tgtEl>
+                                          <p:spTgt spid="474169"/>
+                                        </p:tgtEl>
+                                        <p:attrNameLst>
+                                          <p:attrName>style.visibility</p:attrName>
+                                        </p:attrNameLst>
+                                      </p:cBhvr>
+                                      <p:to>
+                                        <p:strVal val="visible"/>
+                                      </p:to>
+                                    </p:set>
+                                    <p:animEffect transition="in" filter="randombar(horizontal)">
+                                      <p:cBhvr>
+                                        <p:cTn id="71" dur="500"/>
+                                        <p:tgtEl>
+                                          <p:spTgt spid="474169"/>
+                                        </p:tgtEl>
+                                      </p:cBhvr>
+                                    </p:animEffect>
+                                  </p:childTnLst>
+                                </p:cTn>
+                              </p:par>
+                              <p:par>
+                                <p:cTn id="72" presetID="14" presetClass="entr" presetSubtype="10" fill="hold" grpId="0" nodeType="withEffect">
+                                  <p:stCondLst>
+                                    <p:cond delay="0"/>
+                                  </p:stCondLst>
+                                  <p:childTnLst>
+                                    <p:set>
+                                      <p:cBhvr>
+                                        <p:cTn id="73" dur="1" fill="hold">
+                                          <p:stCondLst>
+                                            <p:cond delay="0"/>
+                                          </p:stCondLst>
+                                        </p:cTn>
+                                        <p:tgtEl>
+                                          <p:spTgt spid="474170"/>
+                                        </p:tgtEl>
+                                        <p:attrNameLst>
+                                          <p:attrName>style.visibility</p:attrName>
+                                        </p:attrNameLst>
+                                      </p:cBhvr>
+                                      <p:to>
+                                        <p:strVal val="visible"/>
+                                      </p:to>
+                                    </p:set>
+                                    <p:animEffect transition="in" filter="randombar(horizontal)">
+                                      <p:cBhvr>
+                                        <p:cTn id="74" dur="500"/>
+                                        <p:tgtEl>
+                                          <p:spTgt spid="474170"/>
+                                        </p:tgtEl>
+                                      </p:cBhvr>
+                                    </p:animEffect>
+                                  </p:childTnLst>
+                                </p:cTn>
+                              </p:par>
+                              <p:par>
+                                <p:cTn id="75" presetID="14" presetClass="entr" presetSubtype="10" fill="hold" grpId="0" nodeType="withEffect">
+                                  <p:stCondLst>
+                                    <p:cond delay="0"/>
+                                  </p:stCondLst>
+                                  <p:childTnLst>
+                                    <p:set>
+                                      <p:cBhvr>
+                                        <p:cTn id="76" dur="1" fill="hold">
+                                          <p:stCondLst>
+                                            <p:cond delay="0"/>
+                                          </p:stCondLst>
+                                        </p:cTn>
+                                        <p:tgtEl>
+                                          <p:spTgt spid="474171"/>
+                                        </p:tgtEl>
+                                        <p:attrNameLst>
+                                          <p:attrName>style.visibility</p:attrName>
+                                        </p:attrNameLst>
+                                      </p:cBhvr>
+                                      <p:to>
+                                        <p:strVal val="visible"/>
+                                      </p:to>
+                                    </p:set>
+                                    <p:animEffect transition="in" filter="randombar(horizontal)">
+                                      <p:cBhvr>
+                                        <p:cTn id="77" dur="500"/>
+                                        <p:tgtEl>
+                                          <p:spTgt spid="474171"/>
+                                        </p:tgtEl>
+                                      </p:cBhvr>
+                                    </p:animEffect>
+                                  </p:childTnLst>
+                                </p:cTn>
+                              </p:par>
+                            </p:childTnLst>
+                          </p:cTn>
+                        </p:par>
+                      </p:childTnLst>
+                    </p:cTn>
+                  </p:par>
+                </p:childTnLst>
+              </p:cTn>
+              <p:prevCondLst>
+                <p:cond evt="onPrev" delay="0">
+                  <p:tgtEl>
+                    <p:sldTgt/>
+                  </p:tgtEl>
+                </p:cond>
+              </p:prevCondLst>
+              <p:nextCondLst>
+                <p:cond evt="onNext" delay="0">
+                  <p:tgtEl>
+                    <p:sldTgt/>
+                  </p:tgtEl>
+                </p:cond>
+              </p:nextCondLst>
+            </p:seq>
+          </p:childTnLst>
+        </p:cTn>
       </p:par>
     </p:tnLst>
+    <p:bldLst>
+      <p:bldP spid="474157" grpId="0" animBg="1"/>
+      <p:bldP spid="474158" grpId="0" animBg="1"/>
+      <p:bldP spid="474163" grpId="0" animBg="1"/>
+      <p:bldP spid="474157" grpId="1" animBg="1"/>
+      <p:bldP spid="474158" grpId="1" animBg="1"/>
+      <p:bldP spid="474163" grpId="1" animBg="1"/>
+      <p:bldP spid="474159" grpId="0" animBg="1"/>
+      <p:bldP spid="474160" grpId="0" animBg="1"/>
+      <p:bldP spid="474164" grpId="0" animBg="1"/>
+      <p:bldP spid="474159" grpId="1" animBg="1"/>
+      <p:bldP spid="474160" grpId="1" animBg="1"/>
+      <p:bldP spid="474164" grpId="1" animBg="1"/>
+      <p:bldP spid="474161" grpId="0" animBg="1"/>
+      <p:bldP spid="474162" grpId="0" animBg="1"/>
+      <p:bldP spid="474165" grpId="0" animBg="1"/>
+      <p:bldP spid="474161" grpId="1" animBg="1"/>
+      <p:bldP spid="474162" grpId="1" animBg="1"/>
+      <p:bldP spid="474165" grpId="1" animBg="1"/>
+      <p:bldP spid="474166" grpId="0" animBg="1"/>
+      <p:bldP spid="474167" grpId="0" animBg="1"/>
+      <p:bldP spid="474168" grpId="0" animBg="1"/>
+      <p:bldP spid="474169" grpId="0" animBg="1"/>
+      <p:bldP spid="474170" grpId="0" animBg="1"/>
+      <p:bldP spid="474171" grpId="0" animBg="1"/>
+    </p:bldLst>
   </p:timing>
 </p:sld>
 </file>
@@ -8179,13 +11165,13 @@
           </a:lstStyle>
           <a:p>
             <a:r>
-              <a:rPr lang="" altLang="en-US" sz="2400" b="1" dirty="0">
+              <a:rPr lang="en-US" altLang="en-US" sz="2400" b="1" dirty="0">
                 <a:latin typeface="Times New Roman" panose="02020603050405020304" pitchFamily="18" charset="0"/>
                 <a:cs typeface="Times New Roman" panose="02020603050405020304" pitchFamily="18" charset="0"/>
               </a:rPr>
               <a:t>ĐƯA RA VẤN ĐỀ</a:t>
             </a:r>
-            <a:endParaRPr lang="" altLang="en-US" sz="2400" b="1" dirty="0">
+            <a:endParaRPr lang="en-US" altLang="en-US" sz="2400" b="1" dirty="0">
               <a:latin typeface="Times New Roman" panose="02020603050405020304" pitchFamily="18" charset="0"/>
               <a:cs typeface="Times New Roman" panose="02020603050405020304" pitchFamily="18" charset="0"/>
             </a:endParaRPr>
@@ -8471,20 +11457,9 @@
                 <a:cs typeface="Times New Roman" panose="02020603050405020304" pitchFamily="18" charset="0"/>
                 <a:sym typeface="+mn-ea"/>
               </a:rPr>
-              <a:t>Việc sử dụng plugin thường hay gặp phải các vấn đề về bảo mật và gây khó khăn cho người sử dụng</a:t>
-            </a:r>
-            <a:r>
-              <a:rPr lang="" altLang="en-US" sz="2400" b="1" dirty="0">
-                <a:solidFill>
-                  <a:schemeClr val="tx1"/>
-                </a:solidFill>
-                <a:latin typeface="Times New Roman" panose="02020603050405020304" pitchFamily="18" charset="0"/>
-                <a:cs typeface="Times New Roman" panose="02020603050405020304" pitchFamily="18" charset="0"/>
-                <a:sym typeface="+mn-ea"/>
-              </a:rPr>
-              <a:t>.</a:t>
-            </a:r>
-            <a:endParaRPr lang="" altLang="en-US" sz="2400" b="1" dirty="0">
+              <a:t>Việc sử dụng plugin thường hay gặp phải các vấn đề về bảo mật và gây khó khăn cho người sử dụng.</a:t>
+            </a:r>
+            <a:endParaRPr lang="en-US" altLang="en-US" sz="2400" b="1" dirty="0">
               <a:solidFill>
                 <a:schemeClr val="tx1"/>
               </a:solidFill>
@@ -8500,12 +11475,571 @@
   <p:clrMapOvr>
     <a:masterClrMapping/>
   </p:clrMapOvr>
+  <p:transition>
+    <p:wipe dir="r"/>
+  </p:transition>
   <p:timing>
     <p:tnLst>
       <p:par>
-        <p:cTn id="1" dur="indefinite" restart="never" nodeType="tmRoot"/>
+        <p:cTn id="1" dur="indefinite" restart="never" nodeType="tmRoot">
+          <p:childTnLst>
+            <p:seq concurrent="1" nextAc="seek">
+              <p:cTn id="2" dur="indefinite" nodeType="mainSeq">
+                <p:childTnLst>
+                  <p:par>
+                    <p:cTn id="3" fill="hold">
+                      <p:stCondLst>
+                        <p:cond delay="indefinite"/>
+                        <p:cond evt="onBegin" delay="0">
+                          <p:tn val="2"/>
+                        </p:cond>
+                      </p:stCondLst>
+                      <p:childTnLst>
+                        <p:par>
+                          <p:cTn id="4" fill="hold">
+                            <p:stCondLst>
+                              <p:cond delay="0"/>
+                            </p:stCondLst>
+                            <p:childTnLst>
+                              <p:par>
+                                <p:cTn id="5" presetID="47" presetClass="entr" presetSubtype="0" fill="hold" grpId="0" nodeType="withEffect">
+                                  <p:stCondLst>
+                                    <p:cond delay="0"/>
+                                  </p:stCondLst>
+                                  <p:childTnLst>
+                                    <p:set>
+                                      <p:cBhvr>
+                                        <p:cTn id="6" dur="500" fill="hold">
+                                          <p:stCondLst>
+                                            <p:cond delay="0"/>
+                                          </p:stCondLst>
+                                        </p:cTn>
+                                        <p:tgtEl>
+                                          <p:spTgt spid="484357"/>
+                                        </p:tgtEl>
+                                        <p:attrNameLst>
+                                          <p:attrName>style.visibility</p:attrName>
+                                        </p:attrNameLst>
+                                      </p:cBhvr>
+                                      <p:to>
+                                        <p:strVal val="visible"/>
+                                      </p:to>
+                                    </p:set>
+                                    <p:animEffect transition="in" filter="fade">
+                                      <p:cBhvr>
+                                        <p:cTn id="7" dur="500"/>
+                                        <p:tgtEl>
+                                          <p:spTgt spid="484357"/>
+                                        </p:tgtEl>
+                                      </p:cBhvr>
+                                    </p:animEffect>
+                                    <p:anim calcmode="lin" valueType="num">
+                                      <p:cBhvr>
+                                        <p:cTn id="8" dur="500" fill="hold"/>
+                                        <p:tgtEl>
+                                          <p:spTgt spid="484357"/>
+                                        </p:tgtEl>
+                                        <p:attrNameLst>
+                                          <p:attrName>ppt_x</p:attrName>
+                                        </p:attrNameLst>
+                                      </p:cBhvr>
+                                      <p:tavLst>
+                                        <p:tav tm="0">
+                                          <p:val>
+                                            <p:strVal val="#ppt_x"/>
+                                          </p:val>
+                                        </p:tav>
+                                        <p:tav tm="100000">
+                                          <p:val>
+                                            <p:strVal val="#ppt_x"/>
+                                          </p:val>
+                                        </p:tav>
+                                      </p:tavLst>
+                                    </p:anim>
+                                    <p:anim calcmode="lin" valueType="num">
+                                      <p:cBhvr>
+                                        <p:cTn id="9" dur="500" fill="hold"/>
+                                        <p:tgtEl>
+                                          <p:spTgt spid="484357"/>
+                                        </p:tgtEl>
+                                        <p:attrNameLst>
+                                          <p:attrName>ppt_y</p:attrName>
+                                        </p:attrNameLst>
+                                      </p:cBhvr>
+                                      <p:tavLst>
+                                        <p:tav tm="0">
+                                          <p:val>
+                                            <p:strVal val="#ppt_y-.1"/>
+                                          </p:val>
+                                        </p:tav>
+                                        <p:tav tm="100000">
+                                          <p:val>
+                                            <p:strVal val="#ppt_y"/>
+                                          </p:val>
+                                        </p:tav>
+                                      </p:tavLst>
+                                    </p:anim>
+                                  </p:childTnLst>
+                                </p:cTn>
+                              </p:par>
+                              <p:par>
+                                <p:cTn id="10" presetID="47" presetClass="entr" presetSubtype="0" fill="hold" nodeType="withEffect">
+                                  <p:stCondLst>
+                                    <p:cond delay="0"/>
+                                  </p:stCondLst>
+                                  <p:childTnLst>
+                                    <p:set>
+                                      <p:cBhvr>
+                                        <p:cTn id="11" dur="500" fill="hold">
+                                          <p:stCondLst>
+                                            <p:cond delay="0"/>
+                                          </p:stCondLst>
+                                        </p:cTn>
+                                        <p:tgtEl>
+                                          <p:spTgt spid="484358"/>
+                                        </p:tgtEl>
+                                        <p:attrNameLst>
+                                          <p:attrName>style.visibility</p:attrName>
+                                        </p:attrNameLst>
+                                      </p:cBhvr>
+                                      <p:to>
+                                        <p:strVal val="visible"/>
+                                      </p:to>
+                                    </p:set>
+                                    <p:animEffect transition="in" filter="fade">
+                                      <p:cBhvr>
+                                        <p:cTn id="12" dur="500"/>
+                                        <p:tgtEl>
+                                          <p:spTgt spid="484358"/>
+                                        </p:tgtEl>
+                                      </p:cBhvr>
+                                    </p:animEffect>
+                                    <p:anim calcmode="lin" valueType="num">
+                                      <p:cBhvr>
+                                        <p:cTn id="13" dur="500" fill="hold"/>
+                                        <p:tgtEl>
+                                          <p:spTgt spid="484358"/>
+                                        </p:tgtEl>
+                                        <p:attrNameLst>
+                                          <p:attrName>ppt_x</p:attrName>
+                                        </p:attrNameLst>
+                                      </p:cBhvr>
+                                      <p:tavLst>
+                                        <p:tav tm="0">
+                                          <p:val>
+                                            <p:strVal val="#ppt_x"/>
+                                          </p:val>
+                                        </p:tav>
+                                        <p:tav tm="100000">
+                                          <p:val>
+                                            <p:strVal val="#ppt_x"/>
+                                          </p:val>
+                                        </p:tav>
+                                      </p:tavLst>
+                                    </p:anim>
+                                    <p:anim calcmode="lin" valueType="num">
+                                      <p:cBhvr>
+                                        <p:cTn id="14" dur="500" fill="hold"/>
+                                        <p:tgtEl>
+                                          <p:spTgt spid="484358"/>
+                                        </p:tgtEl>
+                                        <p:attrNameLst>
+                                          <p:attrName>ppt_y</p:attrName>
+                                        </p:attrNameLst>
+                                      </p:cBhvr>
+                                      <p:tavLst>
+                                        <p:tav tm="0">
+                                          <p:val>
+                                            <p:strVal val="#ppt_y-.1"/>
+                                          </p:val>
+                                        </p:tav>
+                                        <p:tav tm="100000">
+                                          <p:val>
+                                            <p:strVal val="#ppt_y"/>
+                                          </p:val>
+                                        </p:tav>
+                                      </p:tavLst>
+                                    </p:anim>
+                                  </p:childTnLst>
+                                </p:cTn>
+                              </p:par>
+                              <p:par>
+                                <p:cTn id="15" presetID="47" presetClass="entr" presetSubtype="0" fill="hold" grpId="0" nodeType="withEffect">
+                                  <p:stCondLst>
+                                    <p:cond delay="0"/>
+                                  </p:stCondLst>
+                                  <p:childTnLst>
+                                    <p:set>
+                                      <p:cBhvr>
+                                        <p:cTn id="16" dur="500" fill="hold">
+                                          <p:stCondLst>
+                                            <p:cond delay="0"/>
+                                          </p:stCondLst>
+                                        </p:cTn>
+                                        <p:tgtEl>
+                                          <p:spTgt spid="484394"/>
+                                        </p:tgtEl>
+                                        <p:attrNameLst>
+                                          <p:attrName>style.visibility</p:attrName>
+                                        </p:attrNameLst>
+                                      </p:cBhvr>
+                                      <p:to>
+                                        <p:strVal val="visible"/>
+                                      </p:to>
+                                    </p:set>
+                                    <p:animEffect transition="in" filter="fade">
+                                      <p:cBhvr>
+                                        <p:cTn id="17" dur="500"/>
+                                        <p:tgtEl>
+                                          <p:spTgt spid="484394"/>
+                                        </p:tgtEl>
+                                      </p:cBhvr>
+                                    </p:animEffect>
+                                    <p:anim calcmode="lin" valueType="num">
+                                      <p:cBhvr>
+                                        <p:cTn id="18" dur="500" fill="hold"/>
+                                        <p:tgtEl>
+                                          <p:spTgt spid="484394"/>
+                                        </p:tgtEl>
+                                        <p:attrNameLst>
+                                          <p:attrName>ppt_x</p:attrName>
+                                        </p:attrNameLst>
+                                      </p:cBhvr>
+                                      <p:tavLst>
+                                        <p:tav tm="0">
+                                          <p:val>
+                                            <p:strVal val="#ppt_x"/>
+                                          </p:val>
+                                        </p:tav>
+                                        <p:tav tm="100000">
+                                          <p:val>
+                                            <p:strVal val="#ppt_x"/>
+                                          </p:val>
+                                        </p:tav>
+                                      </p:tavLst>
+                                    </p:anim>
+                                    <p:anim calcmode="lin" valueType="num">
+                                      <p:cBhvr>
+                                        <p:cTn id="19" dur="500" fill="hold"/>
+                                        <p:tgtEl>
+                                          <p:spTgt spid="484394"/>
+                                        </p:tgtEl>
+                                        <p:attrNameLst>
+                                          <p:attrName>ppt_y</p:attrName>
+                                        </p:attrNameLst>
+                                      </p:cBhvr>
+                                      <p:tavLst>
+                                        <p:tav tm="0">
+                                          <p:val>
+                                            <p:strVal val="#ppt_y-.1"/>
+                                          </p:val>
+                                        </p:tav>
+                                        <p:tav tm="100000">
+                                          <p:val>
+                                            <p:strVal val="#ppt_y"/>
+                                          </p:val>
+                                        </p:tav>
+                                      </p:tavLst>
+                                    </p:anim>
+                                  </p:childTnLst>
+                                </p:cTn>
+                              </p:par>
+                            </p:childTnLst>
+                          </p:cTn>
+                        </p:par>
+                      </p:childTnLst>
+                    </p:cTn>
+                  </p:par>
+                  <p:par>
+                    <p:cTn id="20" fill="hold">
+                      <p:stCondLst>
+                        <p:cond delay="indefinite"/>
+                      </p:stCondLst>
+                      <p:childTnLst>
+                        <p:par>
+                          <p:cTn id="21" fill="hold">
+                            <p:stCondLst>
+                              <p:cond delay="0"/>
+                            </p:stCondLst>
+                            <p:childTnLst>
+                              <p:par>
+                                <p:cTn id="22" presetID="47" presetClass="entr" presetSubtype="0" fill="hold" grpId="0" nodeType="clickEffect">
+                                  <p:stCondLst>
+                                    <p:cond delay="0"/>
+                                  </p:stCondLst>
+                                  <p:childTnLst>
+                                    <p:set>
+                                      <p:cBhvr>
+                                        <p:cTn id="23" dur="500" fill="hold">
+                                          <p:stCondLst>
+                                            <p:cond delay="0"/>
+                                          </p:stCondLst>
+                                        </p:cTn>
+                                        <p:tgtEl>
+                                          <p:spTgt spid="484361"/>
+                                        </p:tgtEl>
+                                        <p:attrNameLst>
+                                          <p:attrName>style.visibility</p:attrName>
+                                        </p:attrNameLst>
+                                      </p:cBhvr>
+                                      <p:to>
+                                        <p:strVal val="visible"/>
+                                      </p:to>
+                                    </p:set>
+                                    <p:animEffect transition="in" filter="fade">
+                                      <p:cBhvr>
+                                        <p:cTn id="24" dur="500"/>
+                                        <p:tgtEl>
+                                          <p:spTgt spid="484361"/>
+                                        </p:tgtEl>
+                                      </p:cBhvr>
+                                    </p:animEffect>
+                                    <p:anim calcmode="lin" valueType="num">
+                                      <p:cBhvr>
+                                        <p:cTn id="25" dur="500" fill="hold"/>
+                                        <p:tgtEl>
+                                          <p:spTgt spid="484361"/>
+                                        </p:tgtEl>
+                                        <p:attrNameLst>
+                                          <p:attrName>ppt_x</p:attrName>
+                                        </p:attrNameLst>
+                                      </p:cBhvr>
+                                      <p:tavLst>
+                                        <p:tav tm="0">
+                                          <p:val>
+                                            <p:strVal val="#ppt_x"/>
+                                          </p:val>
+                                        </p:tav>
+                                        <p:tav tm="100000">
+                                          <p:val>
+                                            <p:strVal val="#ppt_x"/>
+                                          </p:val>
+                                        </p:tav>
+                                      </p:tavLst>
+                                    </p:anim>
+                                    <p:anim calcmode="lin" valueType="num">
+                                      <p:cBhvr>
+                                        <p:cTn id="26" dur="500" fill="hold"/>
+                                        <p:tgtEl>
+                                          <p:spTgt spid="484361"/>
+                                        </p:tgtEl>
+                                        <p:attrNameLst>
+                                          <p:attrName>ppt_y</p:attrName>
+                                        </p:attrNameLst>
+                                      </p:cBhvr>
+                                      <p:tavLst>
+                                        <p:tav tm="0">
+                                          <p:val>
+                                            <p:strVal val="#ppt_y-.1"/>
+                                          </p:val>
+                                        </p:tav>
+                                        <p:tav tm="100000">
+                                          <p:val>
+                                            <p:strVal val="#ppt_y"/>
+                                          </p:val>
+                                        </p:tav>
+                                      </p:tavLst>
+                                    </p:anim>
+                                  </p:childTnLst>
+                                </p:cTn>
+                              </p:par>
+                              <p:par>
+                                <p:cTn id="27" presetID="47" presetClass="entr" presetSubtype="0" fill="hold" nodeType="withEffect">
+                                  <p:stCondLst>
+                                    <p:cond delay="0"/>
+                                  </p:stCondLst>
+                                  <p:childTnLst>
+                                    <p:set>
+                                      <p:cBhvr>
+                                        <p:cTn id="28" dur="500" fill="hold">
+                                          <p:stCondLst>
+                                            <p:cond delay="0"/>
+                                          </p:stCondLst>
+                                        </p:cTn>
+                                        <p:tgtEl>
+                                          <p:spTgt spid="484362"/>
+                                        </p:tgtEl>
+                                        <p:attrNameLst>
+                                          <p:attrName>style.visibility</p:attrName>
+                                        </p:attrNameLst>
+                                      </p:cBhvr>
+                                      <p:to>
+                                        <p:strVal val="visible"/>
+                                      </p:to>
+                                    </p:set>
+                                    <p:animEffect transition="in" filter="fade">
+                                      <p:cBhvr>
+                                        <p:cTn id="29" dur="500"/>
+                                        <p:tgtEl>
+                                          <p:spTgt spid="484362"/>
+                                        </p:tgtEl>
+                                      </p:cBhvr>
+                                    </p:animEffect>
+                                    <p:anim calcmode="lin" valueType="num">
+                                      <p:cBhvr>
+                                        <p:cTn id="30" dur="500" fill="hold"/>
+                                        <p:tgtEl>
+                                          <p:spTgt spid="484362"/>
+                                        </p:tgtEl>
+                                        <p:attrNameLst>
+                                          <p:attrName>ppt_x</p:attrName>
+                                        </p:attrNameLst>
+                                      </p:cBhvr>
+                                      <p:tavLst>
+                                        <p:tav tm="0">
+                                          <p:val>
+                                            <p:strVal val="#ppt_x"/>
+                                          </p:val>
+                                        </p:tav>
+                                        <p:tav tm="100000">
+                                          <p:val>
+                                            <p:strVal val="#ppt_x"/>
+                                          </p:val>
+                                        </p:tav>
+                                      </p:tavLst>
+                                    </p:anim>
+                                    <p:anim calcmode="lin" valueType="num">
+                                      <p:cBhvr>
+                                        <p:cTn id="31" dur="500" fill="hold"/>
+                                        <p:tgtEl>
+                                          <p:spTgt spid="484362"/>
+                                        </p:tgtEl>
+                                        <p:attrNameLst>
+                                          <p:attrName>ppt_y</p:attrName>
+                                        </p:attrNameLst>
+                                      </p:cBhvr>
+                                      <p:tavLst>
+                                        <p:tav tm="0">
+                                          <p:val>
+                                            <p:strVal val="#ppt_y-.1"/>
+                                          </p:val>
+                                        </p:tav>
+                                        <p:tav tm="100000">
+                                          <p:val>
+                                            <p:strVal val="#ppt_y"/>
+                                          </p:val>
+                                        </p:tav>
+                                      </p:tavLst>
+                                    </p:anim>
+                                  </p:childTnLst>
+                                </p:cTn>
+                              </p:par>
+                              <p:par>
+                                <p:cTn id="32" presetID="47" presetClass="entr" presetSubtype="0" fill="hold" grpId="0" nodeType="withEffect">
+                                  <p:stCondLst>
+                                    <p:cond delay="0"/>
+                                  </p:stCondLst>
+                                  <p:childTnLst>
+                                    <p:set>
+                                      <p:cBhvr>
+                                        <p:cTn id="33" dur="500" fill="hold">
+                                          <p:stCondLst>
+                                            <p:cond delay="0"/>
+                                          </p:stCondLst>
+                                        </p:cTn>
+                                        <p:tgtEl>
+                                          <p:spTgt spid="484395"/>
+                                        </p:tgtEl>
+                                        <p:attrNameLst>
+                                          <p:attrName>style.visibility</p:attrName>
+                                        </p:attrNameLst>
+                                      </p:cBhvr>
+                                      <p:to>
+                                        <p:strVal val="visible"/>
+                                      </p:to>
+                                    </p:set>
+                                    <p:animEffect transition="in" filter="fade">
+                                      <p:cBhvr>
+                                        <p:cTn id="34" dur="500"/>
+                                        <p:tgtEl>
+                                          <p:spTgt spid="484395"/>
+                                        </p:tgtEl>
+                                      </p:cBhvr>
+                                    </p:animEffect>
+                                    <p:anim calcmode="lin" valueType="num">
+                                      <p:cBhvr>
+                                        <p:cTn id="35" dur="500" fill="hold"/>
+                                        <p:tgtEl>
+                                          <p:spTgt spid="484395"/>
+                                        </p:tgtEl>
+                                        <p:attrNameLst>
+                                          <p:attrName>ppt_x</p:attrName>
+                                        </p:attrNameLst>
+                                      </p:cBhvr>
+                                      <p:tavLst>
+                                        <p:tav tm="0">
+                                          <p:val>
+                                            <p:strVal val="#ppt_x"/>
+                                          </p:val>
+                                        </p:tav>
+                                        <p:tav tm="100000">
+                                          <p:val>
+                                            <p:strVal val="#ppt_x"/>
+                                          </p:val>
+                                        </p:tav>
+                                      </p:tavLst>
+                                    </p:anim>
+                                    <p:anim calcmode="lin" valueType="num">
+                                      <p:cBhvr>
+                                        <p:cTn id="36" dur="500" fill="hold"/>
+                                        <p:tgtEl>
+                                          <p:spTgt spid="484395"/>
+                                        </p:tgtEl>
+                                        <p:attrNameLst>
+                                          <p:attrName>ppt_y</p:attrName>
+                                        </p:attrNameLst>
+                                      </p:cBhvr>
+                                      <p:tavLst>
+                                        <p:tav tm="0">
+                                          <p:val>
+                                            <p:strVal val="#ppt_y-.1"/>
+                                          </p:val>
+                                        </p:tav>
+                                        <p:tav tm="100000">
+                                          <p:val>
+                                            <p:strVal val="#ppt_y"/>
+                                          </p:val>
+                                        </p:tav>
+                                      </p:tavLst>
+                                    </p:anim>
+                                  </p:childTnLst>
+                                </p:cTn>
+                              </p:par>
+                            </p:childTnLst>
+                          </p:cTn>
+                        </p:par>
+                      </p:childTnLst>
+                    </p:cTn>
+                  </p:par>
+                </p:childTnLst>
+              </p:cTn>
+              <p:prevCondLst>
+                <p:cond evt="onPrev" delay="0">
+                  <p:tgtEl>
+                    <p:sldTgt/>
+                  </p:tgtEl>
+                </p:cond>
+              </p:prevCondLst>
+              <p:nextCondLst>
+                <p:cond evt="onNext" delay="0">
+                  <p:tgtEl>
+                    <p:sldTgt/>
+                  </p:tgtEl>
+                </p:cond>
+              </p:nextCondLst>
+            </p:seq>
+          </p:childTnLst>
+        </p:cTn>
       </p:par>
     </p:tnLst>
+    <p:bldLst>
+      <p:bldP spid="484357" grpId="0" animBg="1"/>
+      <p:bldP spid="484394" grpId="0" animBg="1"/>
+      <p:bldP spid="484357" grpId="1" animBg="1"/>
+      <p:bldP spid="484394" grpId="1" animBg="1"/>
+      <p:bldP spid="484361" grpId="0" animBg="1"/>
+      <p:bldP spid="484395" grpId="0" animBg="1"/>
+    </p:bldLst>
   </p:timing>
 </p:sld>
 </file>
@@ -8583,13 +12117,13 @@
           </a:lstStyle>
           <a:p>
             <a:r>
-              <a:rPr lang="" altLang="en-US" sz="2400" b="1" dirty="0" smtClean="0">
+              <a:rPr lang="en-US" altLang="en-US" sz="2400" b="1" dirty="0" smtClean="0">
                 <a:latin typeface="Times New Roman" panose="02020603050405020304" pitchFamily="18" charset="0"/>
                 <a:cs typeface="Times New Roman" panose="02020603050405020304" pitchFamily="18" charset="0"/>
               </a:rPr>
               <a:t>MỤC ĐÍCH CỦA ĐỀ TÀI</a:t>
             </a:r>
-            <a:endParaRPr lang="" altLang="en-US" sz="2400" b="1" dirty="0" smtClean="0">
+            <a:endParaRPr lang="en-US" altLang="en-US" sz="2400" b="1" dirty="0" smtClean="0">
               <a:latin typeface="Times New Roman" panose="02020603050405020304" pitchFamily="18" charset="0"/>
               <a:cs typeface="Times New Roman" panose="02020603050405020304" pitchFamily="18" charset="0"/>
             </a:endParaRPr>
@@ -8663,43 +12197,22 @@
                 <a:latin typeface="Times New Roman" panose="02020603050405020304" pitchFamily="18" charset="0"/>
                 <a:cs typeface="Times New Roman" panose="02020603050405020304" pitchFamily="18" charset="0"/>
               </a:rPr>
-              <a:t>Hệ thống được xây dựng nhằm thực hiện một ứng dụng web </a:t>
-            </a:r>
-            <a:r>
-              <a:rPr lang="" altLang="en-US" sz="2800" dirty="0">
-                <a:latin typeface="Times New Roman" panose="02020603050405020304" pitchFamily="18" charset="0"/>
-                <a:cs typeface="Times New Roman" panose="02020603050405020304" pitchFamily="18" charset="0"/>
-              </a:rPr>
-              <a:t>gọi video chat</a:t>
-            </a:r>
+              <a:t>Hệ thống được xây dựng nhằm thực hiện một ứng dụng web gọi video chat mà không cần phải cài</a:t>
+            </a:r>
+            <a:endParaRPr lang="en-US" altLang="en-US" sz="2800" dirty="0">
+              <a:latin typeface="Times New Roman" panose="02020603050405020304" pitchFamily="18" charset="0"/>
+              <a:cs typeface="Times New Roman" panose="02020603050405020304" pitchFamily="18" charset="0"/>
+            </a:endParaRPr>
+          </a:p>
+          <a:p>
             <a:r>
               <a:rPr lang="en-US" altLang="en-US" sz="2800" dirty="0">
                 <a:latin typeface="Times New Roman" panose="02020603050405020304" pitchFamily="18" charset="0"/>
                 <a:cs typeface="Times New Roman" panose="02020603050405020304" pitchFamily="18" charset="0"/>
               </a:rPr>
-              <a:t> mà không cần phải cài</a:t>
+              <a:t>đặt thêm bất kỳ phần mềm hay plugin nào của bên thứ ba nào.</a:t>
             </a:r>
             <a:endParaRPr lang="en-US" altLang="en-US" sz="2800" dirty="0">
-              <a:latin typeface="Times New Roman" panose="02020603050405020304" pitchFamily="18" charset="0"/>
-              <a:cs typeface="Times New Roman" panose="02020603050405020304" pitchFamily="18" charset="0"/>
-            </a:endParaRPr>
-          </a:p>
-          <a:p>
-            <a:r>
-              <a:rPr lang="en-US" altLang="en-US" sz="2800" dirty="0">
-                <a:latin typeface="Times New Roman" panose="02020603050405020304" pitchFamily="18" charset="0"/>
-                <a:cs typeface="Times New Roman" panose="02020603050405020304" pitchFamily="18" charset="0"/>
-              </a:rPr>
-              <a:t>đặt thêm bất kỳ phần mềm hay plugin nào của bên thứ ba nào</a:t>
-            </a:r>
-            <a:r>
-              <a:rPr lang="" altLang="en-US" sz="2800" dirty="0">
-                <a:latin typeface="Times New Roman" panose="02020603050405020304" pitchFamily="18" charset="0"/>
-                <a:cs typeface="Times New Roman" panose="02020603050405020304" pitchFamily="18" charset="0"/>
-              </a:rPr>
-              <a:t>.</a:t>
-            </a:r>
-            <a:endParaRPr lang="" altLang="en-US" sz="2800" dirty="0">
               <a:latin typeface="Times New Roman" panose="02020603050405020304" pitchFamily="18" charset="0"/>
               <a:cs typeface="Times New Roman" panose="02020603050405020304" pitchFamily="18" charset="0"/>
             </a:endParaRPr>
@@ -8735,6 +12248,9 @@
   <p:clrMapOvr>
     <a:masterClrMapping/>
   </p:clrMapOvr>
+  <p:transition>
+    <p:wipe dir="r"/>
+  </p:transition>
   <p:timing>
     <p:tnLst>
       <p:par>
@@ -8747,6 +12263,9 @@
                     <p:cTn id="3" fill="hold">
                       <p:stCondLst>
                         <p:cond delay="indefinite"/>
+                        <p:cond evt="onBegin" delay="0">
+                          <p:tn val="2"/>
+                        </p:cond>
                       </p:stCondLst>
                       <p:childTnLst>
                         <p:par>
@@ -8756,7 +12275,7 @@
                             </p:stCondLst>
                             <p:childTnLst>
                               <p:par>
-                                <p:cTn id="5" presetID="22" presetClass="entr" presetSubtype="4" fill="hold" grpId="0" nodeType="clickEffect">
+                                <p:cTn id="5" presetID="37" presetClass="entr" presetSubtype="0" fill="hold" nodeType="withEffect">
                                   <p:stCondLst>
                                     <p:cond delay="0"/>
                                   </p:stCondLst>
@@ -8769,7 +12288,7 @@
                                           </p:stCondLst>
                                         </p:cTn>
                                         <p:tgtEl>
-                                          <p:spTgt spid="6"/>
+                                          <p:spTgt spid="8"/>
                                         </p:tgtEl>
                                         <p:attrNameLst>
                                           <p:attrName>style.visibility</p:attrName>
@@ -8779,9 +12298,135 @@
                                         <p:strVal val="visible"/>
                                       </p:to>
                                     </p:set>
-                                    <p:animEffect transition="in" filter="wipe(down)">
+                                    <p:animEffect transition="in" filter="fade">
                                       <p:cBhvr>
                                         <p:cTn id="7" dur="500"/>
+                                        <p:tgtEl>
+                                          <p:spTgt spid="8"/>
+                                        </p:tgtEl>
+                                      </p:cBhvr>
+                                    </p:animEffect>
+                                    <p:anim calcmode="lin" valueType="num">
+                                      <p:cBhvr>
+                                        <p:cTn id="8" dur="500" fill="hold"/>
+                                        <p:tgtEl>
+                                          <p:spTgt spid="8"/>
+                                        </p:tgtEl>
+                                        <p:attrNameLst>
+                                          <p:attrName>ppt_x</p:attrName>
+                                        </p:attrNameLst>
+                                      </p:cBhvr>
+                                      <p:tavLst>
+                                        <p:tav tm="0">
+                                          <p:val>
+                                            <p:strVal val="#ppt_x"/>
+                                          </p:val>
+                                        </p:tav>
+                                        <p:tav tm="100000">
+                                          <p:val>
+                                            <p:strVal val="#ppt_x"/>
+                                          </p:val>
+                                        </p:tav>
+                                      </p:tavLst>
+                                    </p:anim>
+                                    <p:anim calcmode="lin" valueType="num">
+                                      <p:cBhvr>
+                                        <p:cTn id="9" dur="450" decel="100000" fill="hold"/>
+                                        <p:tgtEl>
+                                          <p:spTgt spid="8"/>
+                                        </p:tgtEl>
+                                        <p:attrNameLst>
+                                          <p:attrName>ppt_y</p:attrName>
+                                        </p:attrNameLst>
+                                      </p:cBhvr>
+                                      <p:tavLst>
+                                        <p:tav tm="0">
+                                          <p:val>
+                                            <p:strVal val="#ppt_y+1"/>
+                                          </p:val>
+                                        </p:tav>
+                                        <p:tav tm="100000">
+                                          <p:val>
+                                            <p:strVal val="#ppt_y-.03"/>
+                                          </p:val>
+                                        </p:tav>
+                                      </p:tavLst>
+                                    </p:anim>
+                                    <p:anim calcmode="lin" valueType="num">
+                                      <p:cBhvr>
+                                        <p:cTn id="10" dur="50" accel="100000" fill="hold">
+                                          <p:stCondLst>
+                                            <p:cond delay="450"/>
+                                          </p:stCondLst>
+                                        </p:cTn>
+                                        <p:tgtEl>
+                                          <p:spTgt spid="8"/>
+                                        </p:tgtEl>
+                                        <p:attrNameLst>
+                                          <p:attrName>ppt_y</p:attrName>
+                                        </p:attrNameLst>
+                                      </p:cBhvr>
+                                      <p:tavLst>
+                                        <p:tav tm="0">
+                                          <p:val>
+                                            <p:strVal val="#ppt_y-.03"/>
+                                          </p:val>
+                                        </p:tav>
+                                        <p:tav tm="100000">
+                                          <p:val>
+                                            <p:strVal val="#ppt_y"/>
+                                          </p:val>
+                                        </p:tav>
+                                      </p:tavLst>
+                                    </p:anim>
+                                  </p:childTnLst>
+                                </p:cTn>
+                              </p:par>
+                            </p:childTnLst>
+                          </p:cTn>
+                        </p:par>
+                      </p:childTnLst>
+                    </p:cTn>
+                  </p:par>
+                  <p:par>
+                    <p:cTn id="11" fill="hold">
+                      <p:stCondLst>
+                        <p:cond delay="indefinite"/>
+                      </p:stCondLst>
+                      <p:childTnLst>
+                        <p:par>
+                          <p:cTn id="12" fill="hold">
+                            <p:stCondLst>
+                              <p:cond delay="0"/>
+                            </p:stCondLst>
+                            <p:childTnLst>
+                              <p:par>
+                                <p:cTn id="13" presetID="10" presetClass="entr" presetSubtype="0" fill="hold" grpId="0" nodeType="clickEffect">
+                                  <p:stCondLst>
+                                    <p:cond delay="0"/>
+                                  </p:stCondLst>
+                                  <p:childTnLst>
+                                    <p:set>
+                                      <p:cBhvr>
+                                        <p:cTn id="14" dur="1" fill="hold">
+                                          <p:stCondLst>
+                                            <p:cond delay="0"/>
+                                          </p:stCondLst>
+                                        </p:cTn>
+                                        <p:tgtEl>
+                                          <p:spTgt spid="6"/>
+                                        </p:tgtEl>
+                                        <p:attrNameLst>
+                                          <p:attrName>style.visibility</p:attrName>
+                                        </p:attrNameLst>
+                                      </p:cBhvr>
+                                      <p:to>
+                                        <p:strVal val="visible"/>
+                                      </p:to>
+                                    </p:set>
+                                    <p:animEffect transition="in" filter="fade">
+                                      <p:cBhvr>
+                                        <p:cTn id="15" dur="500"/>
                                         <p:tgtEl>
                                           <p:spTgt spid="6"/>
                                         </p:tgtEl>
@@ -8819,6 +12464,7 @@
     </p:tnLst>
     <p:bldLst>
       <p:bldP spid="6" grpId="0"/>
+      <p:bldP spid="6" grpId="1"/>
     </p:bldLst>
   </p:timing>
 </p:sld>
@@ -8897,13 +12543,13 @@
           </a:lstStyle>
           <a:p>
             <a:r>
-              <a:rPr lang="" altLang="en-US" sz="2400" b="1" dirty="0" smtClean="0">
+              <a:rPr lang="en-US" altLang="en-US" sz="2400" b="1" dirty="0" smtClean="0">
                 <a:latin typeface="Times New Roman" panose="02020603050405020304" pitchFamily="18" charset="0"/>
                 <a:cs typeface="Times New Roman" panose="02020603050405020304" pitchFamily="18" charset="0"/>
               </a:rPr>
               <a:t>CƠ SỞ LÝ THUYẾT</a:t>
             </a:r>
-            <a:endParaRPr lang="" altLang="en-US" sz="2400" b="1" dirty="0">
+            <a:endParaRPr lang="en-US" altLang="en-US" sz="2400" b="1" dirty="0">
               <a:latin typeface="Times New Roman" panose="02020603050405020304" pitchFamily="18" charset="0"/>
               <a:cs typeface="Times New Roman" panose="02020603050405020304" pitchFamily="18" charset="0"/>
             </a:endParaRPr>
@@ -9236,7 +12882,7 @@
               </a:buClr>
             </a:pPr>
             <a:r>
-              <a:rPr lang="" altLang="en-US" sz="2000">
+              <a:rPr lang="en-US" altLang="en-US" sz="2000">
                 <a:solidFill>
                   <a:srgbClr val="FFFFFF"/>
                 </a:solidFill>
@@ -9245,7 +12891,7 @@
               </a:rPr>
               <a:t>WebRTC là gì?</a:t>
             </a:r>
-            <a:endParaRPr lang="" altLang="en-US" sz="2000">
+            <a:endParaRPr lang="en-US" altLang="en-US" sz="2000">
               <a:solidFill>
                 <a:srgbClr val="FFFFFF"/>
               </a:solidFill>
@@ -9299,7 +12945,7 @@
               <a:t>WebRTC là tập hợp các tiêu chuẩn và giao thức cho phép các trình duyệt Web thực hiện trực tiếp các tính năng truyền thông đa phương tiện thời gian thực như </a:t>
             </a:r>
             <a:r>
-              <a:rPr lang="" altLang="en-US" b="1">
+              <a:rPr lang="en-US" altLang="en-US" b="1">
                 <a:solidFill>
                   <a:schemeClr val="tx1"/>
                 </a:solidFill>
@@ -9319,7 +12965,7 @@
               <a:t>ideo </a:t>
             </a:r>
             <a:r>
-              <a:rPr lang="" altLang="en-US" b="1">
+              <a:rPr lang="en-US" altLang="en-US" b="1">
                 <a:solidFill>
                   <a:schemeClr val="tx1"/>
                 </a:solidFill>
@@ -9339,7 +12985,7 @@
               <a:t>all, </a:t>
             </a:r>
             <a:r>
-              <a:rPr lang="" altLang="en-US" b="1">
+              <a:rPr lang="en-US" altLang="en-US" b="1">
                 <a:solidFill>
                   <a:schemeClr val="tx1"/>
                 </a:solidFill>
@@ -9359,7 +13005,7 @@
               <a:t>hat</a:t>
             </a:r>
             <a:r>
-              <a:rPr lang="" altLang="en-US" b="1">
+              <a:rPr lang="en-US" altLang="en-US" b="1">
                 <a:solidFill>
                   <a:schemeClr val="tx1"/>
                 </a:solidFill>
@@ -9368,7 +13014,7 @@
               </a:rPr>
               <a:t>,...</a:t>
             </a:r>
-            <a:endParaRPr lang="" altLang="en-US" b="1">
+            <a:endParaRPr lang="en-US" altLang="en-US" b="1">
               <a:solidFill>
                 <a:schemeClr val="tx1"/>
               </a:solidFill>
@@ -9626,7 +13272,7 @@
               </a:buClr>
             </a:pPr>
             <a:r>
-              <a:rPr lang="" altLang="en-US" sz="2000">
+              <a:rPr lang="en-US" altLang="en-US" sz="2000">
                 <a:solidFill>
                   <a:srgbClr val="FFFFFF"/>
                 </a:solidFill>
@@ -9635,7 +13281,7 @@
               </a:rPr>
               <a:t>WebRTC không phải là plugin</a:t>
             </a:r>
-            <a:endParaRPr lang="" altLang="en-US" sz="2000">
+            <a:endParaRPr lang="en-US" altLang="en-US" sz="2000">
               <a:solidFill>
                 <a:srgbClr val="FFFFFF"/>
               </a:solidFill>
@@ -9689,7 +13335,7 @@
               <a:t>Thành phần của WebRTC chạy trong trình duyệt, các thành phần </a:t>
             </a:r>
             <a:r>
-              <a:rPr lang="" altLang="en-US" b="1">
+              <a:rPr lang="en-US" altLang="en-US" b="1">
                 <a:solidFill>
                   <a:srgbClr val="000000"/>
                 </a:solidFill>
@@ -9709,7 +13355,7 @@
               <a:t>không yêu cầu cài đặt riêng và được cập nhật bất cứ khi nào trình duyệt được cập nhật</a:t>
             </a:r>
             <a:r>
-              <a:rPr lang="" altLang="en-US" b="1">
+              <a:rPr lang="en-US" altLang="en-US" b="1">
                 <a:solidFill>
                   <a:srgbClr val="000000"/>
                 </a:solidFill>
@@ -9718,7 +13364,7 @@
               </a:rPr>
               <a:t>.</a:t>
             </a:r>
-            <a:endParaRPr lang="" altLang="en-US" b="1">
+            <a:endParaRPr lang="en-US" altLang="en-US" b="1">
               <a:solidFill>
                 <a:srgbClr val="000000"/>
               </a:solidFill>
@@ -10022,7 +13668,7 @@
               <a:t> </a:t>
             </a:r>
             <a:r>
-              <a:rPr lang="" altLang="en-US" sz="2000">
+              <a:rPr lang="en-US" altLang="en-US" sz="2000">
                 <a:solidFill>
                   <a:srgbClr val="FFFFFF"/>
                 </a:solidFill>
@@ -10031,7 +13677,7 @@
               </a:rPr>
               <a:t>Tính an toàn của WebRTC</a:t>
             </a:r>
-            <a:endParaRPr lang="" altLang="en-US" sz="2000">
+            <a:endParaRPr lang="en-US" altLang="en-US" sz="2000">
               <a:solidFill>
                 <a:srgbClr val="FFFFFF"/>
               </a:solidFill>
@@ -10085,7 +13731,7 @@
               <a:t>Mã hóa là bắt buộc đối với tất cả thành phần WebRTC, bao gồm các cơ chế báo hiệu (Signaling)</a:t>
             </a:r>
             <a:r>
-              <a:rPr lang="" altLang="en-US" sz="2000" b="1">
+              <a:rPr lang="en-US" altLang="en-US" sz="2000" b="1">
                 <a:solidFill>
                   <a:srgbClr val="000000"/>
                 </a:solidFill>
@@ -10094,7 +13740,7 @@
               </a:rPr>
               <a:t>.</a:t>
             </a:r>
-            <a:endParaRPr lang="" altLang="en-US" sz="2000" b="1">
+            <a:endParaRPr lang="en-US" altLang="en-US" sz="2000" b="1">
               <a:solidFill>
                 <a:srgbClr val="000000"/>
               </a:solidFill>
@@ -10109,12 +13755,1253 @@
   <p:clrMapOvr>
     <a:masterClrMapping/>
   </p:clrMapOvr>
+  <p:transition>
+    <p:wipe dir="r"/>
+  </p:transition>
   <p:timing>
     <p:tnLst>
       <p:par>
-        <p:cTn id="1" dur="indefinite" restart="never" nodeType="tmRoot"/>
+        <p:cTn id="1" dur="indefinite" restart="never" nodeType="tmRoot">
+          <p:childTnLst>
+            <p:seq concurrent="1" nextAc="seek">
+              <p:cTn id="2" dur="indefinite" nodeType="mainSeq">
+                <p:childTnLst>
+                  <p:par>
+                    <p:cTn id="3" fill="hold">
+                      <p:stCondLst>
+                        <p:cond delay="indefinite"/>
+                        <p:cond evt="onBegin" delay="0">
+                          <p:tn val="2"/>
+                        </p:cond>
+                      </p:stCondLst>
+                      <p:childTnLst>
+                        <p:par>
+                          <p:cTn id="4" fill="hold">
+                            <p:stCondLst>
+                              <p:cond delay="0"/>
+                            </p:stCondLst>
+                            <p:childTnLst>
+                              <p:par>
+                                <p:cTn id="5" presetID="42" presetClass="entr" presetSubtype="0" fill="hold" grpId="0" nodeType="withEffect">
+                                  <p:stCondLst>
+                                    <p:cond delay="0"/>
+                                  </p:stCondLst>
+                                  <p:childTnLst>
+                                    <p:set>
+                                      <p:cBhvr>
+                                        <p:cTn id="6" dur="500" fill="hold">
+                                          <p:stCondLst>
+                                            <p:cond delay="0"/>
+                                          </p:stCondLst>
+                                        </p:cTn>
+                                        <p:tgtEl>
+                                          <p:spTgt spid="479283"/>
+                                        </p:tgtEl>
+                                        <p:attrNameLst>
+                                          <p:attrName>style.visibility</p:attrName>
+                                        </p:attrNameLst>
+                                      </p:cBhvr>
+                                      <p:to>
+                                        <p:strVal val="visible"/>
+                                      </p:to>
+                                    </p:set>
+                                    <p:animEffect transition="in" filter="fade">
+                                      <p:cBhvr>
+                                        <p:cTn id="7" dur="500"/>
+                                        <p:tgtEl>
+                                          <p:spTgt spid="479283"/>
+                                        </p:tgtEl>
+                                      </p:cBhvr>
+                                    </p:animEffect>
+                                    <p:anim calcmode="lin" valueType="num">
+                                      <p:cBhvr>
+                                        <p:cTn id="8" dur="500" fill="hold"/>
+                                        <p:tgtEl>
+                                          <p:spTgt spid="479283"/>
+                                        </p:tgtEl>
+                                        <p:attrNameLst>
+                                          <p:attrName>ppt_x</p:attrName>
+                                        </p:attrNameLst>
+                                      </p:cBhvr>
+                                      <p:tavLst>
+                                        <p:tav tm="0">
+                                          <p:val>
+                                            <p:strVal val="#ppt_x"/>
+                                          </p:val>
+                                        </p:tav>
+                                        <p:tav tm="100000">
+                                          <p:val>
+                                            <p:strVal val="#ppt_x"/>
+                                          </p:val>
+                                        </p:tav>
+                                      </p:tavLst>
+                                    </p:anim>
+                                    <p:anim calcmode="lin" valueType="num">
+                                      <p:cBhvr>
+                                        <p:cTn id="9" dur="500" fill="hold"/>
+                                        <p:tgtEl>
+                                          <p:spTgt spid="479283"/>
+                                        </p:tgtEl>
+                                        <p:attrNameLst>
+                                          <p:attrName>ppt_y</p:attrName>
+                                        </p:attrNameLst>
+                                      </p:cBhvr>
+                                      <p:tavLst>
+                                        <p:tav tm="0">
+                                          <p:val>
+                                            <p:strVal val="#ppt_y+.1"/>
+                                          </p:val>
+                                        </p:tav>
+                                        <p:tav tm="100000">
+                                          <p:val>
+                                            <p:strVal val="#ppt_y"/>
+                                          </p:val>
+                                        </p:tav>
+                                      </p:tavLst>
+                                    </p:anim>
+                                  </p:childTnLst>
+                                </p:cTn>
+                              </p:par>
+                              <p:par>
+                                <p:cTn id="10" presetID="42" presetClass="entr" presetSubtype="0" fill="hold" grpId="0" nodeType="withEffect">
+                                  <p:stCondLst>
+                                    <p:cond delay="0"/>
+                                  </p:stCondLst>
+                                  <p:childTnLst>
+                                    <p:set>
+                                      <p:cBhvr>
+                                        <p:cTn id="11" dur="500" fill="hold">
+                                          <p:stCondLst>
+                                            <p:cond delay="0"/>
+                                          </p:stCondLst>
+                                        </p:cTn>
+                                        <p:tgtEl>
+                                          <p:spTgt spid="479286"/>
+                                        </p:tgtEl>
+                                        <p:attrNameLst>
+                                          <p:attrName>style.visibility</p:attrName>
+                                        </p:attrNameLst>
+                                      </p:cBhvr>
+                                      <p:to>
+                                        <p:strVal val="visible"/>
+                                      </p:to>
+                                    </p:set>
+                                    <p:animEffect transition="in" filter="fade">
+                                      <p:cBhvr>
+                                        <p:cTn id="12" dur="500"/>
+                                        <p:tgtEl>
+                                          <p:spTgt spid="479286"/>
+                                        </p:tgtEl>
+                                      </p:cBhvr>
+                                    </p:animEffect>
+                                    <p:anim calcmode="lin" valueType="num">
+                                      <p:cBhvr>
+                                        <p:cTn id="13" dur="500" fill="hold"/>
+                                        <p:tgtEl>
+                                          <p:spTgt spid="479286"/>
+                                        </p:tgtEl>
+                                        <p:attrNameLst>
+                                          <p:attrName>ppt_x</p:attrName>
+                                        </p:attrNameLst>
+                                      </p:cBhvr>
+                                      <p:tavLst>
+                                        <p:tav tm="0">
+                                          <p:val>
+                                            <p:strVal val="#ppt_x"/>
+                                          </p:val>
+                                        </p:tav>
+                                        <p:tav tm="100000">
+                                          <p:val>
+                                            <p:strVal val="#ppt_x"/>
+                                          </p:val>
+                                        </p:tav>
+                                      </p:tavLst>
+                                    </p:anim>
+                                    <p:anim calcmode="lin" valueType="num">
+                                      <p:cBhvr>
+                                        <p:cTn id="14" dur="500" fill="hold"/>
+                                        <p:tgtEl>
+                                          <p:spTgt spid="479286"/>
+                                        </p:tgtEl>
+                                        <p:attrNameLst>
+                                          <p:attrName>ppt_y</p:attrName>
+                                        </p:attrNameLst>
+                                      </p:cBhvr>
+                                      <p:tavLst>
+                                        <p:tav tm="0">
+                                          <p:val>
+                                            <p:strVal val="#ppt_y+.1"/>
+                                          </p:val>
+                                        </p:tav>
+                                        <p:tav tm="100000">
+                                          <p:val>
+                                            <p:strVal val="#ppt_y"/>
+                                          </p:val>
+                                        </p:tav>
+                                      </p:tavLst>
+                                    </p:anim>
+                                  </p:childTnLst>
+                                </p:cTn>
+                              </p:par>
+                              <p:par>
+                                <p:cTn id="15" presetID="42" presetClass="entr" presetSubtype="0" fill="hold" nodeType="withEffect">
+                                  <p:stCondLst>
+                                    <p:cond delay="0"/>
+                                  </p:stCondLst>
+                                  <p:childTnLst>
+                                    <p:set>
+                                      <p:cBhvr>
+                                        <p:cTn id="16" dur="500" fill="hold">
+                                          <p:stCondLst>
+                                            <p:cond delay="0"/>
+                                          </p:stCondLst>
+                                        </p:cTn>
+                                        <p:tgtEl>
+                                          <p:spTgt spid="479293"/>
+                                        </p:tgtEl>
+                                        <p:attrNameLst>
+                                          <p:attrName>style.visibility</p:attrName>
+                                        </p:attrNameLst>
+                                      </p:cBhvr>
+                                      <p:to>
+                                        <p:strVal val="visible"/>
+                                      </p:to>
+                                    </p:set>
+                                    <p:animEffect transition="in" filter="fade">
+                                      <p:cBhvr>
+                                        <p:cTn id="17" dur="500"/>
+                                        <p:tgtEl>
+                                          <p:spTgt spid="479293"/>
+                                        </p:tgtEl>
+                                      </p:cBhvr>
+                                    </p:animEffect>
+                                    <p:anim calcmode="lin" valueType="num">
+                                      <p:cBhvr>
+                                        <p:cTn id="18" dur="500" fill="hold"/>
+                                        <p:tgtEl>
+                                          <p:spTgt spid="479293"/>
+                                        </p:tgtEl>
+                                        <p:attrNameLst>
+                                          <p:attrName>ppt_x</p:attrName>
+                                        </p:attrNameLst>
+                                      </p:cBhvr>
+                                      <p:tavLst>
+                                        <p:tav tm="0">
+                                          <p:val>
+                                            <p:strVal val="#ppt_x"/>
+                                          </p:val>
+                                        </p:tav>
+                                        <p:tav tm="100000">
+                                          <p:val>
+                                            <p:strVal val="#ppt_x"/>
+                                          </p:val>
+                                        </p:tav>
+                                      </p:tavLst>
+                                    </p:anim>
+                                    <p:anim calcmode="lin" valueType="num">
+                                      <p:cBhvr>
+                                        <p:cTn id="19" dur="500" fill="hold"/>
+                                        <p:tgtEl>
+                                          <p:spTgt spid="479293"/>
+                                        </p:tgtEl>
+                                        <p:attrNameLst>
+                                          <p:attrName>ppt_y</p:attrName>
+                                        </p:attrNameLst>
+                                      </p:cBhvr>
+                                      <p:tavLst>
+                                        <p:tav tm="0">
+                                          <p:val>
+                                            <p:strVal val="#ppt_y+.1"/>
+                                          </p:val>
+                                        </p:tav>
+                                        <p:tav tm="100000">
+                                          <p:val>
+                                            <p:strVal val="#ppt_y"/>
+                                          </p:val>
+                                        </p:tav>
+                                      </p:tavLst>
+                                    </p:anim>
+                                  </p:childTnLst>
+                                </p:cTn>
+                              </p:par>
+                              <p:par>
+                                <p:cTn id="20" presetID="42" presetClass="entr" presetSubtype="0" fill="hold" grpId="0" nodeType="withEffect">
+                                  <p:stCondLst>
+                                    <p:cond delay="0"/>
+                                  </p:stCondLst>
+                                  <p:childTnLst>
+                                    <p:set>
+                                      <p:cBhvr>
+                                        <p:cTn id="21" dur="500" fill="hold">
+                                          <p:stCondLst>
+                                            <p:cond delay="0"/>
+                                          </p:stCondLst>
+                                        </p:cTn>
+                                        <p:tgtEl>
+                                          <p:spTgt spid="479305"/>
+                                        </p:tgtEl>
+                                        <p:attrNameLst>
+                                          <p:attrName>style.visibility</p:attrName>
+                                        </p:attrNameLst>
+                                      </p:cBhvr>
+                                      <p:to>
+                                        <p:strVal val="visible"/>
+                                      </p:to>
+                                    </p:set>
+                                    <p:animEffect transition="in" filter="fade">
+                                      <p:cBhvr>
+                                        <p:cTn id="22" dur="500"/>
+                                        <p:tgtEl>
+                                          <p:spTgt spid="479305"/>
+                                        </p:tgtEl>
+                                      </p:cBhvr>
+                                    </p:animEffect>
+                                    <p:anim calcmode="lin" valueType="num">
+                                      <p:cBhvr>
+                                        <p:cTn id="23" dur="500" fill="hold"/>
+                                        <p:tgtEl>
+                                          <p:spTgt spid="479305"/>
+                                        </p:tgtEl>
+                                        <p:attrNameLst>
+                                          <p:attrName>ppt_x</p:attrName>
+                                        </p:attrNameLst>
+                                      </p:cBhvr>
+                                      <p:tavLst>
+                                        <p:tav tm="0">
+                                          <p:val>
+                                            <p:strVal val="#ppt_x"/>
+                                          </p:val>
+                                        </p:tav>
+                                        <p:tav tm="100000">
+                                          <p:val>
+                                            <p:strVal val="#ppt_x"/>
+                                          </p:val>
+                                        </p:tav>
+                                      </p:tavLst>
+                                    </p:anim>
+                                    <p:anim calcmode="lin" valueType="num">
+                                      <p:cBhvr>
+                                        <p:cTn id="24" dur="500" fill="hold"/>
+                                        <p:tgtEl>
+                                          <p:spTgt spid="479305"/>
+                                        </p:tgtEl>
+                                        <p:attrNameLst>
+                                          <p:attrName>ppt_y</p:attrName>
+                                        </p:attrNameLst>
+                                      </p:cBhvr>
+                                      <p:tavLst>
+                                        <p:tav tm="0">
+                                          <p:val>
+                                            <p:strVal val="#ppt_y+.1"/>
+                                          </p:val>
+                                        </p:tav>
+                                        <p:tav tm="100000">
+                                          <p:val>
+                                            <p:strVal val="#ppt_y"/>
+                                          </p:val>
+                                        </p:tav>
+                                      </p:tavLst>
+                                    </p:anim>
+                                  </p:childTnLst>
+                                </p:cTn>
+                              </p:par>
+                              <p:par>
+                                <p:cTn id="25" presetID="42" presetClass="entr" presetSubtype="0" fill="hold" grpId="0" nodeType="withEffect">
+                                  <p:stCondLst>
+                                    <p:cond delay="0"/>
+                                  </p:stCondLst>
+                                  <p:childTnLst>
+                                    <p:set>
+                                      <p:cBhvr>
+                                        <p:cTn id="26" dur="500" fill="hold">
+                                          <p:stCondLst>
+                                            <p:cond delay="0"/>
+                                          </p:stCondLst>
+                                        </p:cTn>
+                                        <p:tgtEl>
+                                          <p:spTgt spid="479307"/>
+                                        </p:tgtEl>
+                                        <p:attrNameLst>
+                                          <p:attrName>style.visibility</p:attrName>
+                                        </p:attrNameLst>
+                                      </p:cBhvr>
+                                      <p:to>
+                                        <p:strVal val="visible"/>
+                                      </p:to>
+                                    </p:set>
+                                    <p:animEffect transition="in" filter="fade">
+                                      <p:cBhvr>
+                                        <p:cTn id="27" dur="500"/>
+                                        <p:tgtEl>
+                                          <p:spTgt spid="479307"/>
+                                        </p:tgtEl>
+                                      </p:cBhvr>
+                                    </p:animEffect>
+                                    <p:anim calcmode="lin" valueType="num">
+                                      <p:cBhvr>
+                                        <p:cTn id="28" dur="500" fill="hold"/>
+                                        <p:tgtEl>
+                                          <p:spTgt spid="479307"/>
+                                        </p:tgtEl>
+                                        <p:attrNameLst>
+                                          <p:attrName>ppt_x</p:attrName>
+                                        </p:attrNameLst>
+                                      </p:cBhvr>
+                                      <p:tavLst>
+                                        <p:tav tm="0">
+                                          <p:val>
+                                            <p:strVal val="#ppt_x"/>
+                                          </p:val>
+                                        </p:tav>
+                                        <p:tav tm="100000">
+                                          <p:val>
+                                            <p:strVal val="#ppt_x"/>
+                                          </p:val>
+                                        </p:tav>
+                                      </p:tavLst>
+                                    </p:anim>
+                                    <p:anim calcmode="lin" valueType="num">
+                                      <p:cBhvr>
+                                        <p:cTn id="29" dur="500" fill="hold"/>
+                                        <p:tgtEl>
+                                          <p:spTgt spid="479307"/>
+                                        </p:tgtEl>
+                                        <p:attrNameLst>
+                                          <p:attrName>ppt_y</p:attrName>
+                                        </p:attrNameLst>
+                                      </p:cBhvr>
+                                      <p:tavLst>
+                                        <p:tav tm="0">
+                                          <p:val>
+                                            <p:strVal val="#ppt_y+.1"/>
+                                          </p:val>
+                                        </p:tav>
+                                        <p:tav tm="100000">
+                                          <p:val>
+                                            <p:strVal val="#ppt_y"/>
+                                          </p:val>
+                                        </p:tav>
+                                      </p:tavLst>
+                                    </p:anim>
+                                  </p:childTnLst>
+                                </p:cTn>
+                              </p:par>
+                            </p:childTnLst>
+                          </p:cTn>
+                        </p:par>
+                      </p:childTnLst>
+                    </p:cTn>
+                  </p:par>
+                  <p:par>
+                    <p:cTn id="30" fill="hold">
+                      <p:stCondLst>
+                        <p:cond delay="indefinite"/>
+                      </p:stCondLst>
+                      <p:childTnLst>
+                        <p:par>
+                          <p:cTn id="31" fill="hold">
+                            <p:stCondLst>
+                              <p:cond delay="0"/>
+                            </p:stCondLst>
+                            <p:childTnLst>
+                              <p:par>
+                                <p:cTn id="32" presetID="42" presetClass="entr" presetSubtype="0" fill="hold" grpId="0" nodeType="clickEffect">
+                                  <p:stCondLst>
+                                    <p:cond delay="0"/>
+                                  </p:stCondLst>
+                                  <p:childTnLst>
+                                    <p:set>
+                                      <p:cBhvr>
+                                        <p:cTn id="33" dur="500" fill="hold">
+                                          <p:stCondLst>
+                                            <p:cond delay="0"/>
+                                          </p:stCondLst>
+                                        </p:cTn>
+                                        <p:tgtEl>
+                                          <p:spTgt spid="479284"/>
+                                        </p:tgtEl>
+                                        <p:attrNameLst>
+                                          <p:attrName>style.visibility</p:attrName>
+                                        </p:attrNameLst>
+                                      </p:cBhvr>
+                                      <p:to>
+                                        <p:strVal val="visible"/>
+                                      </p:to>
+                                    </p:set>
+                                    <p:animEffect transition="in" filter="fade">
+                                      <p:cBhvr>
+                                        <p:cTn id="34" dur="500"/>
+                                        <p:tgtEl>
+                                          <p:spTgt spid="479284"/>
+                                        </p:tgtEl>
+                                      </p:cBhvr>
+                                    </p:animEffect>
+                                    <p:anim calcmode="lin" valueType="num">
+                                      <p:cBhvr>
+                                        <p:cTn id="35" dur="500" fill="hold"/>
+                                        <p:tgtEl>
+                                          <p:spTgt spid="479284"/>
+                                        </p:tgtEl>
+                                        <p:attrNameLst>
+                                          <p:attrName>ppt_x</p:attrName>
+                                        </p:attrNameLst>
+                                      </p:cBhvr>
+                                      <p:tavLst>
+                                        <p:tav tm="0">
+                                          <p:val>
+                                            <p:strVal val="#ppt_x"/>
+                                          </p:val>
+                                        </p:tav>
+                                        <p:tav tm="100000">
+                                          <p:val>
+                                            <p:strVal val="#ppt_x"/>
+                                          </p:val>
+                                        </p:tav>
+                                      </p:tavLst>
+                                    </p:anim>
+                                    <p:anim calcmode="lin" valueType="num">
+                                      <p:cBhvr>
+                                        <p:cTn id="36" dur="500" fill="hold"/>
+                                        <p:tgtEl>
+                                          <p:spTgt spid="479284"/>
+                                        </p:tgtEl>
+                                        <p:attrNameLst>
+                                          <p:attrName>ppt_y</p:attrName>
+                                        </p:attrNameLst>
+                                      </p:cBhvr>
+                                      <p:tavLst>
+                                        <p:tav tm="0">
+                                          <p:val>
+                                            <p:strVal val="#ppt_y+.1"/>
+                                          </p:val>
+                                        </p:tav>
+                                        <p:tav tm="100000">
+                                          <p:val>
+                                            <p:strVal val="#ppt_y"/>
+                                          </p:val>
+                                        </p:tav>
+                                      </p:tavLst>
+                                    </p:anim>
+                                  </p:childTnLst>
+                                </p:cTn>
+                              </p:par>
+                              <p:par>
+                                <p:cTn id="37" presetID="42" presetClass="entr" presetSubtype="0" fill="hold" nodeType="withEffect">
+                                  <p:stCondLst>
+                                    <p:cond delay="0"/>
+                                  </p:stCondLst>
+                                  <p:childTnLst>
+                                    <p:set>
+                                      <p:cBhvr>
+                                        <p:cTn id="38" dur="500" fill="hold">
+                                          <p:stCondLst>
+                                            <p:cond delay="0"/>
+                                          </p:stCondLst>
+                                        </p:cTn>
+                                        <p:tgtEl>
+                                          <p:spTgt spid="479288"/>
+                                        </p:tgtEl>
+                                        <p:attrNameLst>
+                                          <p:attrName>style.visibility</p:attrName>
+                                        </p:attrNameLst>
+                                      </p:cBhvr>
+                                      <p:to>
+                                        <p:strVal val="visible"/>
+                                      </p:to>
+                                    </p:set>
+                                    <p:animEffect transition="in" filter="fade">
+                                      <p:cBhvr>
+                                        <p:cTn id="39" dur="500"/>
+                                        <p:tgtEl>
+                                          <p:spTgt spid="479288"/>
+                                        </p:tgtEl>
+                                      </p:cBhvr>
+                                    </p:animEffect>
+                                    <p:anim calcmode="lin" valueType="num">
+                                      <p:cBhvr>
+                                        <p:cTn id="40" dur="500" fill="hold"/>
+                                        <p:tgtEl>
+                                          <p:spTgt spid="479288"/>
+                                        </p:tgtEl>
+                                        <p:attrNameLst>
+                                          <p:attrName>ppt_x</p:attrName>
+                                        </p:attrNameLst>
+                                      </p:cBhvr>
+                                      <p:tavLst>
+                                        <p:tav tm="0">
+                                          <p:val>
+                                            <p:strVal val="#ppt_x"/>
+                                          </p:val>
+                                        </p:tav>
+                                        <p:tav tm="100000">
+                                          <p:val>
+                                            <p:strVal val="#ppt_x"/>
+                                          </p:val>
+                                        </p:tav>
+                                      </p:tavLst>
+                                    </p:anim>
+                                    <p:anim calcmode="lin" valueType="num">
+                                      <p:cBhvr>
+                                        <p:cTn id="41" dur="500" fill="hold"/>
+                                        <p:tgtEl>
+                                          <p:spTgt spid="479288"/>
+                                        </p:tgtEl>
+                                        <p:attrNameLst>
+                                          <p:attrName>ppt_y</p:attrName>
+                                        </p:attrNameLst>
+                                      </p:cBhvr>
+                                      <p:tavLst>
+                                        <p:tav tm="0">
+                                          <p:val>
+                                            <p:strVal val="#ppt_y+.1"/>
+                                          </p:val>
+                                        </p:tav>
+                                        <p:tav tm="100000">
+                                          <p:val>
+                                            <p:strVal val="#ppt_y"/>
+                                          </p:val>
+                                        </p:tav>
+                                      </p:tavLst>
+                                    </p:anim>
+                                  </p:childTnLst>
+                                </p:cTn>
+                              </p:par>
+                              <p:par>
+                                <p:cTn id="42" presetID="42" presetClass="entr" presetSubtype="0" fill="hold" grpId="0" nodeType="withEffect">
+                                  <p:stCondLst>
+                                    <p:cond delay="0"/>
+                                  </p:stCondLst>
+                                  <p:childTnLst>
+                                    <p:set>
+                                      <p:cBhvr>
+                                        <p:cTn id="43" dur="500" fill="hold">
+                                          <p:stCondLst>
+                                            <p:cond delay="0"/>
+                                          </p:stCondLst>
+                                        </p:cTn>
+                                        <p:tgtEl>
+                                          <p:spTgt spid="479304"/>
+                                        </p:tgtEl>
+                                        <p:attrNameLst>
+                                          <p:attrName>style.visibility</p:attrName>
+                                        </p:attrNameLst>
+                                      </p:cBhvr>
+                                      <p:to>
+                                        <p:strVal val="visible"/>
+                                      </p:to>
+                                    </p:set>
+                                    <p:animEffect transition="in" filter="fade">
+                                      <p:cBhvr>
+                                        <p:cTn id="44" dur="500"/>
+                                        <p:tgtEl>
+                                          <p:spTgt spid="479304"/>
+                                        </p:tgtEl>
+                                      </p:cBhvr>
+                                    </p:animEffect>
+                                    <p:anim calcmode="lin" valueType="num">
+                                      <p:cBhvr>
+                                        <p:cTn id="45" dur="500" fill="hold"/>
+                                        <p:tgtEl>
+                                          <p:spTgt spid="479304"/>
+                                        </p:tgtEl>
+                                        <p:attrNameLst>
+                                          <p:attrName>ppt_x</p:attrName>
+                                        </p:attrNameLst>
+                                      </p:cBhvr>
+                                      <p:tavLst>
+                                        <p:tav tm="0">
+                                          <p:val>
+                                            <p:strVal val="#ppt_x"/>
+                                          </p:val>
+                                        </p:tav>
+                                        <p:tav tm="100000">
+                                          <p:val>
+                                            <p:strVal val="#ppt_x"/>
+                                          </p:val>
+                                        </p:tav>
+                                      </p:tavLst>
+                                    </p:anim>
+                                    <p:anim calcmode="lin" valueType="num">
+                                      <p:cBhvr>
+                                        <p:cTn id="46" dur="500" fill="hold"/>
+                                        <p:tgtEl>
+                                          <p:spTgt spid="479304"/>
+                                        </p:tgtEl>
+                                        <p:attrNameLst>
+                                          <p:attrName>ppt_y</p:attrName>
+                                        </p:attrNameLst>
+                                      </p:cBhvr>
+                                      <p:tavLst>
+                                        <p:tav tm="0">
+                                          <p:val>
+                                            <p:strVal val="#ppt_y+.1"/>
+                                          </p:val>
+                                        </p:tav>
+                                        <p:tav tm="100000">
+                                          <p:val>
+                                            <p:strVal val="#ppt_y"/>
+                                          </p:val>
+                                        </p:tav>
+                                      </p:tavLst>
+                                    </p:anim>
+                                  </p:childTnLst>
+                                </p:cTn>
+                              </p:par>
+                              <p:par>
+                                <p:cTn id="47" presetID="42" presetClass="entr" presetSubtype="0" fill="hold" grpId="0" nodeType="withEffect">
+                                  <p:stCondLst>
+                                    <p:cond delay="0"/>
+                                  </p:stCondLst>
+                                  <p:childTnLst>
+                                    <p:set>
+                                      <p:cBhvr>
+                                        <p:cTn id="48" dur="500" fill="hold">
+                                          <p:stCondLst>
+                                            <p:cond delay="0"/>
+                                          </p:stCondLst>
+                                        </p:cTn>
+                                        <p:tgtEl>
+                                          <p:spTgt spid="479309"/>
+                                        </p:tgtEl>
+                                        <p:attrNameLst>
+                                          <p:attrName>style.visibility</p:attrName>
+                                        </p:attrNameLst>
+                                      </p:cBhvr>
+                                      <p:to>
+                                        <p:strVal val="visible"/>
+                                      </p:to>
+                                    </p:set>
+                                    <p:animEffect transition="in" filter="fade">
+                                      <p:cBhvr>
+                                        <p:cTn id="49" dur="500"/>
+                                        <p:tgtEl>
+                                          <p:spTgt spid="479309"/>
+                                        </p:tgtEl>
+                                      </p:cBhvr>
+                                    </p:animEffect>
+                                    <p:anim calcmode="lin" valueType="num">
+                                      <p:cBhvr>
+                                        <p:cTn id="50" dur="500" fill="hold"/>
+                                        <p:tgtEl>
+                                          <p:spTgt spid="479309"/>
+                                        </p:tgtEl>
+                                        <p:attrNameLst>
+                                          <p:attrName>ppt_x</p:attrName>
+                                        </p:attrNameLst>
+                                      </p:cBhvr>
+                                      <p:tavLst>
+                                        <p:tav tm="0">
+                                          <p:val>
+                                            <p:strVal val="#ppt_x"/>
+                                          </p:val>
+                                        </p:tav>
+                                        <p:tav tm="100000">
+                                          <p:val>
+                                            <p:strVal val="#ppt_x"/>
+                                          </p:val>
+                                        </p:tav>
+                                      </p:tavLst>
+                                    </p:anim>
+                                    <p:anim calcmode="lin" valueType="num">
+                                      <p:cBhvr>
+                                        <p:cTn id="51" dur="500" fill="hold"/>
+                                        <p:tgtEl>
+                                          <p:spTgt spid="479309"/>
+                                        </p:tgtEl>
+                                        <p:attrNameLst>
+                                          <p:attrName>ppt_y</p:attrName>
+                                        </p:attrNameLst>
+                                      </p:cBhvr>
+                                      <p:tavLst>
+                                        <p:tav tm="0">
+                                          <p:val>
+                                            <p:strVal val="#ppt_y+.1"/>
+                                          </p:val>
+                                        </p:tav>
+                                        <p:tav tm="100000">
+                                          <p:val>
+                                            <p:strVal val="#ppt_y"/>
+                                          </p:val>
+                                        </p:tav>
+                                      </p:tavLst>
+                                    </p:anim>
+                                  </p:childTnLst>
+                                </p:cTn>
+                              </p:par>
+                            </p:childTnLst>
+                          </p:cTn>
+                        </p:par>
+                      </p:childTnLst>
+                    </p:cTn>
+                  </p:par>
+                  <p:par>
+                    <p:cTn id="52" fill="hold">
+                      <p:stCondLst>
+                        <p:cond delay="indefinite"/>
+                      </p:stCondLst>
+                      <p:childTnLst>
+                        <p:par>
+                          <p:cTn id="53" fill="hold">
+                            <p:stCondLst>
+                              <p:cond delay="0"/>
+                            </p:stCondLst>
+                            <p:childTnLst>
+                              <p:par>
+                                <p:cTn id="54" presetID="42" presetClass="entr" presetSubtype="0" fill="hold" grpId="0" nodeType="clickEffect">
+                                  <p:stCondLst>
+                                    <p:cond delay="0"/>
+                                  </p:stCondLst>
+                                  <p:childTnLst>
+                                    <p:set>
+                                      <p:cBhvr>
+                                        <p:cTn id="55" dur="500" fill="hold">
+                                          <p:stCondLst>
+                                            <p:cond delay="0"/>
+                                          </p:stCondLst>
+                                        </p:cTn>
+                                        <p:tgtEl>
+                                          <p:spTgt spid="479285"/>
+                                        </p:tgtEl>
+                                        <p:attrNameLst>
+                                          <p:attrName>style.visibility</p:attrName>
+                                        </p:attrNameLst>
+                                      </p:cBhvr>
+                                      <p:to>
+                                        <p:strVal val="visible"/>
+                                      </p:to>
+                                    </p:set>
+                                    <p:animEffect transition="in" filter="fade">
+                                      <p:cBhvr>
+                                        <p:cTn id="56" dur="500"/>
+                                        <p:tgtEl>
+                                          <p:spTgt spid="479285"/>
+                                        </p:tgtEl>
+                                      </p:cBhvr>
+                                    </p:animEffect>
+                                    <p:anim calcmode="lin" valueType="num">
+                                      <p:cBhvr>
+                                        <p:cTn id="57" dur="500" fill="hold"/>
+                                        <p:tgtEl>
+                                          <p:spTgt spid="479285"/>
+                                        </p:tgtEl>
+                                        <p:attrNameLst>
+                                          <p:attrName>ppt_x</p:attrName>
+                                        </p:attrNameLst>
+                                      </p:cBhvr>
+                                      <p:tavLst>
+                                        <p:tav tm="0">
+                                          <p:val>
+                                            <p:strVal val="#ppt_x"/>
+                                          </p:val>
+                                        </p:tav>
+                                        <p:tav tm="100000">
+                                          <p:val>
+                                            <p:strVal val="#ppt_x"/>
+                                          </p:val>
+                                        </p:tav>
+                                      </p:tavLst>
+                                    </p:anim>
+                                    <p:anim calcmode="lin" valueType="num">
+                                      <p:cBhvr>
+                                        <p:cTn id="58" dur="500" fill="hold"/>
+                                        <p:tgtEl>
+                                          <p:spTgt spid="479285"/>
+                                        </p:tgtEl>
+                                        <p:attrNameLst>
+                                          <p:attrName>ppt_y</p:attrName>
+                                        </p:attrNameLst>
+                                      </p:cBhvr>
+                                      <p:tavLst>
+                                        <p:tav tm="0">
+                                          <p:val>
+                                            <p:strVal val="#ppt_y+.1"/>
+                                          </p:val>
+                                        </p:tav>
+                                        <p:tav tm="100000">
+                                          <p:val>
+                                            <p:strVal val="#ppt_y"/>
+                                          </p:val>
+                                        </p:tav>
+                                      </p:tavLst>
+                                    </p:anim>
+                                  </p:childTnLst>
+                                </p:cTn>
+                              </p:par>
+                              <p:par>
+                                <p:cTn id="59" presetID="42" presetClass="entr" presetSubtype="0" fill="hold" grpId="0" nodeType="withEffect">
+                                  <p:stCondLst>
+                                    <p:cond delay="0"/>
+                                  </p:stCondLst>
+                                  <p:childTnLst>
+                                    <p:set>
+                                      <p:cBhvr>
+                                        <p:cTn id="60" dur="500" fill="hold">
+                                          <p:stCondLst>
+                                            <p:cond delay="0"/>
+                                          </p:stCondLst>
+                                        </p:cTn>
+                                        <p:tgtEl>
+                                          <p:spTgt spid="479287"/>
+                                        </p:tgtEl>
+                                        <p:attrNameLst>
+                                          <p:attrName>style.visibility</p:attrName>
+                                        </p:attrNameLst>
+                                      </p:cBhvr>
+                                      <p:to>
+                                        <p:strVal val="visible"/>
+                                      </p:to>
+                                    </p:set>
+                                    <p:animEffect transition="in" filter="fade">
+                                      <p:cBhvr>
+                                        <p:cTn id="61" dur="500"/>
+                                        <p:tgtEl>
+                                          <p:spTgt spid="479287"/>
+                                        </p:tgtEl>
+                                      </p:cBhvr>
+                                    </p:animEffect>
+                                    <p:anim calcmode="lin" valueType="num">
+                                      <p:cBhvr>
+                                        <p:cTn id="62" dur="500" fill="hold"/>
+                                        <p:tgtEl>
+                                          <p:spTgt spid="479287"/>
+                                        </p:tgtEl>
+                                        <p:attrNameLst>
+                                          <p:attrName>ppt_x</p:attrName>
+                                        </p:attrNameLst>
+                                      </p:cBhvr>
+                                      <p:tavLst>
+                                        <p:tav tm="0">
+                                          <p:val>
+                                            <p:strVal val="#ppt_x"/>
+                                          </p:val>
+                                        </p:tav>
+                                        <p:tav tm="100000">
+                                          <p:val>
+                                            <p:strVal val="#ppt_x"/>
+                                          </p:val>
+                                        </p:tav>
+                                      </p:tavLst>
+                                    </p:anim>
+                                    <p:anim calcmode="lin" valueType="num">
+                                      <p:cBhvr>
+                                        <p:cTn id="63" dur="500" fill="hold"/>
+                                        <p:tgtEl>
+                                          <p:spTgt spid="479287"/>
+                                        </p:tgtEl>
+                                        <p:attrNameLst>
+                                          <p:attrName>ppt_y</p:attrName>
+                                        </p:attrNameLst>
+                                      </p:cBhvr>
+                                      <p:tavLst>
+                                        <p:tav tm="0">
+                                          <p:val>
+                                            <p:strVal val="#ppt_y+.1"/>
+                                          </p:val>
+                                        </p:tav>
+                                        <p:tav tm="100000">
+                                          <p:val>
+                                            <p:strVal val="#ppt_y"/>
+                                          </p:val>
+                                        </p:tav>
+                                      </p:tavLst>
+                                    </p:anim>
+                                  </p:childTnLst>
+                                </p:cTn>
+                              </p:par>
+                              <p:par>
+                                <p:cTn id="64" presetID="42" presetClass="entr" presetSubtype="0" fill="hold" nodeType="withEffect">
+                                  <p:stCondLst>
+                                    <p:cond delay="0"/>
+                                  </p:stCondLst>
+                                  <p:childTnLst>
+                                    <p:set>
+                                      <p:cBhvr>
+                                        <p:cTn id="65" dur="500" fill="hold">
+                                          <p:stCondLst>
+                                            <p:cond delay="0"/>
+                                          </p:stCondLst>
+                                        </p:cTn>
+                                        <p:tgtEl>
+                                          <p:spTgt spid="479298"/>
+                                        </p:tgtEl>
+                                        <p:attrNameLst>
+                                          <p:attrName>style.visibility</p:attrName>
+                                        </p:attrNameLst>
+                                      </p:cBhvr>
+                                      <p:to>
+                                        <p:strVal val="visible"/>
+                                      </p:to>
+                                    </p:set>
+                                    <p:animEffect transition="in" filter="fade">
+                                      <p:cBhvr>
+                                        <p:cTn id="66" dur="500"/>
+                                        <p:tgtEl>
+                                          <p:spTgt spid="479298"/>
+                                        </p:tgtEl>
+                                      </p:cBhvr>
+                                    </p:animEffect>
+                                    <p:anim calcmode="lin" valueType="num">
+                                      <p:cBhvr>
+                                        <p:cTn id="67" dur="500" fill="hold"/>
+                                        <p:tgtEl>
+                                          <p:spTgt spid="479298"/>
+                                        </p:tgtEl>
+                                        <p:attrNameLst>
+                                          <p:attrName>ppt_x</p:attrName>
+                                        </p:attrNameLst>
+                                      </p:cBhvr>
+                                      <p:tavLst>
+                                        <p:tav tm="0">
+                                          <p:val>
+                                            <p:strVal val="#ppt_x"/>
+                                          </p:val>
+                                        </p:tav>
+                                        <p:tav tm="100000">
+                                          <p:val>
+                                            <p:strVal val="#ppt_x"/>
+                                          </p:val>
+                                        </p:tav>
+                                      </p:tavLst>
+                                    </p:anim>
+                                    <p:anim calcmode="lin" valueType="num">
+                                      <p:cBhvr>
+                                        <p:cTn id="68" dur="500" fill="hold"/>
+                                        <p:tgtEl>
+                                          <p:spTgt spid="479298"/>
+                                        </p:tgtEl>
+                                        <p:attrNameLst>
+                                          <p:attrName>ppt_y</p:attrName>
+                                        </p:attrNameLst>
+                                      </p:cBhvr>
+                                      <p:tavLst>
+                                        <p:tav tm="0">
+                                          <p:val>
+                                            <p:strVal val="#ppt_y+.1"/>
+                                          </p:val>
+                                        </p:tav>
+                                        <p:tav tm="100000">
+                                          <p:val>
+                                            <p:strVal val="#ppt_y"/>
+                                          </p:val>
+                                        </p:tav>
+                                      </p:tavLst>
+                                    </p:anim>
+                                  </p:childTnLst>
+                                </p:cTn>
+                              </p:par>
+                              <p:par>
+                                <p:cTn id="69" presetID="42" presetClass="entr" presetSubtype="0" fill="hold" grpId="0" nodeType="withEffect">
+                                  <p:stCondLst>
+                                    <p:cond delay="0"/>
+                                  </p:stCondLst>
+                                  <p:childTnLst>
+                                    <p:set>
+                                      <p:cBhvr>
+                                        <p:cTn id="70" dur="500" fill="hold">
+                                          <p:stCondLst>
+                                            <p:cond delay="0"/>
+                                          </p:stCondLst>
+                                        </p:cTn>
+                                        <p:tgtEl>
+                                          <p:spTgt spid="479303"/>
+                                        </p:tgtEl>
+                                        <p:attrNameLst>
+                                          <p:attrName>style.visibility</p:attrName>
+                                        </p:attrNameLst>
+                                      </p:cBhvr>
+                                      <p:to>
+                                        <p:strVal val="visible"/>
+                                      </p:to>
+                                    </p:set>
+                                    <p:animEffect transition="in" filter="fade">
+                                      <p:cBhvr>
+                                        <p:cTn id="71" dur="500"/>
+                                        <p:tgtEl>
+                                          <p:spTgt spid="479303"/>
+                                        </p:tgtEl>
+                                      </p:cBhvr>
+                                    </p:animEffect>
+                                    <p:anim calcmode="lin" valueType="num">
+                                      <p:cBhvr>
+                                        <p:cTn id="72" dur="500" fill="hold"/>
+                                        <p:tgtEl>
+                                          <p:spTgt spid="479303"/>
+                                        </p:tgtEl>
+                                        <p:attrNameLst>
+                                          <p:attrName>ppt_x</p:attrName>
+                                        </p:attrNameLst>
+                                      </p:cBhvr>
+                                      <p:tavLst>
+                                        <p:tav tm="0">
+                                          <p:val>
+                                            <p:strVal val="#ppt_x"/>
+                                          </p:val>
+                                        </p:tav>
+                                        <p:tav tm="100000">
+                                          <p:val>
+                                            <p:strVal val="#ppt_x"/>
+                                          </p:val>
+                                        </p:tav>
+                                      </p:tavLst>
+                                    </p:anim>
+                                    <p:anim calcmode="lin" valueType="num">
+                                      <p:cBhvr>
+                                        <p:cTn id="73" dur="500" fill="hold"/>
+                                        <p:tgtEl>
+                                          <p:spTgt spid="479303"/>
+                                        </p:tgtEl>
+                                        <p:attrNameLst>
+                                          <p:attrName>ppt_y</p:attrName>
+                                        </p:attrNameLst>
+                                      </p:cBhvr>
+                                      <p:tavLst>
+                                        <p:tav tm="0">
+                                          <p:val>
+                                            <p:strVal val="#ppt_y+.1"/>
+                                          </p:val>
+                                        </p:tav>
+                                        <p:tav tm="100000">
+                                          <p:val>
+                                            <p:strVal val="#ppt_y"/>
+                                          </p:val>
+                                        </p:tav>
+                                      </p:tavLst>
+                                    </p:anim>
+                                  </p:childTnLst>
+                                </p:cTn>
+                              </p:par>
+                              <p:par>
+                                <p:cTn id="74" presetID="42" presetClass="entr" presetSubtype="0" fill="hold" grpId="0" nodeType="withEffect">
+                                  <p:stCondLst>
+                                    <p:cond delay="0"/>
+                                  </p:stCondLst>
+                                  <p:childTnLst>
+                                    <p:set>
+                                      <p:cBhvr>
+                                        <p:cTn id="75" dur="500" fill="hold">
+                                          <p:stCondLst>
+                                            <p:cond delay="0"/>
+                                          </p:stCondLst>
+                                        </p:cTn>
+                                        <p:tgtEl>
+                                          <p:spTgt spid="479306"/>
+                                        </p:tgtEl>
+                                        <p:attrNameLst>
+                                          <p:attrName>style.visibility</p:attrName>
+                                        </p:attrNameLst>
+                                      </p:cBhvr>
+                                      <p:to>
+                                        <p:strVal val="visible"/>
+                                      </p:to>
+                                    </p:set>
+                                    <p:animEffect transition="in" filter="fade">
+                                      <p:cBhvr>
+                                        <p:cTn id="76" dur="500"/>
+                                        <p:tgtEl>
+                                          <p:spTgt spid="479306"/>
+                                        </p:tgtEl>
+                                      </p:cBhvr>
+                                    </p:animEffect>
+                                    <p:anim calcmode="lin" valueType="num">
+                                      <p:cBhvr>
+                                        <p:cTn id="77" dur="500" fill="hold"/>
+                                        <p:tgtEl>
+                                          <p:spTgt spid="479306"/>
+                                        </p:tgtEl>
+                                        <p:attrNameLst>
+                                          <p:attrName>ppt_x</p:attrName>
+                                        </p:attrNameLst>
+                                      </p:cBhvr>
+                                      <p:tavLst>
+                                        <p:tav tm="0">
+                                          <p:val>
+                                            <p:strVal val="#ppt_x"/>
+                                          </p:val>
+                                        </p:tav>
+                                        <p:tav tm="100000">
+                                          <p:val>
+                                            <p:strVal val="#ppt_x"/>
+                                          </p:val>
+                                        </p:tav>
+                                      </p:tavLst>
+                                    </p:anim>
+                                    <p:anim calcmode="lin" valueType="num">
+                                      <p:cBhvr>
+                                        <p:cTn id="78" dur="500" fill="hold"/>
+                                        <p:tgtEl>
+                                          <p:spTgt spid="479306"/>
+                                        </p:tgtEl>
+                                        <p:attrNameLst>
+                                          <p:attrName>ppt_y</p:attrName>
+                                        </p:attrNameLst>
+                                      </p:cBhvr>
+                                      <p:tavLst>
+                                        <p:tav tm="0">
+                                          <p:val>
+                                            <p:strVal val="#ppt_y+.1"/>
+                                          </p:val>
+                                        </p:tav>
+                                        <p:tav tm="100000">
+                                          <p:val>
+                                            <p:strVal val="#ppt_y"/>
+                                          </p:val>
+                                        </p:tav>
+                                      </p:tavLst>
+                                    </p:anim>
+                                  </p:childTnLst>
+                                </p:cTn>
+                              </p:par>
+                            </p:childTnLst>
+                          </p:cTn>
+                        </p:par>
+                      </p:childTnLst>
+                    </p:cTn>
+                  </p:par>
+                </p:childTnLst>
+              </p:cTn>
+              <p:prevCondLst>
+                <p:cond evt="onPrev" delay="0">
+                  <p:tgtEl>
+                    <p:sldTgt/>
+                  </p:tgtEl>
+                </p:cond>
+              </p:prevCondLst>
+              <p:nextCondLst>
+                <p:cond evt="onNext" delay="0">
+                  <p:tgtEl>
+                    <p:sldTgt/>
+                  </p:tgtEl>
+                </p:cond>
+              </p:nextCondLst>
+            </p:seq>
+          </p:childTnLst>
+        </p:cTn>
       </p:par>
     </p:tnLst>
+    <p:bldLst>
+      <p:bldP spid="479283" grpId="0" animBg="1"/>
+      <p:bldP spid="479286" grpId="0" animBg="1"/>
+      <p:bldP spid="479305" grpId="0" animBg="1"/>
+      <p:bldP spid="479307" grpId="0" animBg="1"/>
+      <p:bldP spid="479283" grpId="1" animBg="1"/>
+      <p:bldP spid="479286" grpId="1" animBg="1"/>
+      <p:bldP spid="479305" grpId="1" animBg="1"/>
+      <p:bldP spid="479307" grpId="1" animBg="1"/>
+      <p:bldP spid="479284" grpId="0" animBg="1"/>
+      <p:bldP spid="479304" grpId="0" animBg="1"/>
+      <p:bldP spid="479309" grpId="0" animBg="1"/>
+      <p:bldP spid="479284" grpId="1" animBg="1"/>
+      <p:bldP spid="479304" grpId="1" animBg="1"/>
+      <p:bldP spid="479309" grpId="1" animBg="1"/>
+      <p:bldP spid="479285" grpId="0" animBg="1"/>
+      <p:bldP spid="479287" grpId="0" animBg="1"/>
+      <p:bldP spid="479303" grpId="0" animBg="1"/>
+      <p:bldP spid="479306" grpId="0" animBg="1"/>
+      <p:bldP spid="479285" grpId="1" animBg="1"/>
+      <p:bldP spid="479287" grpId="1" animBg="1"/>
+      <p:bldP spid="479303" grpId="1" animBg="1"/>
+      <p:bldP spid="479306" grpId="1" animBg="1"/>
+    </p:bldLst>
   </p:timing>
 </p:sld>
 </file>
@@ -10332,7 +15219,7 @@
           <a:p>
             <a:pPr marL="171450" indent="-171450"/>
             <a:r>
-              <a:rPr lang="" altLang="en-US" sz="2000">
+              <a:rPr lang="en-US" altLang="en-US" sz="2000">
                 <a:solidFill>
                   <a:srgbClr val="080808"/>
                 </a:solidFill>
@@ -10437,7 +15324,7 @@
           <a:p>
             <a:pPr algn="l"/>
             <a:r>
-              <a:rPr lang="" altLang="en-US" sz="2000" b="1">
+              <a:rPr lang="en-US" altLang="en-US" sz="2000" b="1">
                 <a:solidFill>
                   <a:srgbClr val="F8F8F8"/>
                 </a:solidFill>
@@ -10446,7 +15333,7 @@
               </a:rPr>
               <a:t>Media Stream </a:t>
             </a:r>
-            <a:endParaRPr lang="" altLang="en-US" sz="2000" b="1">
+            <a:endParaRPr lang="en-US" altLang="en-US" sz="2000" b="1">
               <a:solidFill>
                 <a:srgbClr val="F8F8F8"/>
               </a:solidFill>
@@ -10478,10 +15365,10 @@
           </a:bodyPr>
           <a:p>
             <a:r>
-              <a:rPr lang="" altLang="en-US" b="1"/>
+              <a:rPr lang="en-US" altLang="en-US" b="1"/>
               <a:t>Các API của WebRTC:</a:t>
             </a:r>
-            <a:endParaRPr lang="" altLang="en-US" b="1"/>
+            <a:endParaRPr lang="en-US" altLang="en-US" b="1"/>
           </a:p>
         </p:txBody>
       </p:sp>
@@ -10636,7 +15523,7 @@
               <a:t>PeerConnectio</a:t>
             </a:r>
             <a:r>
-              <a:rPr lang="" altLang="en-US" sz="2000" b="1">
+              <a:rPr lang="en-US" altLang="en-US" sz="2000" b="1">
                 <a:solidFill>
                   <a:srgbClr val="F8F8F8"/>
                 </a:solidFill>
@@ -10645,7 +15532,7 @@
               </a:rPr>
               <a:t>n</a:t>
             </a:r>
-            <a:endParaRPr lang="" altLang="en-US" sz="2000" b="1">
+            <a:endParaRPr lang="en-US" altLang="en-US" sz="2000" b="1">
               <a:solidFill>
                 <a:srgbClr val="F8F8F8"/>
               </a:solidFill>
@@ -10685,7 +15572,7 @@
           <a:p>
             <a:pPr marL="171450" indent="-171450"/>
             <a:r>
-              <a:rPr lang="" altLang="en-US" sz="2000">
+              <a:rPr lang="en-US" altLang="en-US" sz="2000">
                 <a:solidFill>
                   <a:srgbClr val="080808"/>
                 </a:solidFill>
@@ -10701,14 +15588,14 @@
               <a:t>RTCPeerConnection thể hiện một kết nối WebRTC giữa máy tính local và remote</a:t>
             </a:r>
             <a:r>
-              <a:rPr lang="" altLang="en-US" sz="2000">
+              <a:rPr lang="en-US" altLang="en-US" sz="2000">
                 <a:solidFill>
                   <a:srgbClr val="080808"/>
                 </a:solidFill>
               </a:rPr>
               <a:t>. Nó cung cấp các phương thức để kết nối đến các peer từ xa.</a:t>
             </a:r>
-            <a:endParaRPr lang="" altLang="en-US" sz="2000">
+            <a:endParaRPr lang="en-US" altLang="en-US" sz="2000">
               <a:solidFill>
                 <a:srgbClr val="080808"/>
               </a:solidFill>
@@ -10857,7 +15744,7 @@
               </a:spcBef>
             </a:pPr>
             <a:r>
-              <a:rPr lang="" altLang="en-US" sz="2000" b="1">
+              <a:rPr lang="en-US" altLang="en-US" sz="2000" b="1">
                 <a:solidFill>
                   <a:srgbClr val="F8F8F8"/>
                 </a:solidFill>
@@ -10866,7 +15753,7 @@
               </a:rPr>
               <a:t>DataChannel</a:t>
             </a:r>
-            <a:endParaRPr lang="" altLang="en-US" sz="2000" b="1">
+            <a:endParaRPr lang="en-US" altLang="en-US" sz="2000" b="1">
               <a:solidFill>
                 <a:srgbClr val="F8F8F8"/>
               </a:solidFill>
@@ -10906,7 +15793,7 @@
           <a:p>
             <a:pPr marL="171450" indent="-171450"/>
             <a:r>
-              <a:rPr lang="" altLang="en-US" sz="2000">
+              <a:rPr lang="en-US" altLang="en-US" sz="2000">
                 <a:solidFill>
                   <a:srgbClr val="080808"/>
                 </a:solidFill>
@@ -10922,14 +15809,14 @@
               <a:t>Cũng như hình ảnh và âm thanh, WebRTC cũng hỗ trợ giao tiếp real-time cho các loại dữ liệu khác </a:t>
             </a:r>
             <a:r>
-              <a:rPr lang="" altLang="en-US" sz="2000">
+              <a:rPr lang="en-US" altLang="en-US" sz="2000">
                 <a:solidFill>
                   <a:srgbClr val="080808"/>
                 </a:solidFill>
               </a:rPr>
               <a:t>tùy ý.</a:t>
             </a:r>
-            <a:endParaRPr lang="" altLang="en-US" sz="2000">
+            <a:endParaRPr lang="en-US" altLang="en-US" sz="2000">
               <a:solidFill>
                 <a:srgbClr val="080808"/>
               </a:solidFill>
@@ -10942,12 +15829,596 @@
   <p:clrMapOvr>
     <a:masterClrMapping/>
   </p:clrMapOvr>
+  <p:transition>
+    <p:wipe dir="r"/>
+  </p:transition>
   <p:timing>
     <p:tnLst>
       <p:par>
-        <p:cTn id="1" dur="indefinite" restart="never" nodeType="tmRoot"/>
+        <p:cTn id="1" dur="indefinite" restart="never" nodeType="tmRoot">
+          <p:childTnLst>
+            <p:seq concurrent="1" nextAc="seek">
+              <p:cTn id="2" dur="indefinite" nodeType="mainSeq">
+                <p:childTnLst>
+                  <p:par>
+                    <p:cTn id="3" fill="hold">
+                      <p:stCondLst>
+                        <p:cond delay="indefinite"/>
+                        <p:cond evt="onBegin" delay="0">
+                          <p:tn val="2"/>
+                        </p:cond>
+                      </p:stCondLst>
+                      <p:childTnLst>
+                        <p:par>
+                          <p:cTn id="4" fill="hold">
+                            <p:stCondLst>
+                              <p:cond delay="0"/>
+                            </p:stCondLst>
+                            <p:childTnLst>
+                              <p:par>
+                                <p:cTn id="5" presetID="10" presetClass="entr" presetSubtype="0" fill="hold" grpId="0" nodeType="withEffect">
+                                  <p:stCondLst>
+                                    <p:cond delay="0"/>
+                                  </p:stCondLst>
+                                  <p:childTnLst>
+                                    <p:set>
+                                      <p:cBhvr>
+                                        <p:cTn id="6" dur="1" fill="hold">
+                                          <p:stCondLst>
+                                            <p:cond delay="0"/>
+                                          </p:stCondLst>
+                                        </p:cTn>
+                                        <p:tgtEl>
+                                          <p:spTgt spid="2"/>
+                                        </p:tgtEl>
+                                        <p:attrNameLst>
+                                          <p:attrName>style.visibility</p:attrName>
+                                        </p:attrNameLst>
+                                      </p:cBhvr>
+                                      <p:to>
+                                        <p:strVal val="visible"/>
+                                      </p:to>
+                                    </p:set>
+                                    <p:animEffect transition="in" filter="fade">
+                                      <p:cBhvr>
+                                        <p:cTn id="7" dur="500"/>
+                                        <p:tgtEl>
+                                          <p:spTgt spid="2"/>
+                                        </p:tgtEl>
+                                      </p:cBhvr>
+                                    </p:animEffect>
+                                  </p:childTnLst>
+                                </p:cTn>
+                              </p:par>
+                            </p:childTnLst>
+                          </p:cTn>
+                        </p:par>
+                      </p:childTnLst>
+                    </p:cTn>
+                  </p:par>
+                  <p:par>
+                    <p:cTn id="8" fill="hold">
+                      <p:stCondLst>
+                        <p:cond delay="indefinite"/>
+                      </p:stCondLst>
+                      <p:childTnLst>
+                        <p:par>
+                          <p:cTn id="9" fill="hold">
+                            <p:stCondLst>
+                              <p:cond delay="0"/>
+                            </p:stCondLst>
+                            <p:childTnLst>
+                              <p:par>
+                                <p:cTn id="10" presetID="3" presetClass="entr" presetSubtype="10" fill="hold" grpId="0" nodeType="clickEffect">
+                                  <p:stCondLst>
+                                    <p:cond delay="0"/>
+                                  </p:stCondLst>
+                                  <p:childTnLst>
+                                    <p:set>
+                                      <p:cBhvr>
+                                        <p:cTn id="11" dur="500" fill="hold">
+                                          <p:stCondLst>
+                                            <p:cond delay="0"/>
+                                          </p:stCondLst>
+                                        </p:cTn>
+                                        <p:tgtEl>
+                                          <p:spTgt spid="106499"/>
+                                        </p:tgtEl>
+                                        <p:attrNameLst>
+                                          <p:attrName>style.visibility</p:attrName>
+                                        </p:attrNameLst>
+                                      </p:cBhvr>
+                                      <p:to>
+                                        <p:strVal val="visible"/>
+                                      </p:to>
+                                    </p:set>
+                                    <p:animEffect transition="in" filter="blinds(horizontal)">
+                                      <p:cBhvr>
+                                        <p:cTn id="12" dur="500"/>
+                                        <p:tgtEl>
+                                          <p:spTgt spid="106499"/>
+                                        </p:tgtEl>
+                                      </p:cBhvr>
+                                    </p:animEffect>
+                                  </p:childTnLst>
+                                </p:cTn>
+                              </p:par>
+                              <p:par>
+                                <p:cTn id="13" presetID="3" presetClass="entr" presetSubtype="10" fill="hold" grpId="0" nodeType="withEffect">
+                                  <p:stCondLst>
+                                    <p:cond delay="0"/>
+                                  </p:stCondLst>
+                                  <p:childTnLst>
+                                    <p:set>
+                                      <p:cBhvr>
+                                        <p:cTn id="14" dur="500" fill="hold">
+                                          <p:stCondLst>
+                                            <p:cond delay="0"/>
+                                          </p:stCondLst>
+                                        </p:cTn>
+                                        <p:tgtEl>
+                                          <p:spTgt spid="106502"/>
+                                        </p:tgtEl>
+                                        <p:attrNameLst>
+                                          <p:attrName>style.visibility</p:attrName>
+                                        </p:attrNameLst>
+                                      </p:cBhvr>
+                                      <p:to>
+                                        <p:strVal val="visible"/>
+                                      </p:to>
+                                    </p:set>
+                                    <p:animEffect transition="in" filter="blinds(horizontal)">
+                                      <p:cBhvr>
+                                        <p:cTn id="15" dur="500"/>
+                                        <p:tgtEl>
+                                          <p:spTgt spid="106502"/>
+                                        </p:tgtEl>
+                                      </p:cBhvr>
+                                    </p:animEffect>
+                                  </p:childTnLst>
+                                </p:cTn>
+                              </p:par>
+                              <p:par>
+                                <p:cTn id="16" presetID="3" presetClass="entr" presetSubtype="10" fill="hold" grpId="0" nodeType="withEffect">
+                                  <p:stCondLst>
+                                    <p:cond delay="0"/>
+                                  </p:stCondLst>
+                                  <p:childTnLst>
+                                    <p:set>
+                                      <p:cBhvr>
+                                        <p:cTn id="17" dur="500" fill="hold">
+                                          <p:stCondLst>
+                                            <p:cond delay="0"/>
+                                          </p:stCondLst>
+                                        </p:cTn>
+                                        <p:tgtEl>
+                                          <p:spTgt spid="106504"/>
+                                        </p:tgtEl>
+                                        <p:attrNameLst>
+                                          <p:attrName>style.visibility</p:attrName>
+                                        </p:attrNameLst>
+                                      </p:cBhvr>
+                                      <p:to>
+                                        <p:strVal val="visible"/>
+                                      </p:to>
+                                    </p:set>
+                                    <p:animEffect transition="in" filter="blinds(horizontal)">
+                                      <p:cBhvr>
+                                        <p:cTn id="18" dur="500"/>
+                                        <p:tgtEl>
+                                          <p:spTgt spid="106504"/>
+                                        </p:tgtEl>
+                                      </p:cBhvr>
+                                    </p:animEffect>
+                                  </p:childTnLst>
+                                </p:cTn>
+                              </p:par>
+                              <p:par>
+                                <p:cTn id="19" presetID="3" presetClass="entr" presetSubtype="10" fill="hold" grpId="0" nodeType="withEffect">
+                                  <p:stCondLst>
+                                    <p:cond delay="0"/>
+                                  </p:stCondLst>
+                                  <p:childTnLst>
+                                    <p:set>
+                                      <p:cBhvr>
+                                        <p:cTn id="20" dur="500" fill="hold">
+                                          <p:stCondLst>
+                                            <p:cond delay="0"/>
+                                          </p:stCondLst>
+                                        </p:cTn>
+                                        <p:tgtEl>
+                                          <p:spTgt spid="106506"/>
+                                        </p:tgtEl>
+                                        <p:attrNameLst>
+                                          <p:attrName>style.visibility</p:attrName>
+                                        </p:attrNameLst>
+                                      </p:cBhvr>
+                                      <p:to>
+                                        <p:strVal val="visible"/>
+                                      </p:to>
+                                    </p:set>
+                                    <p:animEffect transition="in" filter="blinds(horizontal)">
+                                      <p:cBhvr>
+                                        <p:cTn id="21" dur="500"/>
+                                        <p:tgtEl>
+                                          <p:spTgt spid="106506"/>
+                                        </p:tgtEl>
+                                      </p:cBhvr>
+                                    </p:animEffect>
+                                  </p:childTnLst>
+                                </p:cTn>
+                              </p:par>
+                            </p:childTnLst>
+                          </p:cTn>
+                        </p:par>
+                      </p:childTnLst>
+                    </p:cTn>
+                  </p:par>
+                  <p:par>
+                    <p:cTn id="22" fill="hold">
+                      <p:stCondLst>
+                        <p:cond delay="indefinite"/>
+                      </p:stCondLst>
+                      <p:childTnLst>
+                        <p:par>
+                          <p:cTn id="23" fill="hold">
+                            <p:stCondLst>
+                              <p:cond delay="0"/>
+                            </p:stCondLst>
+                            <p:childTnLst>
+                              <p:par>
+                                <p:cTn id="24" presetID="3" presetClass="entr" presetSubtype="10" fill="hold" grpId="0" nodeType="clickEffect">
+                                  <p:stCondLst>
+                                    <p:cond delay="0"/>
+                                  </p:stCondLst>
+                                  <p:childTnLst>
+                                    <p:set>
+                                      <p:cBhvr>
+                                        <p:cTn id="25" dur="1" fill="hold">
+                                          <p:stCondLst>
+                                            <p:cond delay="0"/>
+                                          </p:stCondLst>
+                                        </p:cTn>
+                                        <p:tgtEl>
+                                          <p:spTgt spid="106500"/>
+                                        </p:tgtEl>
+                                        <p:attrNameLst>
+                                          <p:attrName>style.visibility</p:attrName>
+                                        </p:attrNameLst>
+                                      </p:cBhvr>
+                                      <p:to>
+                                        <p:strVal val="visible"/>
+                                      </p:to>
+                                    </p:set>
+                                    <p:animEffect transition="in" filter="blinds(horizontal)">
+                                      <p:cBhvr>
+                                        <p:cTn id="26" dur="500"/>
+                                        <p:tgtEl>
+                                          <p:spTgt spid="106500"/>
+                                        </p:tgtEl>
+                                      </p:cBhvr>
+                                    </p:animEffect>
+                                  </p:childTnLst>
+                                </p:cTn>
+                              </p:par>
+                              <p:par>
+                                <p:cTn id="27" presetID="3" presetClass="entr" presetSubtype="10" fill="hold" grpId="0" nodeType="withEffect">
+                                  <p:stCondLst>
+                                    <p:cond delay="0"/>
+                                  </p:stCondLst>
+                                  <p:childTnLst>
+                                    <p:set>
+                                      <p:cBhvr>
+                                        <p:cTn id="28" dur="1" fill="hold">
+                                          <p:stCondLst>
+                                            <p:cond delay="0"/>
+                                          </p:stCondLst>
+                                        </p:cTn>
+                                        <p:tgtEl>
+                                          <p:spTgt spid="106508"/>
+                                        </p:tgtEl>
+                                        <p:attrNameLst>
+                                          <p:attrName>style.visibility</p:attrName>
+                                        </p:attrNameLst>
+                                      </p:cBhvr>
+                                      <p:to>
+                                        <p:strVal val="visible"/>
+                                      </p:to>
+                                    </p:set>
+                                    <p:animEffect transition="in" filter="blinds(horizontal)">
+                                      <p:cBhvr>
+                                        <p:cTn id="29" dur="500"/>
+                                        <p:tgtEl>
+                                          <p:spTgt spid="106508"/>
+                                        </p:tgtEl>
+                                      </p:cBhvr>
+                                    </p:animEffect>
+                                  </p:childTnLst>
+                                </p:cTn>
+                              </p:par>
+                              <p:par>
+                                <p:cTn id="30" presetID="3" presetClass="entr" presetSubtype="10" fill="hold" grpId="0" nodeType="withEffect">
+                                  <p:stCondLst>
+                                    <p:cond delay="0"/>
+                                  </p:stCondLst>
+                                  <p:childTnLst>
+                                    <p:set>
+                                      <p:cBhvr>
+                                        <p:cTn id="31" dur="1" fill="hold">
+                                          <p:stCondLst>
+                                            <p:cond delay="0"/>
+                                          </p:stCondLst>
+                                        </p:cTn>
+                                        <p:tgtEl>
+                                          <p:spTgt spid="106513"/>
+                                        </p:tgtEl>
+                                        <p:attrNameLst>
+                                          <p:attrName>style.visibility</p:attrName>
+                                        </p:attrNameLst>
+                                      </p:cBhvr>
+                                      <p:to>
+                                        <p:strVal val="visible"/>
+                                      </p:to>
+                                    </p:set>
+                                    <p:animEffect transition="in" filter="blinds(horizontal)">
+                                      <p:cBhvr>
+                                        <p:cTn id="32" dur="500"/>
+                                        <p:tgtEl>
+                                          <p:spTgt spid="106513"/>
+                                        </p:tgtEl>
+                                      </p:cBhvr>
+                                    </p:animEffect>
+                                  </p:childTnLst>
+                                </p:cTn>
+                              </p:par>
+                              <p:par>
+                                <p:cTn id="33" presetID="3" presetClass="entr" presetSubtype="10" fill="hold" grpId="0" nodeType="withEffect">
+                                  <p:stCondLst>
+                                    <p:cond delay="0"/>
+                                  </p:stCondLst>
+                                  <p:childTnLst>
+                                    <p:set>
+                                      <p:cBhvr>
+                                        <p:cTn id="34" dur="1" fill="hold">
+                                          <p:stCondLst>
+                                            <p:cond delay="0"/>
+                                          </p:stCondLst>
+                                        </p:cTn>
+                                        <p:tgtEl>
+                                          <p:spTgt spid="106515"/>
+                                        </p:tgtEl>
+                                        <p:attrNameLst>
+                                          <p:attrName>style.visibility</p:attrName>
+                                        </p:attrNameLst>
+                                      </p:cBhvr>
+                                      <p:to>
+                                        <p:strVal val="visible"/>
+                                      </p:to>
+                                    </p:set>
+                                    <p:animEffect transition="in" filter="blinds(horizontal)">
+                                      <p:cBhvr>
+                                        <p:cTn id="35" dur="500"/>
+                                        <p:tgtEl>
+                                          <p:spTgt spid="106515"/>
+                                        </p:tgtEl>
+                                      </p:cBhvr>
+                                    </p:animEffect>
+                                  </p:childTnLst>
+                                </p:cTn>
+                              </p:par>
+                            </p:childTnLst>
+                          </p:cTn>
+                        </p:par>
+                      </p:childTnLst>
+                    </p:cTn>
+                  </p:par>
+                  <p:par>
+                    <p:cTn id="36" fill="hold">
+                      <p:stCondLst>
+                        <p:cond delay="indefinite"/>
+                      </p:stCondLst>
+                      <p:childTnLst>
+                        <p:par>
+                          <p:cTn id="37" fill="hold">
+                            <p:stCondLst>
+                              <p:cond delay="0"/>
+                            </p:stCondLst>
+                            <p:childTnLst>
+                              <p:par>
+                                <p:cTn id="38" presetID="3" presetClass="entr" presetSubtype="10" fill="hold" grpId="0" nodeType="clickEffect">
+                                  <p:stCondLst>
+                                    <p:cond delay="0"/>
+                                  </p:stCondLst>
+                                  <p:childTnLst>
+                                    <p:set>
+                                      <p:cBhvr>
+                                        <p:cTn id="39" dur="1" fill="hold">
+                                          <p:stCondLst>
+                                            <p:cond delay="0"/>
+                                          </p:stCondLst>
+                                        </p:cTn>
+                                        <p:tgtEl>
+                                          <p:spTgt spid="106501"/>
+                                        </p:tgtEl>
+                                        <p:attrNameLst>
+                                          <p:attrName>style.visibility</p:attrName>
+                                        </p:attrNameLst>
+                                      </p:cBhvr>
+                                      <p:to>
+                                        <p:strVal val="visible"/>
+                                      </p:to>
+                                    </p:set>
+                                    <p:animEffect transition="in" filter="blinds(horizontal)">
+                                      <p:cBhvr>
+                                        <p:cTn id="40" dur="500"/>
+                                        <p:tgtEl>
+                                          <p:spTgt spid="106501"/>
+                                        </p:tgtEl>
+                                      </p:cBhvr>
+                                    </p:animEffect>
+                                  </p:childTnLst>
+                                </p:cTn>
+                              </p:par>
+                              <p:par>
+                                <p:cTn id="41" presetID="3" presetClass="entr" presetSubtype="10" fill="hold" grpId="0" nodeType="withEffect">
+                                  <p:stCondLst>
+                                    <p:cond delay="0"/>
+                                  </p:stCondLst>
+                                  <p:childTnLst>
+                                    <p:set>
+                                      <p:cBhvr>
+                                        <p:cTn id="42" dur="1" fill="hold">
+                                          <p:stCondLst>
+                                            <p:cond delay="0"/>
+                                          </p:stCondLst>
+                                        </p:cTn>
+                                        <p:tgtEl>
+                                          <p:spTgt spid="106511"/>
+                                        </p:tgtEl>
+                                        <p:attrNameLst>
+                                          <p:attrName>style.visibility</p:attrName>
+                                        </p:attrNameLst>
+                                      </p:cBhvr>
+                                      <p:to>
+                                        <p:strVal val="visible"/>
+                                      </p:to>
+                                    </p:set>
+                                    <p:animEffect transition="in" filter="blinds(horizontal)">
+                                      <p:cBhvr>
+                                        <p:cTn id="43" dur="500"/>
+                                        <p:tgtEl>
+                                          <p:spTgt spid="106511"/>
+                                        </p:tgtEl>
+                                      </p:cBhvr>
+                                    </p:animEffect>
+                                  </p:childTnLst>
+                                </p:cTn>
+                              </p:par>
+                              <p:par>
+                                <p:cTn id="44" presetID="3" presetClass="entr" presetSubtype="10" fill="hold" grpId="0" nodeType="withEffect">
+                                  <p:stCondLst>
+                                    <p:cond delay="0"/>
+                                  </p:stCondLst>
+                                  <p:childTnLst>
+                                    <p:set>
+                                      <p:cBhvr>
+                                        <p:cTn id="45" dur="1" fill="hold">
+                                          <p:stCondLst>
+                                            <p:cond delay="0"/>
+                                          </p:stCondLst>
+                                        </p:cTn>
+                                        <p:tgtEl>
+                                          <p:spTgt spid="106514"/>
+                                        </p:tgtEl>
+                                        <p:attrNameLst>
+                                          <p:attrName>style.visibility</p:attrName>
+                                        </p:attrNameLst>
+                                      </p:cBhvr>
+                                      <p:to>
+                                        <p:strVal val="visible"/>
+                                      </p:to>
+                                    </p:set>
+                                    <p:animEffect transition="in" filter="blinds(horizontal)">
+                                      <p:cBhvr>
+                                        <p:cTn id="46" dur="500"/>
+                                        <p:tgtEl>
+                                          <p:spTgt spid="106514"/>
+                                        </p:tgtEl>
+                                      </p:cBhvr>
+                                    </p:animEffect>
+                                  </p:childTnLst>
+                                </p:cTn>
+                              </p:par>
+                              <p:par>
+                                <p:cTn id="47" presetID="3" presetClass="entr" presetSubtype="10" fill="hold" grpId="0" nodeType="withEffect">
+                                  <p:stCondLst>
+                                    <p:cond delay="0"/>
+                                  </p:stCondLst>
+                                  <p:childTnLst>
+                                    <p:set>
+                                      <p:cBhvr>
+                                        <p:cTn id="48" dur="1" fill="hold">
+                                          <p:stCondLst>
+                                            <p:cond delay="0"/>
+                                          </p:stCondLst>
+                                        </p:cTn>
+                                        <p:tgtEl>
+                                          <p:spTgt spid="106516"/>
+                                        </p:tgtEl>
+                                        <p:attrNameLst>
+                                          <p:attrName>style.visibility</p:attrName>
+                                        </p:attrNameLst>
+                                      </p:cBhvr>
+                                      <p:to>
+                                        <p:strVal val="visible"/>
+                                      </p:to>
+                                    </p:set>
+                                    <p:animEffect transition="in" filter="blinds(horizontal)">
+                                      <p:cBhvr>
+                                        <p:cTn id="49" dur="500"/>
+                                        <p:tgtEl>
+                                          <p:spTgt spid="106516"/>
+                                        </p:tgtEl>
+                                      </p:cBhvr>
+                                    </p:animEffect>
+                                  </p:childTnLst>
+                                </p:cTn>
+                              </p:par>
+                            </p:childTnLst>
+                          </p:cTn>
+                        </p:par>
+                      </p:childTnLst>
+                    </p:cTn>
+                  </p:par>
+                </p:childTnLst>
+              </p:cTn>
+              <p:prevCondLst>
+                <p:cond evt="onPrev" delay="0">
+                  <p:tgtEl>
+                    <p:sldTgt/>
+                  </p:tgtEl>
+                </p:cond>
+              </p:prevCondLst>
+              <p:nextCondLst>
+                <p:cond evt="onNext" delay="0">
+                  <p:tgtEl>
+                    <p:sldTgt/>
+                  </p:tgtEl>
+                </p:cond>
+              </p:nextCondLst>
+            </p:seq>
+          </p:childTnLst>
+        </p:cTn>
       </p:par>
     </p:tnLst>
+    <p:bldLst>
+      <p:bldP spid="2" grpId="0"/>
+      <p:bldP spid="2" grpId="1"/>
+      <p:bldP spid="106499" grpId="0" animBg="1"/>
+      <p:bldP spid="106502" grpId="0" animBg="1"/>
+      <p:bldP spid="106504" grpId="0" animBg="1"/>
+      <p:bldP spid="106506" grpId="0" animBg="1"/>
+      <p:bldP spid="106499" grpId="1" animBg="1"/>
+      <p:bldP spid="106502" grpId="1" animBg="1"/>
+      <p:bldP spid="106504" grpId="1" animBg="1"/>
+      <p:bldP spid="106506" grpId="1" animBg="1"/>
+      <p:bldP spid="106500" grpId="0" animBg="1"/>
+      <p:bldP spid="106508" grpId="0" animBg="1"/>
+      <p:bldP spid="106513" grpId="0" animBg="1"/>
+      <p:bldP spid="106515" grpId="0" animBg="1"/>
+      <p:bldP spid="106500" grpId="1" animBg="1"/>
+      <p:bldP spid="106508" grpId="1" animBg="1"/>
+      <p:bldP spid="106513" grpId="1" animBg="1"/>
+      <p:bldP spid="106515" grpId="1" animBg="1"/>
+      <p:bldP spid="106501" grpId="0" animBg="1"/>
+      <p:bldP spid="106511" grpId="0" animBg="1"/>
+      <p:bldP spid="106514" grpId="0" animBg="1"/>
+      <p:bldP spid="106516" grpId="0" animBg="1"/>
+      <p:bldP spid="106501" grpId="1" animBg="1"/>
+      <p:bldP spid="106511" grpId="1" animBg="1"/>
+      <p:bldP spid="106514" grpId="1" animBg="1"/>
+      <p:bldP spid="106516" grpId="1" animBg="1"/>
+    </p:bldLst>
   </p:timing>
 </p:sld>
 </file>
@@ -11119,7 +16590,7 @@
         <p:spPr>
           <a:xfrm>
             <a:off x="158750" y="1252220"/>
-            <a:ext cx="4388485" cy="4492625"/>
+            <a:ext cx="4388485" cy="1106805"/>
           </a:xfrm>
           <a:prstGeom prst="rect">
             <a:avLst/>
@@ -11143,7 +16614,7 @@
               <a:t>Máy tính chỉ ra ngoài internet được khi nó có địa chỉ </a:t>
             </a:r>
             <a:r>
-              <a:rPr lang="" altLang="en-US" sz="2200">
+              <a:rPr lang="en-US" altLang="en-US" sz="2200">
                 <a:latin typeface="Times New Roman [Mono]" panose="02020603050405020304" charset="0"/>
                 <a:cs typeface="Times New Roman [Mono]" panose="02020603050405020304" charset="0"/>
               </a:rPr>
@@ -11157,7 +16628,7 @@
               <a:t>public vì địa chỉ </a:t>
             </a:r>
             <a:r>
-              <a:rPr lang="" altLang="en-US" sz="2200">
+              <a:rPr lang="en-US" altLang="en-US" sz="2200">
                 <a:latin typeface="Times New Roman [Mono]" panose="02020603050405020304" charset="0"/>
                 <a:cs typeface="Times New Roman [Mono]" panose="02020603050405020304" charset="0"/>
               </a:rPr>
@@ -11171,94 +16642,106 @@
               <a:t>public là duy nhất</a:t>
             </a:r>
             <a:r>
-              <a:rPr lang="" altLang="en-US" sz="2200">
+              <a:rPr lang="en-US" altLang="en-US" sz="2200">
                 <a:latin typeface="Times New Roman [Mono]" panose="02020603050405020304" charset="0"/>
                 <a:cs typeface="Times New Roman [Mono]" panose="02020603050405020304" charset="0"/>
               </a:rPr>
               <a:t>.</a:t>
             </a:r>
-            <a:endParaRPr lang="" altLang="en-US" sz="2200">
+            <a:endParaRPr lang="en-US" altLang="en-US" sz="2200">
               <a:latin typeface="Times New Roman [Mono]" panose="02020603050405020304" charset="0"/>
               <a:cs typeface="Times New Roman [Mono]" panose="02020603050405020304" charset="0"/>
             </a:endParaRPr>
           </a:p>
+        </p:txBody>
+      </p:sp>
+      <p:sp>
+        <p:nvSpPr>
+          <p:cNvPr id="2" name="Text Box 1"/>
+          <p:cNvSpPr txBox="1"/>
+          <p:nvPr/>
+        </p:nvSpPr>
+        <p:spPr>
+          <a:xfrm>
+            <a:off x="149860" y="2522220"/>
+            <a:ext cx="4193540" cy="1445260"/>
+          </a:xfrm>
+          <a:prstGeom prst="rect">
+            <a:avLst/>
+          </a:prstGeom>
+          <a:noFill/>
+        </p:spPr>
+        <p:txBody>
+          <a:bodyPr wrap="square" rtlCol="0">
+            <a:spAutoFit/>
+          </a:bodyPr>
           <a:p>
             <a:pPr marL="285750" indent="-285750">
               <a:buFont typeface="Arial" panose="020B0604020202020204" pitchFamily="34" charset="0"/>
               <a:buChar char="•"/>
             </a:pPr>
-            <a:endParaRPr lang="" altLang="en-US" sz="2200">
-              <a:latin typeface="Times New Roman [Mono]" panose="02020603050405020304" charset="0"/>
-              <a:cs typeface="Times New Roman [Mono]" panose="02020603050405020304" charset="0"/>
-            </a:endParaRPr>
-          </a:p>
+            <a:r>
+              <a:rPr lang="en-US" altLang="en-US" sz="2200">
+                <a:latin typeface="Times New Roman [Mono]" panose="02020603050405020304" charset="0"/>
+                <a:cs typeface="Times New Roman [Mono]" panose="02020603050405020304" charset="0"/>
+                <a:sym typeface="+mn-ea"/>
+              </a:rPr>
+              <a:t>D</a:t>
+            </a:r>
+            <a:r>
+              <a:rPr lang="en-US" sz="2200">
+                <a:latin typeface="Times New Roman [Mono]" panose="02020603050405020304" charset="0"/>
+                <a:cs typeface="Times New Roman [Mono]" panose="02020603050405020304" charset="0"/>
+                <a:sym typeface="+mn-ea"/>
+              </a:rPr>
+              <a:t>o vậy cần phải có một kỹ thuật để chuyển đổi các IP private trong mạng LAN thành IP public để ra ngoài internet và ngược lại</a:t>
+            </a:r>
+            <a:r>
+              <a:rPr lang="en-US" altLang="en-US" sz="2200">
+                <a:latin typeface="Times New Roman [Mono]" panose="02020603050405020304" charset="0"/>
+                <a:cs typeface="Times New Roman [Mono]" panose="02020603050405020304" charset="0"/>
+                <a:sym typeface="+mn-ea"/>
+              </a:rPr>
+              <a:t>.</a:t>
+            </a:r>
+            <a:endParaRPr lang="en-US" sz="2200"/>
+          </a:p>
+        </p:txBody>
+      </p:sp>
+      <p:sp>
+        <p:nvSpPr>
+          <p:cNvPr id="6" name="Text Box 5"/>
+          <p:cNvSpPr txBox="1"/>
+          <p:nvPr/>
+        </p:nvSpPr>
+        <p:spPr>
+          <a:xfrm>
+            <a:off x="163195" y="4211320"/>
+            <a:ext cx="4104005" cy="1106805"/>
+          </a:xfrm>
+          <a:prstGeom prst="rect">
+            <a:avLst/>
+          </a:prstGeom>
+          <a:noFill/>
+        </p:spPr>
+        <p:txBody>
+          <a:bodyPr wrap="square" rtlCol="0">
+            <a:spAutoFit/>
+          </a:bodyPr>
           <a:p>
             <a:pPr marL="285750" indent="-285750">
               <a:buFont typeface="Arial" panose="020B0604020202020204" pitchFamily="34" charset="0"/>
               <a:buChar char="•"/>
             </a:pPr>
             <a:r>
-              <a:rPr lang="" altLang="en-US" sz="2200">
+              <a:rPr lang="en-US" altLang="en-US" sz="2200">
                 <a:latin typeface="Times New Roman [Mono]" panose="02020603050405020304" charset="0"/>
                 <a:cs typeface="Times New Roman [Mono]" panose="02020603050405020304" charset="0"/>
-              </a:rPr>
-              <a:t>D</a:t>
-            </a:r>
-            <a:r>
-              <a:rPr lang="en-US" sz="2200">
-                <a:latin typeface="Times New Roman [Mono]" panose="02020603050405020304" charset="0"/>
-                <a:cs typeface="Times New Roman [Mono]" panose="02020603050405020304" charset="0"/>
-              </a:rPr>
-              <a:t>o vậy cần phải có một kỹ thuật để chuyển đổi các IP private trong mạng LAN thành IP public để ra ngoài internet và ngược lại</a:t>
-            </a:r>
-            <a:r>
-              <a:rPr lang="" altLang="en-US" sz="2200">
-                <a:latin typeface="Times New Roman [Mono]" panose="02020603050405020304" charset="0"/>
-                <a:cs typeface="Times New Roman [Mono]" panose="02020603050405020304" charset="0"/>
-              </a:rPr>
-              <a:t>.</a:t>
-            </a:r>
-            <a:endParaRPr lang="" altLang="en-US" sz="2200">
-              <a:latin typeface="Times New Roman [Mono]" panose="02020603050405020304" charset="0"/>
-              <a:cs typeface="Times New Roman [Mono]" panose="02020603050405020304" charset="0"/>
-            </a:endParaRPr>
-          </a:p>
-          <a:p>
-            <a:pPr indent="0">
-              <a:buFont typeface="Arial" panose="020B0604020202020204" pitchFamily="34" charset="0"/>
-              <a:buNone/>
-            </a:pPr>
-            <a:endParaRPr lang="" altLang="en-US" sz="2200">
-              <a:latin typeface="Times New Roman [Mono]" panose="02020603050405020304" charset="0"/>
-              <a:cs typeface="Times New Roman [Mono]" panose="02020603050405020304" charset="0"/>
-            </a:endParaRPr>
-          </a:p>
-          <a:p>
-            <a:pPr marL="285750" indent="-285750">
-              <a:buFont typeface="Arial" panose="020B0604020202020204" pitchFamily="34" charset="0"/>
-              <a:buChar char="•"/>
-            </a:pPr>
-            <a:r>
-              <a:rPr lang="" altLang="en-US" sz="2200">
-                <a:latin typeface="Times New Roman [Mono]" panose="02020603050405020304" charset="0"/>
-                <a:cs typeface="Times New Roman [Mono]" panose="02020603050405020304" charset="0"/>
+                <a:sym typeface="+mn-ea"/>
               </a:rPr>
               <a:t>NAT(Network Address Translation) ra đời để giải quyết vấn để này.</a:t>
             </a:r>
-            <a:endParaRPr lang="" altLang="en-US" sz="2200">
-              <a:latin typeface="Times New Roman [Mono]" panose="02020603050405020304" charset="0"/>
-              <a:cs typeface="Times New Roman [Mono]" panose="02020603050405020304" charset="0"/>
-            </a:endParaRPr>
-          </a:p>
-          <a:p>
-            <a:pPr marL="285750" indent="-285750">
-              <a:buFont typeface="Arial" panose="020B0604020202020204" pitchFamily="34" charset="0"/>
-              <a:buChar char="•"/>
-            </a:pPr>
-            <a:endParaRPr lang="" altLang="en-US" sz="2200">
-              <a:latin typeface="Times New Roman [Mono]" panose="02020603050405020304" charset="0"/>
-              <a:cs typeface="Times New Roman [Mono]" panose="02020603050405020304" charset="0"/>
-            </a:endParaRPr>
+            <a:endParaRPr lang="en-US" sz="2200"/>
           </a:p>
         </p:txBody>
       </p:sp>
@@ -11267,12 +16750,299 @@
   <p:clrMapOvr>
     <a:masterClrMapping/>
   </p:clrMapOvr>
+  <p:transition>
+    <p:wipe dir="r"/>
+  </p:transition>
   <p:timing>
     <p:tnLst>
       <p:par>
-        <p:cTn id="1" dur="indefinite" restart="never" nodeType="tmRoot"/>
+        <p:cTn id="1" dur="indefinite" restart="never" nodeType="tmRoot">
+          <p:childTnLst>
+            <p:seq concurrent="1" nextAc="seek">
+              <p:cTn id="2" dur="indefinite" nodeType="mainSeq">
+                <p:childTnLst>
+                  <p:par>
+                    <p:cTn id="3" fill="hold">
+                      <p:stCondLst>
+                        <p:cond delay="indefinite"/>
+                        <p:cond evt="onBegin" delay="0">
+                          <p:tn val="2"/>
+                        </p:cond>
+                      </p:stCondLst>
+                      <p:childTnLst>
+                        <p:par>
+                          <p:cTn id="4" fill="hold">
+                            <p:stCondLst>
+                              <p:cond delay="0"/>
+                            </p:stCondLst>
+                            <p:childTnLst>
+                              <p:par>
+                                <p:cTn id="5" presetID="23" presetClass="entr" presetSubtype="16" fill="hold" nodeType="withEffect">
+                                  <p:stCondLst>
+                                    <p:cond delay="0"/>
+                                  </p:stCondLst>
+                                  <p:childTnLst>
+                                    <p:set>
+                                      <p:cBhvr>
+                                        <p:cTn id="6" dur="1" fill="hold">
+                                          <p:stCondLst>
+                                            <p:cond delay="0"/>
+                                          </p:stCondLst>
+                                        </p:cTn>
+                                        <p:tgtEl>
+                                          <p:spTgt spid="3"/>
+                                        </p:tgtEl>
+                                        <p:attrNameLst>
+                                          <p:attrName>style.visibility</p:attrName>
+                                        </p:attrNameLst>
+                                      </p:cBhvr>
+                                      <p:to>
+                                        <p:strVal val="visible"/>
+                                      </p:to>
+                                    </p:set>
+                                    <p:anim calcmode="lin" valueType="num">
+                                      <p:cBhvr>
+                                        <p:cTn id="7" dur="500" fill="hold"/>
+                                        <p:tgtEl>
+                                          <p:spTgt spid="3"/>
+                                        </p:tgtEl>
+                                        <p:attrNameLst>
+                                          <p:attrName>ppt_w</p:attrName>
+                                        </p:attrNameLst>
+                                      </p:cBhvr>
+                                      <p:tavLst>
+                                        <p:tav tm="0">
+                                          <p:val>
+                                            <p:fltVal val="0"/>
+                                          </p:val>
+                                        </p:tav>
+                                        <p:tav tm="100000">
+                                          <p:val>
+                                            <p:strVal val="#ppt_w"/>
+                                          </p:val>
+                                        </p:tav>
+                                      </p:tavLst>
+                                    </p:anim>
+                                    <p:anim calcmode="lin" valueType="num">
+                                      <p:cBhvr>
+                                        <p:cTn id="8" dur="500" fill="hold"/>
+                                        <p:tgtEl>
+                                          <p:spTgt spid="3"/>
+                                        </p:tgtEl>
+                                        <p:attrNameLst>
+                                          <p:attrName>ppt_h</p:attrName>
+                                        </p:attrNameLst>
+                                      </p:cBhvr>
+                                      <p:tavLst>
+                                        <p:tav tm="0">
+                                          <p:val>
+                                            <p:fltVal val="0"/>
+                                          </p:val>
+                                        </p:tav>
+                                        <p:tav tm="100000">
+                                          <p:val>
+                                            <p:strVal val="#ppt_h"/>
+                                          </p:val>
+                                        </p:tav>
+                                      </p:tavLst>
+                                    </p:anim>
+                                  </p:childTnLst>
+                                </p:cTn>
+                              </p:par>
+                            </p:childTnLst>
+                          </p:cTn>
+                        </p:par>
+                      </p:childTnLst>
+                    </p:cTn>
+                  </p:par>
+                  <p:par>
+                    <p:cTn id="9" fill="hold">
+                      <p:stCondLst>
+                        <p:cond delay="indefinite"/>
+                      </p:stCondLst>
+                      <p:childTnLst>
+                        <p:par>
+                          <p:cTn id="10" fill="hold">
+                            <p:stCondLst>
+                              <p:cond delay="0"/>
+                            </p:stCondLst>
+                            <p:childTnLst>
+                              <p:par>
+                                <p:cTn id="11" presetID="10" presetClass="entr" presetSubtype="0" fill="hold" grpId="0" nodeType="clickEffect">
+                                  <p:stCondLst>
+                                    <p:cond delay="0"/>
+                                  </p:stCondLst>
+                                  <p:childTnLst>
+                                    <p:set>
+                                      <p:cBhvr>
+                                        <p:cTn id="12" dur="1" fill="hold">
+                                          <p:stCondLst>
+                                            <p:cond delay="0"/>
+                                          </p:stCondLst>
+                                        </p:cTn>
+                                        <p:tgtEl>
+                                          <p:spTgt spid="13"/>
+                                        </p:tgtEl>
+                                        <p:attrNameLst>
+                                          <p:attrName>style.visibility</p:attrName>
+                                        </p:attrNameLst>
+                                      </p:cBhvr>
+                                      <p:to>
+                                        <p:strVal val="visible"/>
+                                      </p:to>
+                                    </p:set>
+                                    <p:animEffect transition="in" filter="fade">
+                                      <p:cBhvr>
+                                        <p:cTn id="13" dur="500"/>
+                                        <p:tgtEl>
+                                          <p:spTgt spid="13"/>
+                                        </p:tgtEl>
+                                      </p:cBhvr>
+                                    </p:animEffect>
+                                  </p:childTnLst>
+                                </p:cTn>
+                              </p:par>
+                            </p:childTnLst>
+                          </p:cTn>
+                        </p:par>
+                      </p:childTnLst>
+                    </p:cTn>
+                  </p:par>
+                  <p:par>
+                    <p:cTn id="14" fill="hold">
+                      <p:stCondLst>
+                        <p:cond delay="indefinite"/>
+                      </p:stCondLst>
+                      <p:childTnLst>
+                        <p:par>
+                          <p:cTn id="15" fill="hold">
+                            <p:stCondLst>
+                              <p:cond delay="0"/>
+                            </p:stCondLst>
+                            <p:childTnLst>
+                              <p:par>
+                                <p:cTn id="16" presetID="10" presetClass="entr" presetSubtype="0" fill="hold" grpId="0" nodeType="clickEffect">
+                                  <p:stCondLst>
+                                    <p:cond delay="0"/>
+                                  </p:stCondLst>
+                                  <p:childTnLst>
+                                    <p:set>
+                                      <p:cBhvr>
+                                        <p:cTn id="17" dur="1" fill="hold">
+                                          <p:stCondLst>
+                                            <p:cond delay="0"/>
+                                          </p:stCondLst>
+                                        </p:cTn>
+                                        <p:tgtEl>
+                                          <p:spTgt spid="2"/>
+                                        </p:tgtEl>
+                                        <p:attrNameLst>
+                                          <p:attrName>style.visibility</p:attrName>
+                                        </p:attrNameLst>
+                                      </p:cBhvr>
+                                      <p:to>
+                                        <p:strVal val="visible"/>
+                                      </p:to>
+                                    </p:set>
+                                    <p:animEffect transition="in" filter="fade">
+                                      <p:cBhvr>
+                                        <p:cTn id="18" dur="500"/>
+                                        <p:tgtEl>
+                                          <p:spTgt spid="2"/>
+                                        </p:tgtEl>
+                                      </p:cBhvr>
+                                    </p:animEffect>
+                                  </p:childTnLst>
+                                </p:cTn>
+                              </p:par>
+                            </p:childTnLst>
+                          </p:cTn>
+                        </p:par>
+                      </p:childTnLst>
+                    </p:cTn>
+                  </p:par>
+                  <p:par>
+                    <p:cTn id="19" fill="hold">
+                      <p:stCondLst>
+                        <p:cond delay="indefinite"/>
+                      </p:stCondLst>
+                      <p:childTnLst>
+                        <p:par>
+                          <p:cTn id="20" fill="hold">
+                            <p:stCondLst>
+                              <p:cond delay="0"/>
+                            </p:stCondLst>
+                            <p:childTnLst>
+                              <p:par>
+                                <p:cTn id="21" presetID="10" presetClass="entr" presetSubtype="0" fill="hold" grpId="0" nodeType="clickEffect">
+                                  <p:stCondLst>
+                                    <p:cond delay="0"/>
+                                  </p:stCondLst>
+                                  <p:childTnLst>
+                                    <p:set>
+                                      <p:cBhvr>
+                                        <p:cTn id="22" dur="1" fill="hold">
+                                          <p:stCondLst>
+                                            <p:cond delay="0"/>
+                                          </p:stCondLst>
+                                        </p:cTn>
+                                        <p:tgtEl>
+                                          <p:spTgt spid="6"/>
+                                        </p:tgtEl>
+                                        <p:attrNameLst>
+                                          <p:attrName>style.visibility</p:attrName>
+                                        </p:attrNameLst>
+                                      </p:cBhvr>
+                                      <p:to>
+                                        <p:strVal val="visible"/>
+                                      </p:to>
+                                    </p:set>
+                                    <p:animEffect transition="in" filter="fade">
+                                      <p:cBhvr>
+                                        <p:cTn id="23" dur="500"/>
+                                        <p:tgtEl>
+                                          <p:spTgt spid="6"/>
+                                        </p:tgtEl>
+                                      </p:cBhvr>
+                                    </p:animEffect>
+                                  </p:childTnLst>
+                                </p:cTn>
+                              </p:par>
+                            </p:childTnLst>
+                          </p:cTn>
+                        </p:par>
+                      </p:childTnLst>
+                    </p:cTn>
+                  </p:par>
+                </p:childTnLst>
+              </p:cTn>
+              <p:prevCondLst>
+                <p:cond evt="onPrev" delay="0">
+                  <p:tgtEl>
+                    <p:sldTgt/>
+                  </p:tgtEl>
+                </p:cond>
+              </p:prevCondLst>
+              <p:nextCondLst>
+                <p:cond evt="onNext" delay="0">
+                  <p:tgtEl>
+                    <p:sldTgt/>
+                  </p:tgtEl>
+                </p:cond>
+              </p:nextCondLst>
+            </p:seq>
+          </p:childTnLst>
+        </p:cTn>
       </p:par>
     </p:tnLst>
+    <p:bldLst>
+      <p:bldP spid="13" grpId="0"/>
+      <p:bldP spid="13" grpId="1"/>
+      <p:bldP spid="2" grpId="0"/>
+      <p:bldP spid="2" grpId="1"/>
+      <p:bldP spid="6" grpId="0"/>
+      <p:bldP spid="6" grpId="1"/>
+    </p:bldLst>
   </p:timing>
 </p:sld>
 </file>
@@ -11445,7 +17215,7 @@
         <p:spPr>
           <a:xfrm>
             <a:off x="241300" y="927100"/>
-            <a:ext cx="4178300" cy="4707890"/>
+            <a:ext cx="4178300" cy="2245360"/>
           </a:xfrm>
           <a:prstGeom prst="rect">
             <a:avLst/>
@@ -11525,92 +17295,113 @@
               <a:t>AT) là một giao thức mạng cho phép các máy khách tìm ra địa chỉ công khai của mình, loại NAT mà chúng đang đứng sau và cổng phía Internet được NAT gắn liền với cổng nội bộ nào đó</a:t>
             </a:r>
             <a:r>
-              <a:rPr lang="" altLang="en-US" sz="2000">
+              <a:rPr lang="en-US" altLang="en-US" sz="2000">
                 <a:latin typeface="Times New Roman [Mono]" panose="02020603050405020304" charset="0"/>
                 <a:cs typeface="Times New Roman [Mono]" panose="02020603050405020304" charset="0"/>
               </a:rPr>
               <a:t>.</a:t>
             </a:r>
-            <a:endParaRPr lang="" altLang="en-US" sz="2000">
+            <a:endParaRPr lang="en-US" altLang="en-US" sz="2000">
               <a:latin typeface="Times New Roman [Mono]" panose="02020603050405020304" charset="0"/>
               <a:cs typeface="Times New Roman [Mono]" panose="02020603050405020304" charset="0"/>
             </a:endParaRPr>
           </a:p>
+        </p:txBody>
+      </p:sp>
+      <p:sp>
+        <p:nvSpPr>
+          <p:cNvPr id="6" name="Text Box 5"/>
+          <p:cNvSpPr txBox="1"/>
+          <p:nvPr/>
+        </p:nvSpPr>
+        <p:spPr>
+          <a:xfrm>
+            <a:off x="224155" y="3282315"/>
+            <a:ext cx="4043045" cy="2553335"/>
+          </a:xfrm>
+          <a:prstGeom prst="rect">
+            <a:avLst/>
+          </a:prstGeom>
+          <a:noFill/>
+        </p:spPr>
+        <p:txBody>
+          <a:bodyPr wrap="square" rtlCol="0">
+            <a:spAutoFit/>
+          </a:bodyPr>
           <a:p>
             <a:pPr marL="285750" indent="-285750">
               <a:buFont typeface="Arial" panose="020B0604020202020204" pitchFamily="34" charset="0"/>
               <a:buChar char="•"/>
             </a:pPr>
-            <a:endParaRPr lang="" altLang="en-US" sz="2000">
-              <a:latin typeface="Times New Roman [Mono]" panose="02020603050405020304" charset="0"/>
-              <a:cs typeface="Times New Roman [Mono]" panose="02020603050405020304" charset="0"/>
-            </a:endParaRPr>
-          </a:p>
-          <a:p>
-            <a:pPr marL="285750" indent="-285750">
-              <a:buFont typeface="Arial" panose="020B0604020202020204" pitchFamily="34" charset="0"/>
-              <a:buChar char="•"/>
-            </a:pPr>
-            <a:r>
-              <a:rPr lang="" altLang="en-US" sz="2000">
+            <a:r>
+              <a:rPr lang="en-US" altLang="en-US" sz="2000">
                 <a:latin typeface="Times New Roman [Mono]" panose="02020603050405020304" charset="0"/>
                 <a:cs typeface="Times New Roman [Mono]" panose="02020603050405020304" charset="0"/>
+                <a:sym typeface="+mn-ea"/>
               </a:rPr>
               <a:t>TURN (</a:t>
             </a:r>
             <a:r>
-              <a:rPr lang="" altLang="en-US" sz="2000" b="1">
+              <a:rPr lang="en-US" altLang="en-US" sz="2000" b="1">
                 <a:latin typeface="Times New Roman [Mono]" panose="02020603050405020304" charset="0"/>
                 <a:cs typeface="Times New Roman [Mono]" panose="02020603050405020304" charset="0"/>
+                <a:sym typeface="+mn-ea"/>
               </a:rPr>
               <a:t>T</a:t>
             </a:r>
             <a:r>
-              <a:rPr lang="" altLang="en-US" sz="2000">
+              <a:rPr lang="en-US" altLang="en-US" sz="2000">
                 <a:latin typeface="Times New Roman [Mono]" panose="02020603050405020304" charset="0"/>
                 <a:cs typeface="Times New Roman [Mono]" panose="02020603050405020304" charset="0"/>
+                <a:sym typeface="+mn-ea"/>
               </a:rPr>
               <a:t>raversal </a:t>
             </a:r>
             <a:r>
-              <a:rPr lang="" altLang="en-US" sz="2000" b="1">
+              <a:rPr lang="en-US" altLang="en-US" sz="2000" b="1">
                 <a:latin typeface="Times New Roman [Mono]" panose="02020603050405020304" charset="0"/>
                 <a:cs typeface="Times New Roman [Mono]" panose="02020603050405020304" charset="0"/>
+                <a:sym typeface="+mn-ea"/>
               </a:rPr>
               <a:t>U</a:t>
             </a:r>
             <a:r>
-              <a:rPr lang="" altLang="en-US" sz="2000">
+              <a:rPr lang="en-US" altLang="en-US" sz="2000">
                 <a:latin typeface="Times New Roman [Mono]" panose="02020603050405020304" charset="0"/>
                 <a:cs typeface="Times New Roman [Mono]" panose="02020603050405020304" charset="0"/>
+                <a:sym typeface="+mn-ea"/>
               </a:rPr>
               <a:t>sing </a:t>
             </a:r>
             <a:r>
-              <a:rPr lang="" altLang="en-US" sz="2000" b="1">
+              <a:rPr lang="en-US" altLang="en-US" sz="2000" b="1">
                 <a:latin typeface="Times New Roman [Mono]" panose="02020603050405020304" charset="0"/>
                 <a:cs typeface="Times New Roman [Mono]" panose="02020603050405020304" charset="0"/>
+                <a:sym typeface="+mn-ea"/>
               </a:rPr>
               <a:t>R</a:t>
             </a:r>
             <a:r>
-              <a:rPr lang="" altLang="en-US" sz="2000">
+              <a:rPr lang="en-US" altLang="en-US" sz="2000">
                 <a:latin typeface="Times New Roman [Mono]" panose="02020603050405020304" charset="0"/>
                 <a:cs typeface="Times New Roman [Mono]" panose="02020603050405020304" charset="0"/>
+                <a:sym typeface="+mn-ea"/>
               </a:rPr>
               <a:t>elays around </a:t>
             </a:r>
             <a:r>
-              <a:rPr lang="" altLang="en-US" sz="2000" b="1">
+              <a:rPr lang="en-US" altLang="en-US" sz="2000" b="1">
                 <a:latin typeface="Times New Roman [Mono]" panose="02020603050405020304" charset="0"/>
                 <a:cs typeface="Times New Roman [Mono]" panose="02020603050405020304" charset="0"/>
+                <a:sym typeface="+mn-ea"/>
               </a:rPr>
               <a:t>N</a:t>
             </a:r>
             <a:r>
-              <a:rPr lang="" altLang="en-US" sz="2000">
+              <a:rPr lang="en-US" altLang="en-US" sz="2000">
                 <a:latin typeface="Times New Roman [Mono]" panose="02020603050405020304" charset="0"/>
                 <a:cs typeface="Times New Roman [Mono]" panose="02020603050405020304" charset="0"/>
+                <a:sym typeface="+mn-ea"/>
               </a:rPr>
               <a:t>AT) </a:t>
             </a:r>
@@ -11623,16 +17414,20 @@
               <a:t>đóng vai trò</a:t>
             </a:r>
             <a:r>
-              <a:rPr lang="" altLang="en-US" sz="2000">
+              <a:rPr lang="en-US" altLang="en-US" sz="2000">
                 <a:latin typeface="Times New Roman [Mono]" panose="02020603050405020304" charset="0"/>
                 <a:cs typeface="Times New Roman [Mono]" panose="02020603050405020304" charset="0"/>
+                <a:sym typeface="+mn-ea"/>
               </a:rPr>
               <a:t> hoạt động như người trung gian, dữ liệu thay vì được gửi trực tiếp tới các peer thì sẽ gửi tới TURN server và TURN server sẽ gửi nó tới các peer khác.</a:t>
             </a:r>
-            <a:endParaRPr lang="" altLang="en-US" sz="2000">
+            <a:endParaRPr lang="en-US" altLang="en-US" sz="2000">
               <a:latin typeface="Times New Roman [Mono]" panose="02020603050405020304" charset="0"/>
               <a:cs typeface="Times New Roman [Mono]" panose="02020603050405020304" charset="0"/>
             </a:endParaRPr>
+          </a:p>
+          <a:p>
+            <a:endParaRPr lang="en-US" sz="2000"/>
           </a:p>
         </p:txBody>
       </p:sp>
@@ -11641,12 +17436,206 @@
   <p:clrMapOvr>
     <a:masterClrMapping/>
   </p:clrMapOvr>
+  <p:transition>
+    <p:wipe dir="r"/>
+  </p:transition>
   <p:timing>
     <p:tnLst>
       <p:par>
-        <p:cTn id="1" dur="indefinite" restart="never" nodeType="tmRoot"/>
+        <p:cTn id="1" dur="indefinite" restart="never" nodeType="tmRoot">
+          <p:childTnLst>
+            <p:seq concurrent="1" nextAc="seek">
+              <p:cTn id="2" dur="indefinite" nodeType="mainSeq">
+                <p:childTnLst>
+                  <p:par>
+                    <p:cTn id="3" fill="hold">
+                      <p:stCondLst>
+                        <p:cond delay="indefinite"/>
+                        <p:cond evt="onBegin" delay="0">
+                          <p:tn val="2"/>
+                        </p:cond>
+                      </p:stCondLst>
+                      <p:childTnLst>
+                        <p:par>
+                          <p:cTn id="4" fill="hold">
+                            <p:stCondLst>
+                              <p:cond delay="0"/>
+                            </p:stCondLst>
+                            <p:childTnLst>
+                              <p:par>
+                                <p:cTn id="5" presetID="9" presetClass="entr" presetSubtype="0" fill="hold" nodeType="withEffect">
+                                  <p:stCondLst>
+                                    <p:cond delay="0"/>
+                                  </p:stCondLst>
+                                  <p:childTnLst>
+                                    <p:set>
+                                      <p:cBhvr>
+                                        <p:cTn id="6" dur="1" fill="hold">
+                                          <p:stCondLst>
+                                            <p:cond delay="0"/>
+                                          </p:stCondLst>
+                                        </p:cTn>
+                                        <p:tgtEl>
+                                          <p:spTgt spid="2"/>
+                                        </p:tgtEl>
+                                        <p:attrNameLst>
+                                          <p:attrName>style.visibility</p:attrName>
+                                        </p:attrNameLst>
+                                      </p:cBhvr>
+                                      <p:to>
+                                        <p:strVal val="visible"/>
+                                      </p:to>
+                                    </p:set>
+                                    <p:animEffect transition="in" filter="dissolve">
+                                      <p:cBhvr>
+                                        <p:cTn id="7" dur="500"/>
+                                        <p:tgtEl>
+                                          <p:spTgt spid="2"/>
+                                        </p:tgtEl>
+                                      </p:cBhvr>
+                                    </p:animEffect>
+                                  </p:childTnLst>
+                                </p:cTn>
+                              </p:par>
+                            </p:childTnLst>
+                          </p:cTn>
+                        </p:par>
+                      </p:childTnLst>
+                    </p:cTn>
+                  </p:par>
+                  <p:par>
+                    <p:cTn id="8" fill="hold">
+                      <p:stCondLst>
+                        <p:cond delay="indefinite"/>
+                      </p:stCondLst>
+                      <p:childTnLst>
+                        <p:par>
+                          <p:cTn id="9" fill="hold">
+                            <p:stCondLst>
+                              <p:cond delay="0"/>
+                            </p:stCondLst>
+                            <p:childTnLst>
+                              <p:par>
+                                <p:cTn id="10" presetID="10" presetClass="entr" presetSubtype="0" fill="hold" grpId="0" nodeType="clickEffect">
+                                  <p:stCondLst>
+                                    <p:cond delay="0"/>
+                                  </p:stCondLst>
+                                  <p:childTnLst>
+                                    <p:set>
+                                      <p:cBhvr>
+                                        <p:cTn id="11" dur="1" fill="hold">
+                                          <p:stCondLst>
+                                            <p:cond delay="0"/>
+                                          </p:stCondLst>
+                                        </p:cTn>
+                                        <p:tgtEl>
+                                          <p:spTgt spid="3"/>
+                                        </p:tgtEl>
+                                        <p:attrNameLst>
+                                          <p:attrName>style.visibility</p:attrName>
+                                        </p:attrNameLst>
+                                      </p:cBhvr>
+                                      <p:to>
+                                        <p:strVal val="visible"/>
+                                      </p:to>
+                                    </p:set>
+                                    <p:animEffect transition="in" filter="fade">
+                                      <p:cBhvr>
+                                        <p:cTn id="12" dur="500"/>
+                                        <p:tgtEl>
+                                          <p:spTgt spid="3"/>
+                                        </p:tgtEl>
+                                      </p:cBhvr>
+                                    </p:animEffect>
+                                  </p:childTnLst>
+                                </p:cTn>
+                              </p:par>
+                            </p:childTnLst>
+                          </p:cTn>
+                        </p:par>
+                      </p:childTnLst>
+                    </p:cTn>
+                  </p:par>
+                  <p:par>
+                    <p:cTn id="13" fill="hold">
+                      <p:stCondLst>
+                        <p:cond delay="indefinite"/>
+                      </p:stCondLst>
+                      <p:childTnLst>
+                        <p:par>
+                          <p:cTn id="14" fill="hold">
+                            <p:stCondLst>
+                              <p:cond delay="0"/>
+                            </p:stCondLst>
+                            <p:childTnLst>
+                              <p:par>
+                                <p:cTn id="15" presetID="10" presetClass="entr" presetSubtype="0" fill="hold" grpId="0" nodeType="clickEffect">
+                                  <p:stCondLst>
+                                    <p:cond delay="0"/>
+                                  </p:stCondLst>
+                                  <p:childTnLst>
+                                    <p:set>
+                                      <p:cBhvr>
+                                        <p:cTn id="16" dur="1" fill="hold">
+                                          <p:stCondLst>
+                                            <p:cond delay="0"/>
+                                          </p:stCondLst>
+                                        </p:cTn>
+                                        <p:tgtEl>
+                                          <p:spTgt spid="6"/>
+                                        </p:tgtEl>
+                                        <p:attrNameLst>
+                                          <p:attrName>style.visibility</p:attrName>
+                                        </p:attrNameLst>
+                                      </p:cBhvr>
+                                      <p:to>
+                                        <p:strVal val="visible"/>
+                                      </p:to>
+                                    </p:set>
+                                    <p:animEffect transition="in" filter="fade">
+                                      <p:cBhvr>
+                                        <p:cTn id="17" dur="500"/>
+                                        <p:tgtEl>
+                                          <p:spTgt spid="6"/>
+                                        </p:tgtEl>
+                                      </p:cBhvr>
+                                    </p:animEffect>
+                                  </p:childTnLst>
+                                </p:cTn>
+                              </p:par>
+                            </p:childTnLst>
+                          </p:cTn>
+                        </p:par>
+                      </p:childTnLst>
+                    </p:cTn>
+                  </p:par>
+                </p:childTnLst>
+              </p:cTn>
+              <p:prevCondLst>
+                <p:cond evt="onPrev" delay="0">
+                  <p:tgtEl>
+                    <p:sldTgt/>
+                  </p:tgtEl>
+                </p:cond>
+              </p:prevCondLst>
+              <p:nextCondLst>
+                <p:cond evt="onNext" delay="0">
+                  <p:tgtEl>
+                    <p:sldTgt/>
+                  </p:tgtEl>
+                </p:cond>
+              </p:nextCondLst>
+            </p:seq>
+          </p:childTnLst>
+        </p:cTn>
       </p:par>
     </p:tnLst>
+    <p:bldLst>
+      <p:bldP spid="3" grpId="0"/>
+      <p:bldP spid="3" grpId="1"/>
+      <p:bldP spid="6" grpId="0"/>
+      <p:bldP spid="6" grpId="1"/>
+    </p:bldLst>
   </p:timing>
 </p:sld>
 </file>
@@ -11821,7 +17810,7 @@
         <p:spPr>
           <a:xfrm>
             <a:off x="285750" y="1473200"/>
-            <a:ext cx="8553450" cy="2122805"/>
+            <a:ext cx="8553450" cy="1106805"/>
           </a:xfrm>
           <a:prstGeom prst="rect">
             <a:avLst/>
@@ -11840,31 +17829,6 @@
               </a:rPr>
               <a:t>- ICE là một bộ kết hợp của những metadata cần thiết, các định tuyến mạng (Địa chỉ IP và port) và các thông tin media thường dùng để giao tiếp với mỗi peer.</a:t>
             </a:r>
-            <a:endParaRPr lang="en-US" altLang="en-US" sz="2200">
-              <a:latin typeface="Times New Roman [Mono]" panose="02020603050405020304" charset="0"/>
-              <a:cs typeface="Times New Roman [Mono]" panose="02020603050405020304" charset="0"/>
-            </a:endParaRPr>
-          </a:p>
-          <a:p>
-            <a:endParaRPr lang="en-US" altLang="en-US" sz="2200">
-              <a:latin typeface="Times New Roman [Mono]" panose="02020603050405020304" charset="0"/>
-              <a:cs typeface="Times New Roman [Mono]" panose="02020603050405020304" charset="0"/>
-            </a:endParaRPr>
-          </a:p>
-          <a:p>
-            <a:r>
-              <a:rPr lang="en-US" altLang="en-US" sz="2200">
-                <a:latin typeface="Times New Roman [Mono]" panose="02020603050405020304" charset="0"/>
-                <a:cs typeface="Times New Roman [Mono]" panose="02020603050405020304" charset="0"/>
-              </a:rPr>
-              <a:t>- Cách thức hoạt động của ICE:</a:t>
-            </a:r>
-            <a:endParaRPr lang="en-US" altLang="en-US" sz="2200">
-              <a:latin typeface="Times New Roman [Mono]" panose="02020603050405020304" charset="0"/>
-              <a:cs typeface="Times New Roman [Mono]" panose="02020603050405020304" charset="0"/>
-            </a:endParaRPr>
-          </a:p>
-          <a:p>
             <a:endParaRPr lang="en-US" altLang="en-US" sz="2200">
               <a:latin typeface="Times New Roman [Mono]" panose="02020603050405020304" charset="0"/>
               <a:cs typeface="Times New Roman [Mono]" panose="02020603050405020304" charset="0"/>
@@ -12201,17 +18165,798 @@
           </a:p>
         </p:txBody>
       </p:sp>
+      <p:sp>
+        <p:nvSpPr>
+          <p:cNvPr id="2" name="Text Box 1"/>
+          <p:cNvSpPr txBox="1"/>
+          <p:nvPr/>
+        </p:nvSpPr>
+        <p:spPr>
+          <a:xfrm>
+            <a:off x="342900" y="2728595"/>
+            <a:ext cx="8420100" cy="429895"/>
+          </a:xfrm>
+          <a:prstGeom prst="rect">
+            <a:avLst/>
+          </a:prstGeom>
+          <a:noFill/>
+        </p:spPr>
+        <p:txBody>
+          <a:bodyPr wrap="square" rtlCol="0">
+            <a:spAutoFit/>
+          </a:bodyPr>
+          <a:p>
+            <a:r>
+              <a:rPr lang="en-US" altLang="en-US" sz="2200">
+                <a:latin typeface="Times New Roman [Mono]" panose="02020603050405020304" charset="0"/>
+                <a:cs typeface="Times New Roman [Mono]" panose="02020603050405020304" charset="0"/>
+                <a:sym typeface="+mn-ea"/>
+              </a:rPr>
+              <a:t>- Cách thức hoạt động của ICE:</a:t>
+            </a:r>
+            <a:endParaRPr lang="en-US" sz="2200"/>
+          </a:p>
+        </p:txBody>
+      </p:sp>
     </p:spTree>
   </p:cSld>
   <p:clrMapOvr>
     <a:masterClrMapping/>
   </p:clrMapOvr>
+  <p:transition>
+    <p:wipe dir="r"/>
+  </p:transition>
   <p:timing>
     <p:tnLst>
       <p:par>
-        <p:cTn id="1" dur="indefinite" restart="never" nodeType="tmRoot"/>
+        <p:cTn id="1" dur="indefinite" restart="never" nodeType="tmRoot">
+          <p:childTnLst>
+            <p:seq concurrent="1" nextAc="seek">
+              <p:cTn id="2" dur="indefinite" nodeType="mainSeq">
+                <p:childTnLst>
+                  <p:par>
+                    <p:cTn id="3" fill="hold">
+                      <p:stCondLst>
+                        <p:cond delay="indefinite"/>
+                        <p:cond evt="onBegin" delay="0">
+                          <p:tn val="2"/>
+                        </p:cond>
+                      </p:stCondLst>
+                      <p:childTnLst>
+                        <p:par>
+                          <p:cTn id="4" fill="hold">
+                            <p:stCondLst>
+                              <p:cond delay="0"/>
+                            </p:stCondLst>
+                            <p:childTnLst>
+                              <p:par>
+                                <p:cTn id="5" presetID="10" presetClass="entr" presetSubtype="0" fill="hold" grpId="0" nodeType="withEffect">
+                                  <p:stCondLst>
+                                    <p:cond delay="0"/>
+                                  </p:stCondLst>
+                                  <p:childTnLst>
+                                    <p:set>
+                                      <p:cBhvr>
+                                        <p:cTn id="6" dur="1" fill="hold">
+                                          <p:stCondLst>
+                                            <p:cond delay="0"/>
+                                          </p:stCondLst>
+                                        </p:cTn>
+                                        <p:tgtEl>
+                                          <p:spTgt spid="6"/>
+                                        </p:tgtEl>
+                                        <p:attrNameLst>
+                                          <p:attrName>style.visibility</p:attrName>
+                                        </p:attrNameLst>
+                                      </p:cBhvr>
+                                      <p:to>
+                                        <p:strVal val="visible"/>
+                                      </p:to>
+                                    </p:set>
+                                    <p:animEffect transition="in" filter="fade">
+                                      <p:cBhvr>
+                                        <p:cTn id="7" dur="500"/>
+                                        <p:tgtEl>
+                                          <p:spTgt spid="6"/>
+                                        </p:tgtEl>
+                                      </p:cBhvr>
+                                    </p:animEffect>
+                                  </p:childTnLst>
+                                </p:cTn>
+                              </p:par>
+                            </p:childTnLst>
+                          </p:cTn>
+                        </p:par>
+                      </p:childTnLst>
+                    </p:cTn>
+                  </p:par>
+                  <p:par>
+                    <p:cTn id="8" fill="hold">
+                      <p:stCondLst>
+                        <p:cond delay="indefinite"/>
+                      </p:stCondLst>
+                      <p:childTnLst>
+                        <p:par>
+                          <p:cTn id="9" fill="hold">
+                            <p:stCondLst>
+                              <p:cond delay="0"/>
+                            </p:stCondLst>
+                            <p:childTnLst>
+                              <p:par>
+                                <p:cTn id="10" presetID="10" presetClass="entr" presetSubtype="0" fill="hold" grpId="0" nodeType="clickEffect">
+                                  <p:stCondLst>
+                                    <p:cond delay="0"/>
+                                  </p:stCondLst>
+                                  <p:childTnLst>
+                                    <p:set>
+                                      <p:cBhvr>
+                                        <p:cTn id="11" dur="1" fill="hold">
+                                          <p:stCondLst>
+                                            <p:cond delay="0"/>
+                                          </p:stCondLst>
+                                        </p:cTn>
+                                        <p:tgtEl>
+                                          <p:spTgt spid="7"/>
+                                        </p:tgtEl>
+                                        <p:attrNameLst>
+                                          <p:attrName>style.visibility</p:attrName>
+                                        </p:attrNameLst>
+                                      </p:cBhvr>
+                                      <p:to>
+                                        <p:strVal val="visible"/>
+                                      </p:to>
+                                    </p:set>
+                                    <p:animEffect transition="in" filter="fade">
+                                      <p:cBhvr>
+                                        <p:cTn id="12" dur="500"/>
+                                        <p:tgtEl>
+                                          <p:spTgt spid="7"/>
+                                        </p:tgtEl>
+                                      </p:cBhvr>
+                                    </p:animEffect>
+                                  </p:childTnLst>
+                                </p:cTn>
+                              </p:par>
+                            </p:childTnLst>
+                          </p:cTn>
+                        </p:par>
+                      </p:childTnLst>
+                    </p:cTn>
+                  </p:par>
+                  <p:par>
+                    <p:cTn id="13" fill="hold">
+                      <p:stCondLst>
+                        <p:cond delay="indefinite"/>
+                      </p:stCondLst>
+                      <p:childTnLst>
+                        <p:par>
+                          <p:cTn id="14" fill="hold">
+                            <p:stCondLst>
+                              <p:cond delay="0"/>
+                            </p:stCondLst>
+                            <p:childTnLst>
+                              <p:par>
+                                <p:cTn id="15" presetID="10" presetClass="entr" presetSubtype="0" fill="hold" grpId="0" nodeType="clickEffect">
+                                  <p:stCondLst>
+                                    <p:cond delay="0"/>
+                                  </p:stCondLst>
+                                  <p:childTnLst>
+                                    <p:set>
+                                      <p:cBhvr>
+                                        <p:cTn id="16" dur="1" fill="hold">
+                                          <p:stCondLst>
+                                            <p:cond delay="0"/>
+                                          </p:stCondLst>
+                                        </p:cTn>
+                                        <p:tgtEl>
+                                          <p:spTgt spid="2"/>
+                                        </p:tgtEl>
+                                        <p:attrNameLst>
+                                          <p:attrName>style.visibility</p:attrName>
+                                        </p:attrNameLst>
+                                      </p:cBhvr>
+                                      <p:to>
+                                        <p:strVal val="visible"/>
+                                      </p:to>
+                                    </p:set>
+                                    <p:animEffect transition="in" filter="fade">
+                                      <p:cBhvr>
+                                        <p:cTn id="17" dur="500"/>
+                                        <p:tgtEl>
+                                          <p:spTgt spid="2"/>
+                                        </p:tgtEl>
+                                      </p:cBhvr>
+                                    </p:animEffect>
+                                  </p:childTnLst>
+                                </p:cTn>
+                              </p:par>
+                            </p:childTnLst>
+                          </p:cTn>
+                        </p:par>
+                      </p:childTnLst>
+                    </p:cTn>
+                  </p:par>
+                  <p:par>
+                    <p:cTn id="18" fill="hold">
+                      <p:stCondLst>
+                        <p:cond delay="indefinite"/>
+                      </p:stCondLst>
+                      <p:childTnLst>
+                        <p:par>
+                          <p:cTn id="19" fill="hold">
+                            <p:stCondLst>
+                              <p:cond delay="0"/>
+                            </p:stCondLst>
+                            <p:childTnLst>
+                              <p:par>
+                                <p:cTn id="20" presetID="42" presetClass="entr" presetSubtype="0" fill="hold" grpId="0" nodeType="clickEffect">
+                                  <p:stCondLst>
+                                    <p:cond delay="0"/>
+                                  </p:stCondLst>
+                                  <p:childTnLst>
+                                    <p:set>
+                                      <p:cBhvr>
+                                        <p:cTn id="21" dur="500" fill="hold">
+                                          <p:stCondLst>
+                                            <p:cond delay="0"/>
+                                          </p:stCondLst>
+                                        </p:cTn>
+                                        <p:tgtEl>
+                                          <p:spTgt spid="482309"/>
+                                        </p:tgtEl>
+                                        <p:attrNameLst>
+                                          <p:attrName>style.visibility</p:attrName>
+                                        </p:attrNameLst>
+                                      </p:cBhvr>
+                                      <p:to>
+                                        <p:strVal val="visible"/>
+                                      </p:to>
+                                    </p:set>
+                                    <p:animEffect transition="in" filter="fade">
+                                      <p:cBhvr>
+                                        <p:cTn id="22" dur="500"/>
+                                        <p:tgtEl>
+                                          <p:spTgt spid="482309"/>
+                                        </p:tgtEl>
+                                      </p:cBhvr>
+                                    </p:animEffect>
+                                    <p:anim calcmode="lin" valueType="num">
+                                      <p:cBhvr>
+                                        <p:cTn id="23" dur="500" fill="hold"/>
+                                        <p:tgtEl>
+                                          <p:spTgt spid="482309"/>
+                                        </p:tgtEl>
+                                        <p:attrNameLst>
+                                          <p:attrName>ppt_x</p:attrName>
+                                        </p:attrNameLst>
+                                      </p:cBhvr>
+                                      <p:tavLst>
+                                        <p:tav tm="0">
+                                          <p:val>
+                                            <p:strVal val="#ppt_x"/>
+                                          </p:val>
+                                        </p:tav>
+                                        <p:tav tm="100000">
+                                          <p:val>
+                                            <p:strVal val="#ppt_x"/>
+                                          </p:val>
+                                        </p:tav>
+                                      </p:tavLst>
+                                    </p:anim>
+                                    <p:anim calcmode="lin" valueType="num">
+                                      <p:cBhvr>
+                                        <p:cTn id="24" dur="500" fill="hold"/>
+                                        <p:tgtEl>
+                                          <p:spTgt spid="482309"/>
+                                        </p:tgtEl>
+                                        <p:attrNameLst>
+                                          <p:attrName>ppt_y</p:attrName>
+                                        </p:attrNameLst>
+                                      </p:cBhvr>
+                                      <p:tavLst>
+                                        <p:tav tm="0">
+                                          <p:val>
+                                            <p:strVal val="#ppt_y+.1"/>
+                                          </p:val>
+                                        </p:tav>
+                                        <p:tav tm="100000">
+                                          <p:val>
+                                            <p:strVal val="#ppt_y"/>
+                                          </p:val>
+                                        </p:tav>
+                                      </p:tavLst>
+                                    </p:anim>
+                                  </p:childTnLst>
+                                </p:cTn>
+                              </p:par>
+                              <p:par>
+                                <p:cTn id="25" presetID="42" presetClass="entr" presetSubtype="0" fill="hold" grpId="0" nodeType="withEffect">
+                                  <p:stCondLst>
+                                    <p:cond delay="0"/>
+                                  </p:stCondLst>
+                                  <p:childTnLst>
+                                    <p:set>
+                                      <p:cBhvr>
+                                        <p:cTn id="26" dur="500" fill="hold">
+                                          <p:stCondLst>
+                                            <p:cond delay="0"/>
+                                          </p:stCondLst>
+                                        </p:cTn>
+                                        <p:tgtEl>
+                                          <p:spTgt spid="8"/>
+                                        </p:tgtEl>
+                                        <p:attrNameLst>
+                                          <p:attrName>style.visibility</p:attrName>
+                                        </p:attrNameLst>
+                                      </p:cBhvr>
+                                      <p:to>
+                                        <p:strVal val="visible"/>
+                                      </p:to>
+                                    </p:set>
+                                    <p:animEffect transition="in" filter="fade">
+                                      <p:cBhvr>
+                                        <p:cTn id="27" dur="500"/>
+                                        <p:tgtEl>
+                                          <p:spTgt spid="8"/>
+                                        </p:tgtEl>
+                                      </p:cBhvr>
+                                    </p:animEffect>
+                                    <p:anim calcmode="lin" valueType="num">
+                                      <p:cBhvr>
+                                        <p:cTn id="28" dur="500" fill="hold"/>
+                                        <p:tgtEl>
+                                          <p:spTgt spid="8"/>
+                                        </p:tgtEl>
+                                        <p:attrNameLst>
+                                          <p:attrName>ppt_x</p:attrName>
+                                        </p:attrNameLst>
+                                      </p:cBhvr>
+                                      <p:tavLst>
+                                        <p:tav tm="0">
+                                          <p:val>
+                                            <p:strVal val="#ppt_x"/>
+                                          </p:val>
+                                        </p:tav>
+                                        <p:tav tm="100000">
+                                          <p:val>
+                                            <p:strVal val="#ppt_x"/>
+                                          </p:val>
+                                        </p:tav>
+                                      </p:tavLst>
+                                    </p:anim>
+                                    <p:anim calcmode="lin" valueType="num">
+                                      <p:cBhvr>
+                                        <p:cTn id="29" dur="500" fill="hold"/>
+                                        <p:tgtEl>
+                                          <p:spTgt spid="8"/>
+                                        </p:tgtEl>
+                                        <p:attrNameLst>
+                                          <p:attrName>ppt_y</p:attrName>
+                                        </p:attrNameLst>
+                                      </p:cBhvr>
+                                      <p:tavLst>
+                                        <p:tav tm="0">
+                                          <p:val>
+                                            <p:strVal val="#ppt_y+.1"/>
+                                          </p:val>
+                                        </p:tav>
+                                        <p:tav tm="100000">
+                                          <p:val>
+                                            <p:strVal val="#ppt_y"/>
+                                          </p:val>
+                                        </p:tav>
+                                      </p:tavLst>
+                                    </p:anim>
+                                  </p:childTnLst>
+                                </p:cTn>
+                              </p:par>
+                            </p:childTnLst>
+                          </p:cTn>
+                        </p:par>
+                      </p:childTnLst>
+                    </p:cTn>
+                  </p:par>
+                  <p:par>
+                    <p:cTn id="30" fill="hold">
+                      <p:stCondLst>
+                        <p:cond delay="indefinite"/>
+                      </p:stCondLst>
+                      <p:childTnLst>
+                        <p:par>
+                          <p:cTn id="31" fill="hold">
+                            <p:stCondLst>
+                              <p:cond delay="0"/>
+                            </p:stCondLst>
+                            <p:childTnLst>
+                              <p:par>
+                                <p:cTn id="32" presetID="42" presetClass="entr" presetSubtype="0" fill="hold" grpId="0" nodeType="clickEffect">
+                                  <p:stCondLst>
+                                    <p:cond delay="0"/>
+                                  </p:stCondLst>
+                                  <p:childTnLst>
+                                    <p:set>
+                                      <p:cBhvr>
+                                        <p:cTn id="33" dur="500" fill="hold">
+                                          <p:stCondLst>
+                                            <p:cond delay="0"/>
+                                          </p:stCondLst>
+                                        </p:cTn>
+                                        <p:tgtEl>
+                                          <p:spTgt spid="482308"/>
+                                        </p:tgtEl>
+                                        <p:attrNameLst>
+                                          <p:attrName>style.visibility</p:attrName>
+                                        </p:attrNameLst>
+                                      </p:cBhvr>
+                                      <p:to>
+                                        <p:strVal val="visible"/>
+                                      </p:to>
+                                    </p:set>
+                                    <p:animEffect transition="in" filter="fade">
+                                      <p:cBhvr>
+                                        <p:cTn id="34" dur="500"/>
+                                        <p:tgtEl>
+                                          <p:spTgt spid="482308"/>
+                                        </p:tgtEl>
+                                      </p:cBhvr>
+                                    </p:animEffect>
+                                    <p:anim calcmode="lin" valueType="num">
+                                      <p:cBhvr>
+                                        <p:cTn id="35" dur="500" fill="hold"/>
+                                        <p:tgtEl>
+                                          <p:spTgt spid="482308"/>
+                                        </p:tgtEl>
+                                        <p:attrNameLst>
+                                          <p:attrName>ppt_x</p:attrName>
+                                        </p:attrNameLst>
+                                      </p:cBhvr>
+                                      <p:tavLst>
+                                        <p:tav tm="0">
+                                          <p:val>
+                                            <p:strVal val="#ppt_x"/>
+                                          </p:val>
+                                        </p:tav>
+                                        <p:tav tm="100000">
+                                          <p:val>
+                                            <p:strVal val="#ppt_x"/>
+                                          </p:val>
+                                        </p:tav>
+                                      </p:tavLst>
+                                    </p:anim>
+                                    <p:anim calcmode="lin" valueType="num">
+                                      <p:cBhvr>
+                                        <p:cTn id="36" dur="500" fill="hold"/>
+                                        <p:tgtEl>
+                                          <p:spTgt spid="482308"/>
+                                        </p:tgtEl>
+                                        <p:attrNameLst>
+                                          <p:attrName>ppt_y</p:attrName>
+                                        </p:attrNameLst>
+                                      </p:cBhvr>
+                                      <p:tavLst>
+                                        <p:tav tm="0">
+                                          <p:val>
+                                            <p:strVal val="#ppt_y+.1"/>
+                                          </p:val>
+                                        </p:tav>
+                                        <p:tav tm="100000">
+                                          <p:val>
+                                            <p:strVal val="#ppt_y"/>
+                                          </p:val>
+                                        </p:tav>
+                                      </p:tavLst>
+                                    </p:anim>
+                                  </p:childTnLst>
+                                </p:cTn>
+                              </p:par>
+                              <p:par>
+                                <p:cTn id="37" presetID="42" presetClass="entr" presetSubtype="0" fill="hold" grpId="0" nodeType="withEffect">
+                                  <p:stCondLst>
+                                    <p:cond delay="0"/>
+                                  </p:stCondLst>
+                                  <p:childTnLst>
+                                    <p:set>
+                                      <p:cBhvr>
+                                        <p:cTn id="38" dur="500" fill="hold">
+                                          <p:stCondLst>
+                                            <p:cond delay="0"/>
+                                          </p:stCondLst>
+                                        </p:cTn>
+                                        <p:tgtEl>
+                                          <p:spTgt spid="9"/>
+                                        </p:tgtEl>
+                                        <p:attrNameLst>
+                                          <p:attrName>style.visibility</p:attrName>
+                                        </p:attrNameLst>
+                                      </p:cBhvr>
+                                      <p:to>
+                                        <p:strVal val="visible"/>
+                                      </p:to>
+                                    </p:set>
+                                    <p:animEffect transition="in" filter="fade">
+                                      <p:cBhvr>
+                                        <p:cTn id="39" dur="500"/>
+                                        <p:tgtEl>
+                                          <p:spTgt spid="9"/>
+                                        </p:tgtEl>
+                                      </p:cBhvr>
+                                    </p:animEffect>
+                                    <p:anim calcmode="lin" valueType="num">
+                                      <p:cBhvr>
+                                        <p:cTn id="40" dur="500" fill="hold"/>
+                                        <p:tgtEl>
+                                          <p:spTgt spid="9"/>
+                                        </p:tgtEl>
+                                        <p:attrNameLst>
+                                          <p:attrName>ppt_x</p:attrName>
+                                        </p:attrNameLst>
+                                      </p:cBhvr>
+                                      <p:tavLst>
+                                        <p:tav tm="0">
+                                          <p:val>
+                                            <p:strVal val="#ppt_x"/>
+                                          </p:val>
+                                        </p:tav>
+                                        <p:tav tm="100000">
+                                          <p:val>
+                                            <p:strVal val="#ppt_x"/>
+                                          </p:val>
+                                        </p:tav>
+                                      </p:tavLst>
+                                    </p:anim>
+                                    <p:anim calcmode="lin" valueType="num">
+                                      <p:cBhvr>
+                                        <p:cTn id="41" dur="500" fill="hold"/>
+                                        <p:tgtEl>
+                                          <p:spTgt spid="9"/>
+                                        </p:tgtEl>
+                                        <p:attrNameLst>
+                                          <p:attrName>ppt_y</p:attrName>
+                                        </p:attrNameLst>
+                                      </p:cBhvr>
+                                      <p:tavLst>
+                                        <p:tav tm="0">
+                                          <p:val>
+                                            <p:strVal val="#ppt_y+.1"/>
+                                          </p:val>
+                                        </p:tav>
+                                        <p:tav tm="100000">
+                                          <p:val>
+                                            <p:strVal val="#ppt_y"/>
+                                          </p:val>
+                                        </p:tav>
+                                      </p:tavLst>
+                                    </p:anim>
+                                  </p:childTnLst>
+                                </p:cTn>
+                              </p:par>
+                            </p:childTnLst>
+                          </p:cTn>
+                        </p:par>
+                      </p:childTnLst>
+                    </p:cTn>
+                  </p:par>
+                  <p:par>
+                    <p:cTn id="42" fill="hold">
+                      <p:stCondLst>
+                        <p:cond delay="indefinite"/>
+                      </p:stCondLst>
+                      <p:childTnLst>
+                        <p:par>
+                          <p:cTn id="43" fill="hold">
+                            <p:stCondLst>
+                              <p:cond delay="0"/>
+                            </p:stCondLst>
+                            <p:childTnLst>
+                              <p:par>
+                                <p:cTn id="44" presetID="42" presetClass="entr" presetSubtype="0" fill="hold" grpId="0" nodeType="clickEffect">
+                                  <p:stCondLst>
+                                    <p:cond delay="0"/>
+                                  </p:stCondLst>
+                                  <p:childTnLst>
+                                    <p:set>
+                                      <p:cBhvr>
+                                        <p:cTn id="45" dur="500" fill="hold">
+                                          <p:stCondLst>
+                                            <p:cond delay="0"/>
+                                          </p:stCondLst>
+                                        </p:cTn>
+                                        <p:tgtEl>
+                                          <p:spTgt spid="482307"/>
+                                        </p:tgtEl>
+                                        <p:attrNameLst>
+                                          <p:attrName>style.visibility</p:attrName>
+                                        </p:attrNameLst>
+                                      </p:cBhvr>
+                                      <p:to>
+                                        <p:strVal val="visible"/>
+                                      </p:to>
+                                    </p:set>
+                                    <p:animEffect transition="in" filter="fade">
+                                      <p:cBhvr>
+                                        <p:cTn id="46" dur="500"/>
+                                        <p:tgtEl>
+                                          <p:spTgt spid="482307"/>
+                                        </p:tgtEl>
+                                      </p:cBhvr>
+                                    </p:animEffect>
+                                    <p:anim calcmode="lin" valueType="num">
+                                      <p:cBhvr>
+                                        <p:cTn id="47" dur="500" fill="hold"/>
+                                        <p:tgtEl>
+                                          <p:spTgt spid="482307"/>
+                                        </p:tgtEl>
+                                        <p:attrNameLst>
+                                          <p:attrName>ppt_x</p:attrName>
+                                        </p:attrNameLst>
+                                      </p:cBhvr>
+                                      <p:tavLst>
+                                        <p:tav tm="0">
+                                          <p:val>
+                                            <p:strVal val="#ppt_x"/>
+                                          </p:val>
+                                        </p:tav>
+                                        <p:tav tm="100000">
+                                          <p:val>
+                                            <p:strVal val="#ppt_x"/>
+                                          </p:val>
+                                        </p:tav>
+                                      </p:tavLst>
+                                    </p:anim>
+                                    <p:anim calcmode="lin" valueType="num">
+                                      <p:cBhvr>
+                                        <p:cTn id="48" dur="500" fill="hold"/>
+                                        <p:tgtEl>
+                                          <p:spTgt spid="482307"/>
+                                        </p:tgtEl>
+                                        <p:attrNameLst>
+                                          <p:attrName>ppt_y</p:attrName>
+                                        </p:attrNameLst>
+                                      </p:cBhvr>
+                                      <p:tavLst>
+                                        <p:tav tm="0">
+                                          <p:val>
+                                            <p:strVal val="#ppt_y+.1"/>
+                                          </p:val>
+                                        </p:tav>
+                                        <p:tav tm="100000">
+                                          <p:val>
+                                            <p:strVal val="#ppt_y"/>
+                                          </p:val>
+                                        </p:tav>
+                                      </p:tavLst>
+                                    </p:anim>
+                                  </p:childTnLst>
+                                </p:cTn>
+                              </p:par>
+                              <p:par>
+                                <p:cTn id="49" presetID="42" presetClass="entr" presetSubtype="0" fill="hold" grpId="0" nodeType="withEffect">
+                                  <p:stCondLst>
+                                    <p:cond delay="0"/>
+                                  </p:stCondLst>
+                                  <p:childTnLst>
+                                    <p:set>
+                                      <p:cBhvr>
+                                        <p:cTn id="50" dur="500" fill="hold">
+                                          <p:stCondLst>
+                                            <p:cond delay="0"/>
+                                          </p:stCondLst>
+                                        </p:cTn>
+                                        <p:tgtEl>
+                                          <p:spTgt spid="10"/>
+                                        </p:tgtEl>
+                                        <p:attrNameLst>
+                                          <p:attrName>style.visibility</p:attrName>
+                                        </p:attrNameLst>
+                                      </p:cBhvr>
+                                      <p:to>
+                                        <p:strVal val="visible"/>
+                                      </p:to>
+                                    </p:set>
+                                    <p:animEffect transition="in" filter="fade">
+                                      <p:cBhvr>
+                                        <p:cTn id="51" dur="500"/>
+                                        <p:tgtEl>
+                                          <p:spTgt spid="10"/>
+                                        </p:tgtEl>
+                                      </p:cBhvr>
+                                    </p:animEffect>
+                                    <p:anim calcmode="lin" valueType="num">
+                                      <p:cBhvr>
+                                        <p:cTn id="52" dur="500" fill="hold"/>
+                                        <p:tgtEl>
+                                          <p:spTgt spid="10"/>
+                                        </p:tgtEl>
+                                        <p:attrNameLst>
+                                          <p:attrName>ppt_x</p:attrName>
+                                        </p:attrNameLst>
+                                      </p:cBhvr>
+                                      <p:tavLst>
+                                        <p:tav tm="0">
+                                          <p:val>
+                                            <p:strVal val="#ppt_x"/>
+                                          </p:val>
+                                        </p:tav>
+                                        <p:tav tm="100000">
+                                          <p:val>
+                                            <p:strVal val="#ppt_x"/>
+                                          </p:val>
+                                        </p:tav>
+                                      </p:tavLst>
+                                    </p:anim>
+                                    <p:anim calcmode="lin" valueType="num">
+                                      <p:cBhvr>
+                                        <p:cTn id="53" dur="500" fill="hold"/>
+                                        <p:tgtEl>
+                                          <p:spTgt spid="10"/>
+                                        </p:tgtEl>
+                                        <p:attrNameLst>
+                                          <p:attrName>ppt_y</p:attrName>
+                                        </p:attrNameLst>
+                                      </p:cBhvr>
+                                      <p:tavLst>
+                                        <p:tav tm="0">
+                                          <p:val>
+                                            <p:strVal val="#ppt_y+.1"/>
+                                          </p:val>
+                                        </p:tav>
+                                        <p:tav tm="100000">
+                                          <p:val>
+                                            <p:strVal val="#ppt_y"/>
+                                          </p:val>
+                                        </p:tav>
+                                      </p:tavLst>
+                                    </p:anim>
+                                  </p:childTnLst>
+                                </p:cTn>
+                              </p:par>
+                            </p:childTnLst>
+                          </p:cTn>
+                        </p:par>
+                      </p:childTnLst>
+                    </p:cTn>
+                  </p:par>
+                </p:childTnLst>
+              </p:cTn>
+              <p:prevCondLst>
+                <p:cond evt="onPrev" delay="0">
+                  <p:tgtEl>
+                    <p:sldTgt/>
+                  </p:tgtEl>
+                </p:cond>
+              </p:prevCondLst>
+              <p:nextCondLst>
+                <p:cond evt="onNext" delay="0">
+                  <p:tgtEl>
+                    <p:sldTgt/>
+                  </p:tgtEl>
+                </p:cond>
+              </p:nextCondLst>
+            </p:seq>
+          </p:childTnLst>
+        </p:cTn>
       </p:par>
     </p:tnLst>
+    <p:bldLst>
+      <p:bldP spid="6" grpId="0"/>
+      <p:bldP spid="6" grpId="1"/>
+      <p:bldP spid="7" grpId="0"/>
+      <p:bldP spid="7" grpId="1"/>
+      <p:bldP spid="2" grpId="0"/>
+      <p:bldP spid="2" grpId="1"/>
+      <p:bldP spid="482309" grpId="0" animBg="1"/>
+      <p:bldP spid="8" grpId="0" animBg="1"/>
+      <p:bldP spid="482309" grpId="1" animBg="1"/>
+      <p:bldP spid="8" grpId="1" animBg="1"/>
+      <p:bldP spid="482308" grpId="0" animBg="1"/>
+      <p:bldP spid="9" grpId="0" animBg="1"/>
+      <p:bldP spid="482308" grpId="1" animBg="1"/>
+      <p:bldP spid="9" grpId="1" animBg="1"/>
+      <p:bldP spid="482307" grpId="0" animBg="1"/>
+      <p:bldP spid="10" grpId="0" animBg="1"/>
+      <p:bldP spid="482307" grpId="1" animBg="1"/>
+      <p:bldP spid="10" grpId="1" animBg="1"/>
+    </p:bldLst>
   </p:timing>
 </p:sld>
 </file>
